--- a/slide/Drawing.pptx
+++ b/slide/Drawing.pptx
@@ -199,7 +199,7 @@
           </a:lstStyle>
           <a:p>
             <a:fld id="{84F9F63B-FD05-6D4D-8149-B352AF9FEA1D}" type="datetimeFigureOut">
-              <a:t>15/3/25</a:t>
+              <a:t>19/3/25</a:t>
             </a:fld>
             <a:endParaRPr lang="en-VN"/>
           </a:p>
@@ -696,7 +696,7 @@
           <a:p>
             <a:fld id="{0193F718-3D18-4B3B-B198-31BEF3B1DDEC}" type="datetimeFigureOut">
               <a:rPr lang="en-US" smtClean="0"/>
-              <a:t>3/14/25</a:t>
+              <a:t>3/19/25</a:t>
             </a:fld>
             <a:endParaRPr lang="en-US"/>
           </a:p>
@@ -894,7 +894,7 @@
           <a:p>
             <a:fld id="{0193F718-3D18-4B3B-B198-31BEF3B1DDEC}" type="datetimeFigureOut">
               <a:rPr lang="en-US" smtClean="0"/>
-              <a:t>3/14/25</a:t>
+              <a:t>3/19/25</a:t>
             </a:fld>
             <a:endParaRPr lang="en-US"/>
           </a:p>
@@ -1102,7 +1102,7 @@
           <a:p>
             <a:fld id="{0193F718-3D18-4B3B-B198-31BEF3B1DDEC}" type="datetimeFigureOut">
               <a:rPr lang="en-US" smtClean="0"/>
-              <a:t>3/14/25</a:t>
+              <a:t>3/19/25</a:t>
             </a:fld>
             <a:endParaRPr lang="en-US"/>
           </a:p>
@@ -1300,7 +1300,7 @@
           <a:p>
             <a:fld id="{0193F718-3D18-4B3B-B198-31BEF3B1DDEC}" type="datetimeFigureOut">
               <a:rPr lang="en-US" smtClean="0"/>
-              <a:t>3/14/25</a:t>
+              <a:t>3/19/25</a:t>
             </a:fld>
             <a:endParaRPr lang="en-US"/>
           </a:p>
@@ -1575,7 +1575,7 @@
           <a:p>
             <a:fld id="{0193F718-3D18-4B3B-B198-31BEF3B1DDEC}" type="datetimeFigureOut">
               <a:rPr lang="en-US" smtClean="0"/>
-              <a:t>3/14/25</a:t>
+              <a:t>3/19/25</a:t>
             </a:fld>
             <a:endParaRPr lang="en-US"/>
           </a:p>
@@ -1840,7 +1840,7 @@
           <a:p>
             <a:fld id="{0193F718-3D18-4B3B-B198-31BEF3B1DDEC}" type="datetimeFigureOut">
               <a:rPr lang="en-US" smtClean="0"/>
-              <a:t>3/14/25</a:t>
+              <a:t>3/19/25</a:t>
             </a:fld>
             <a:endParaRPr lang="en-US"/>
           </a:p>
@@ -2252,7 +2252,7 @@
           <a:p>
             <a:fld id="{0193F718-3D18-4B3B-B198-31BEF3B1DDEC}" type="datetimeFigureOut">
               <a:rPr lang="en-US" smtClean="0"/>
-              <a:t>3/14/25</a:t>
+              <a:t>3/19/25</a:t>
             </a:fld>
             <a:endParaRPr lang="en-US"/>
           </a:p>
@@ -2393,7 +2393,7 @@
           <a:p>
             <a:fld id="{0193F718-3D18-4B3B-B198-31BEF3B1DDEC}" type="datetimeFigureOut">
               <a:rPr lang="en-US" smtClean="0"/>
-              <a:t>3/14/25</a:t>
+              <a:t>3/19/25</a:t>
             </a:fld>
             <a:endParaRPr lang="en-US"/>
           </a:p>
@@ -2506,7 +2506,7 @@
           <a:p>
             <a:fld id="{0193F718-3D18-4B3B-B198-31BEF3B1DDEC}" type="datetimeFigureOut">
               <a:rPr lang="en-US" smtClean="0"/>
-              <a:t>3/14/25</a:t>
+              <a:t>3/19/25</a:t>
             </a:fld>
             <a:endParaRPr lang="en-US"/>
           </a:p>
@@ -2817,7 +2817,7 @@
           <a:p>
             <a:fld id="{0193F718-3D18-4B3B-B198-31BEF3B1DDEC}" type="datetimeFigureOut">
               <a:rPr lang="en-US" smtClean="0"/>
-              <a:t>3/14/25</a:t>
+              <a:t>3/19/25</a:t>
             </a:fld>
             <a:endParaRPr lang="en-US"/>
           </a:p>
@@ -3105,7 +3105,7 @@
           <a:p>
             <a:fld id="{0193F718-3D18-4B3B-B198-31BEF3B1DDEC}" type="datetimeFigureOut">
               <a:rPr lang="en-US" smtClean="0"/>
-              <a:t>3/14/25</a:t>
+              <a:t>3/19/25</a:t>
             </a:fld>
             <a:endParaRPr lang="en-US"/>
           </a:p>
@@ -3346,7 +3346,7 @@
           <a:p>
             <a:fld id="{0193F718-3D18-4B3B-B198-31BEF3B1DDEC}" type="datetimeFigureOut">
               <a:rPr lang="en-US" smtClean="0"/>
-              <a:t>3/14/25</a:t>
+              <a:t>3/19/25</a:t>
             </a:fld>
             <a:endParaRPr lang="en-US"/>
           </a:p>
@@ -3779,8 +3779,8 @@
         </p:nvCxnSpPr>
         <p:spPr>
           <a:xfrm>
-            <a:off x="1412080" y="1794935"/>
-            <a:ext cx="1980000" cy="2177"/>
+            <a:off x="1334890" y="1845736"/>
+            <a:ext cx="1584000" cy="2177"/>
           </a:xfrm>
           <a:prstGeom prst="line">
             <a:avLst/>
@@ -3817,8 +3817,8 @@
         </p:nvCxnSpPr>
         <p:spPr>
           <a:xfrm>
-            <a:off x="1412080" y="1978562"/>
-            <a:ext cx="1980000" cy="2177"/>
+            <a:off x="1334890" y="2029363"/>
+            <a:ext cx="1584000" cy="2177"/>
           </a:xfrm>
           <a:prstGeom prst="line">
             <a:avLst/>
@@ -3855,46 +3855,8 @@
         </p:nvCxnSpPr>
         <p:spPr>
           <a:xfrm>
-            <a:off x="1412080" y="2162189"/>
-            <a:ext cx="1980000" cy="2177"/>
-          </a:xfrm>
-          <a:prstGeom prst="line">
-            <a:avLst/>
-          </a:prstGeom>
-        </p:spPr>
-        <p:style>
-          <a:lnRef idx="2">
-            <a:schemeClr val="dk1"/>
-          </a:lnRef>
-          <a:fillRef idx="0">
-            <a:schemeClr val="dk1"/>
-          </a:fillRef>
-          <a:effectRef idx="1">
-            <a:schemeClr val="dk1"/>
-          </a:effectRef>
-          <a:fontRef idx="minor">
-            <a:schemeClr val="tx1"/>
-          </a:fontRef>
-        </p:style>
-      </p:cxnSp>
-      <p:cxnSp>
-        <p:nvCxnSpPr>
-          <p:cNvPr id="10" name="Straight Connector 9">
-            <a:extLst>
-              <a:ext uri="{FF2B5EF4-FFF2-40B4-BE49-F238E27FC236}">
-                <a16:creationId xmlns:a16="http://schemas.microsoft.com/office/drawing/2014/main" id="{82EAA9EF-7936-339E-A915-2C6A4AAEE86C}"/>
-              </a:ext>
-            </a:extLst>
-          </p:cNvPr>
-          <p:cNvCxnSpPr>
-            <a:cxnSpLocks/>
-          </p:cNvCxnSpPr>
-          <p:nvPr/>
-        </p:nvCxnSpPr>
-        <p:spPr>
-          <a:xfrm>
-            <a:off x="1412080" y="2345817"/>
-            <a:ext cx="1980000" cy="2177"/>
+            <a:off x="1334890" y="2212990"/>
+            <a:ext cx="1584000" cy="2177"/>
           </a:xfrm>
           <a:prstGeom prst="line">
             <a:avLst/>
@@ -3931,8 +3893,8 @@
             </p:nvSpPr>
             <p:spPr>
               <a:xfrm>
-                <a:off x="1522317" y="1708994"/>
-                <a:ext cx="334361" cy="739920"/>
+                <a:off x="1518217" y="1759795"/>
+                <a:ext cx="334361" cy="530920"/>
               </a:xfrm>
               <a:prstGeom prst="rect">
                 <a:avLst/>
@@ -4039,8 +4001,8 @@
             </p:nvSpPr>
             <p:spPr>
               <a:xfrm>
-                <a:off x="1522317" y="1708994"/>
-                <a:ext cx="334361" cy="739920"/>
+                <a:off x="1518217" y="1759795"/>
+                <a:ext cx="334361" cy="530920"/>
               </a:xfrm>
               <a:prstGeom prst="rect">
                 <a:avLst/>
@@ -4072,8 +4034,8 @@
           </p:sp>
         </mc:Fallback>
       </mc:AlternateContent>
-      <mc:AlternateContent xmlns:mc="http://schemas.openxmlformats.org/markup-compatibility/2006">
-        <mc:Choice xmlns:a14="http://schemas.microsoft.com/office/drawing/2010/main" Requires="a14">
+      <mc:AlternateContent xmlns:mc="http://schemas.openxmlformats.org/markup-compatibility/2006" xmlns:a14="http://schemas.microsoft.com/office/drawing/2010/main">
+        <mc:Choice Requires="a14">
           <p:sp>
             <p:nvSpPr>
               <p:cNvPr id="23" name="TextBox 22">
@@ -4088,7 +4050,7 @@
             </p:nvSpPr>
             <p:spPr>
               <a:xfrm>
-                <a:off x="2480510" y="1986694"/>
+                <a:off x="2237059" y="2031557"/>
                 <a:ext cx="334360" cy="184519"/>
               </a:xfrm>
               <a:prstGeom prst="rect">
@@ -4102,6 +4064,7 @@
               </a:bodyPr>
               <a:lstStyle/>
               <a:p>
+                <a:pPr/>
                 <a14:m>
                   <m:oMathPara xmlns:m="http://schemas.openxmlformats.org/officeDocument/2006/math">
                     <m:oMathParaPr>
@@ -4123,7 +4086,7 @@
             </p:txBody>
           </p:sp>
         </mc:Choice>
-        <mc:Fallback>
+        <mc:Fallback xmlns="">
           <p:sp>
             <p:nvSpPr>
               <p:cNvPr id="23" name="TextBox 22">
@@ -4140,7 +4103,7 @@
             </p:nvSpPr>
             <p:spPr>
               <a:xfrm>
-                <a:off x="2480510" y="1986694"/>
+                <a:off x="2237059" y="2031557"/>
                 <a:ext cx="334360" cy="184519"/>
               </a:xfrm>
               <a:prstGeom prst="rect">
@@ -4149,7 +4112,7 @@
               <a:blipFill>
                 <a:blip r:embed="rId3"/>
                 <a:stretch>
-                  <a:fillRect b="-6667"/>
+                  <a:fillRect b="-6250"/>
                 </a:stretch>
               </a:blipFill>
             </p:spPr>
@@ -4184,8 +4147,8 @@
             </p:nvSpPr>
             <p:spPr>
               <a:xfrm>
-                <a:off x="2419009" y="2681145"/>
-                <a:ext cx="390566" cy="341127"/>
+                <a:off x="3120079" y="2397634"/>
+                <a:ext cx="325190" cy="201997"/>
               </a:xfrm>
               <a:prstGeom prst="rect">
                 <a:avLst/>
@@ -4226,6 +4189,15 @@
                       <m:jc m:val="centerGroup"/>
                     </m:oMathParaPr>
                     <m:oMath xmlns:m="http://schemas.openxmlformats.org/officeDocument/2006/math">
+                      <m:r>
+                        <a:rPr lang="vi-VN" sz="800" b="0" i="1" dirty="0" smtClean="0">
+                          <a:solidFill>
+                            <a:schemeClr val="tx1"/>
+                          </a:solidFill>
+                          <a:latin typeface="Cambria Math" panose="02040503050406030204" pitchFamily="18" charset="0"/>
+                        </a:rPr>
+                        <m:t> </m:t>
+                      </m:r>
                       <m:sSub>
                         <m:sSubPr>
                           <m:ctrlPr>
@@ -4298,8 +4270,8 @@
             </p:nvSpPr>
             <p:spPr>
               <a:xfrm>
-                <a:off x="2419009" y="2681145"/>
-                <a:ext cx="390566" cy="341127"/>
+                <a:off x="3120079" y="2397634"/>
+                <a:ext cx="325190" cy="201997"/>
               </a:xfrm>
               <a:prstGeom prst="rect">
                 <a:avLst/>
@@ -4307,7 +4279,7 @@
               <a:blipFill>
                 <a:blip r:embed="rId4"/>
                 <a:stretch>
-                  <a:fillRect/>
+                  <a:fillRect l="-7143"/>
                 </a:stretch>
               </a:blipFill>
               <a:ln>
@@ -4331,59 +4303,6 @@
           </p:sp>
         </mc:Fallback>
       </mc:AlternateContent>
-      <p:sp>
-        <p:nvSpPr>
-          <p:cNvPr id="40" name="Rectangle 39">
-            <a:extLst>
-              <a:ext uri="{FF2B5EF4-FFF2-40B4-BE49-F238E27FC236}">
-                <a16:creationId xmlns:a16="http://schemas.microsoft.com/office/drawing/2014/main" id="{28131D4A-7AA7-EF4E-4388-2BC84B331120}"/>
-              </a:ext>
-            </a:extLst>
-          </p:cNvPr>
-          <p:cNvSpPr/>
-          <p:nvPr/>
-        </p:nvSpPr>
-        <p:spPr>
-          <a:xfrm>
-            <a:off x="1300865" y="2613682"/>
-            <a:ext cx="2208962" cy="488698"/>
-          </a:xfrm>
-          <a:prstGeom prst="rect">
-            <a:avLst/>
-          </a:prstGeom>
-          <a:noFill/>
-          <a:ln w="12700">
-            <a:solidFill>
-              <a:schemeClr val="tx1"/>
-            </a:solidFill>
-            <a:prstDash val="lgDash"/>
-          </a:ln>
-        </p:spPr>
-        <p:style>
-          <a:lnRef idx="2">
-            <a:schemeClr val="accent1">
-              <a:shade val="15000"/>
-            </a:schemeClr>
-          </a:lnRef>
-          <a:fillRef idx="1">
-            <a:schemeClr val="accent1"/>
-          </a:fillRef>
-          <a:effectRef idx="0">
-            <a:schemeClr val="accent1"/>
-          </a:effectRef>
-          <a:fontRef idx="minor">
-            <a:schemeClr val="lt1"/>
-          </a:fontRef>
-        </p:style>
-        <p:txBody>
-          <a:bodyPr rtlCol="0" anchor="ctr"/>
-          <a:lstStyle/>
-          <a:p>
-            <a:pPr algn="ctr"/>
-            <a:endParaRPr lang="en-VN"/>
-          </a:p>
-        </p:txBody>
-      </p:sp>
       <p:cxnSp>
         <p:nvCxnSpPr>
           <p:cNvPr id="41" name="Straight Connector 40">
@@ -4400,8 +4319,8 @@
         </p:nvCxnSpPr>
         <p:spPr>
           <a:xfrm flipV="1">
-            <a:off x="1958611" y="1643484"/>
-            <a:ext cx="445" cy="864000"/>
+            <a:off x="1899233" y="1694285"/>
+            <a:ext cx="445" cy="612000"/>
           </a:xfrm>
           <a:prstGeom prst="line">
             <a:avLst/>
@@ -4425,8 +4344,8 @@
           </a:fontRef>
         </p:style>
       </p:cxnSp>
-      <mc:AlternateContent xmlns:mc="http://schemas.openxmlformats.org/markup-compatibility/2006">
-        <mc:Choice xmlns:a14="http://schemas.microsoft.com/office/drawing/2010/main" Requires="a14">
+      <mc:AlternateContent xmlns:mc="http://schemas.openxmlformats.org/markup-compatibility/2006" xmlns:a14="http://schemas.microsoft.com/office/drawing/2010/main">
+        <mc:Choice Requires="a14">
           <p:sp>
             <p:nvSpPr>
               <p:cNvPr id="42" name="TextBox 41">
@@ -4441,7 +4360,7 @@
             </p:nvSpPr>
             <p:spPr>
               <a:xfrm>
-                <a:off x="1856678" y="1444638"/>
+                <a:off x="1731695" y="1530932"/>
                 <a:ext cx="343877" cy="173702"/>
               </a:xfrm>
               <a:prstGeom prst="rect">
@@ -4455,6 +4374,7 @@
               </a:bodyPr>
               <a:lstStyle/>
               <a:p>
+                <a:pPr/>
                 <a14:m>
                   <m:oMathPara xmlns:m="http://schemas.openxmlformats.org/officeDocument/2006/math">
                     <m:oMathParaPr>
@@ -4507,7 +4427,7 @@
             </p:txBody>
           </p:sp>
         </mc:Choice>
-        <mc:Fallback>
+        <mc:Fallback xmlns="">
           <p:sp>
             <p:nvSpPr>
               <p:cNvPr id="42" name="TextBox 41">
@@ -4524,7 +4444,7 @@
             </p:nvSpPr>
             <p:spPr>
               <a:xfrm>
-                <a:off x="1856678" y="1444638"/>
+                <a:off x="1731695" y="1530932"/>
                 <a:ext cx="343877" cy="173702"/>
               </a:xfrm>
               <a:prstGeom prst="rect">
@@ -4568,7 +4488,7 @@
             </p:nvSpPr>
             <p:spPr>
               <a:xfrm>
-                <a:off x="1300865" y="1463663"/>
+                <a:off x="1303334" y="1530932"/>
                 <a:ext cx="343877" cy="173702"/>
               </a:xfrm>
               <a:prstGeom prst="rect">
@@ -4582,6 +4502,7 @@
               </a:bodyPr>
               <a:lstStyle/>
               <a:p>
+                <a:pPr/>
                 <a14:m>
                   <m:oMathPara xmlns:m="http://schemas.openxmlformats.org/officeDocument/2006/math">
                     <m:oMathParaPr>
@@ -4651,7 +4572,7 @@
             </p:nvSpPr>
             <p:spPr>
               <a:xfrm>
-                <a:off x="1300865" y="1463663"/>
+                <a:off x="1303334" y="1530932"/>
                 <a:ext cx="343877" cy="173702"/>
               </a:xfrm>
               <a:prstGeom prst="rect">
@@ -4660,7 +4581,7 @@
               <a:blipFill>
                 <a:blip r:embed="rId6"/>
                 <a:stretch>
-                  <a:fillRect l="-3571" t="-6667" b="-13333"/>
+                  <a:fillRect b="-20000"/>
                 </a:stretch>
               </a:blipFill>
             </p:spPr>
@@ -4695,8 +4616,8 @@
             </p:nvSpPr>
             <p:spPr>
               <a:xfrm>
-                <a:off x="2060989" y="1709760"/>
-                <a:ext cx="334361" cy="739920"/>
+                <a:off x="1948173" y="1760561"/>
+                <a:ext cx="334361" cy="530920"/>
               </a:xfrm>
               <a:prstGeom prst="rect">
                 <a:avLst/>
@@ -4803,8 +4724,8 @@
             </p:nvSpPr>
             <p:spPr>
               <a:xfrm>
-                <a:off x="2060989" y="1709760"/>
-                <a:ext cx="334361" cy="739920"/>
+                <a:off x="1948173" y="1760561"/>
+                <a:ext cx="334361" cy="530920"/>
               </a:xfrm>
               <a:prstGeom prst="rect">
                 <a:avLst/>
@@ -4852,8 +4773,8 @@
         </p:nvCxnSpPr>
         <p:spPr>
           <a:xfrm flipV="1">
-            <a:off x="2484533" y="1643484"/>
-            <a:ext cx="445" cy="864000"/>
+            <a:off x="2331989" y="1694285"/>
+            <a:ext cx="445" cy="612000"/>
           </a:xfrm>
           <a:prstGeom prst="line">
             <a:avLst/>
@@ -4877,8 +4798,8 @@
           </a:fontRef>
         </p:style>
       </p:cxnSp>
-      <mc:AlternateContent xmlns:mc="http://schemas.openxmlformats.org/markup-compatibility/2006">
-        <mc:Choice xmlns:a14="http://schemas.microsoft.com/office/drawing/2010/main" Requires="a14">
+      <mc:AlternateContent xmlns:mc="http://schemas.openxmlformats.org/markup-compatibility/2006" xmlns:a14="http://schemas.microsoft.com/office/drawing/2010/main">
+        <mc:Choice Requires="a14">
           <p:sp>
             <p:nvSpPr>
               <p:cNvPr id="46" name="TextBox 45">
@@ -4893,7 +4814,7 @@
             </p:nvSpPr>
             <p:spPr>
               <a:xfrm>
-                <a:off x="2382600" y="1444638"/>
+                <a:off x="2164452" y="1530932"/>
                 <a:ext cx="343877" cy="173702"/>
               </a:xfrm>
               <a:prstGeom prst="rect">
@@ -4907,6 +4828,7 @@
               </a:bodyPr>
               <a:lstStyle/>
               <a:p>
+                <a:pPr/>
                 <a14:m>
                   <m:oMathPara xmlns:m="http://schemas.openxmlformats.org/officeDocument/2006/math">
                     <m:oMathParaPr>
@@ -4959,7 +4881,7 @@
             </p:txBody>
           </p:sp>
         </mc:Choice>
-        <mc:Fallback>
+        <mc:Fallback xmlns="">
           <p:sp>
             <p:nvSpPr>
               <p:cNvPr id="46" name="TextBox 45">
@@ -4976,7 +4898,7 @@
             </p:nvSpPr>
             <p:spPr>
               <a:xfrm>
-                <a:off x="2382600" y="1444638"/>
+                <a:off x="2164452" y="1530932"/>
                 <a:ext cx="343877" cy="173702"/>
               </a:xfrm>
               <a:prstGeom prst="rect">
@@ -4985,7 +4907,7 @@
               <a:blipFill>
                 <a:blip r:embed="rId8"/>
                 <a:stretch>
-                  <a:fillRect b="-20000"/>
+                  <a:fillRect l="-3571" b="-20000"/>
                 </a:stretch>
               </a:blipFill>
             </p:spPr>
@@ -5020,8 +4942,8 @@
             </p:nvSpPr>
             <p:spPr>
               <a:xfrm>
-                <a:off x="2803087" y="1708994"/>
-                <a:ext cx="334361" cy="739920"/>
+                <a:off x="2464635" y="1759795"/>
+                <a:ext cx="334361" cy="530920"/>
               </a:xfrm>
               <a:prstGeom prst="rect">
                 <a:avLst/>
@@ -5128,8 +5050,8 @@
             </p:nvSpPr>
             <p:spPr>
               <a:xfrm>
-                <a:off x="2803087" y="1708994"/>
-                <a:ext cx="334361" cy="739920"/>
+                <a:off x="2464635" y="1759795"/>
+                <a:ext cx="334361" cy="530920"/>
               </a:xfrm>
               <a:prstGeom prst="rect">
                 <a:avLst/>
@@ -5177,8 +5099,8 @@
         </p:nvCxnSpPr>
         <p:spPr>
           <a:xfrm flipV="1">
-            <a:off x="3226631" y="1642718"/>
-            <a:ext cx="445" cy="864000"/>
+            <a:off x="2852552" y="1693519"/>
+            <a:ext cx="445" cy="612000"/>
           </a:xfrm>
           <a:prstGeom prst="line">
             <a:avLst/>
@@ -5202,8 +5124,8 @@
           </a:fontRef>
         </p:style>
       </p:cxnSp>
-      <mc:AlternateContent xmlns:mc="http://schemas.openxmlformats.org/markup-compatibility/2006">
-        <mc:Choice xmlns:a14="http://schemas.microsoft.com/office/drawing/2010/main" Requires="a14">
+      <mc:AlternateContent xmlns:mc="http://schemas.openxmlformats.org/markup-compatibility/2006" xmlns:a14="http://schemas.microsoft.com/office/drawing/2010/main">
+        <mc:Choice Requires="a14">
           <p:sp>
             <p:nvSpPr>
               <p:cNvPr id="51" name="TextBox 50">
@@ -5218,7 +5140,7 @@
             </p:nvSpPr>
             <p:spPr>
               <a:xfrm>
-                <a:off x="3124698" y="1443872"/>
+                <a:off x="2664513" y="1530932"/>
                 <a:ext cx="375937" cy="173702"/>
               </a:xfrm>
               <a:prstGeom prst="rect">
@@ -5232,6 +5154,7 @@
               </a:bodyPr>
               <a:lstStyle/>
               <a:p>
+                <a:pPr/>
                 <a14:m>
                   <m:oMathPara xmlns:m="http://schemas.openxmlformats.org/officeDocument/2006/math">
                     <m:oMathParaPr>
@@ -5296,7 +5219,7 @@
             </p:txBody>
           </p:sp>
         </mc:Choice>
-        <mc:Fallback>
+        <mc:Fallback xmlns="">
           <p:sp>
             <p:nvSpPr>
               <p:cNvPr id="51" name="TextBox 50">
@@ -5313,7 +5236,7 @@
             </p:nvSpPr>
             <p:spPr>
               <a:xfrm>
-                <a:off x="3124698" y="1443872"/>
+                <a:off x="2664513" y="1530932"/>
                 <a:ext cx="375937" cy="173702"/>
               </a:xfrm>
               <a:prstGeom prst="rect">
@@ -5322,7 +5245,7 @@
               <a:blipFill>
                 <a:blip r:embed="rId10"/>
                 <a:stretch>
-                  <a:fillRect l="-3333" b="-20000"/>
+                  <a:fillRect b="-20000"/>
                 </a:stretch>
               </a:blipFill>
             </p:spPr>
@@ -5357,8 +5280,8 @@
             </p:nvSpPr>
             <p:spPr>
               <a:xfrm>
-                <a:off x="1517348" y="2681145"/>
-                <a:ext cx="390566" cy="341127"/>
+                <a:off x="3120079" y="1928120"/>
+                <a:ext cx="206289" cy="204878"/>
               </a:xfrm>
               <a:prstGeom prst="rect">
                 <a:avLst/>
@@ -5446,8 +5369,8 @@
             </p:nvSpPr>
             <p:spPr>
               <a:xfrm>
-                <a:off x="1517348" y="2681145"/>
-                <a:ext cx="390566" cy="341127"/>
+                <a:off x="3120079" y="1928120"/>
+                <a:ext cx="206289" cy="204878"/>
               </a:xfrm>
               <a:prstGeom prst="rect">
                 <a:avLst/>
@@ -5455,7 +5378,7 @@
               <a:blipFill>
                 <a:blip r:embed="rId11"/>
                 <a:stretch>
-                  <a:fillRect/>
+                  <a:fillRect l="-5263"/>
                 </a:stretch>
               </a:blipFill>
               <a:ln>
@@ -5463,101 +5386,6 @@
                   <a:schemeClr val="tx1"/>
                 </a:solidFill>
               </a:ln>
-            </p:spPr>
-            <p:txBody>
-              <a:bodyPr/>
-              <a:lstStyle/>
-              <a:p>
-                <a:r>
-                  <a:rPr lang="en-VN">
-                    <a:noFill/>
-                  </a:rPr>
-                  <a:t> </a:t>
-                </a:r>
-              </a:p>
-            </p:txBody>
-          </p:sp>
-        </mc:Fallback>
-      </mc:AlternateContent>
-      <mc:AlternateContent xmlns:mc="http://schemas.openxmlformats.org/markup-compatibility/2006">
-        <mc:Choice xmlns:a14="http://schemas.microsoft.com/office/drawing/2010/main" Requires="a14">
-          <p:sp>
-            <p:nvSpPr>
-              <p:cNvPr id="54" name="TextBox 53">
-                <a:extLst>
-                  <a:ext uri="{FF2B5EF4-FFF2-40B4-BE49-F238E27FC236}">
-                    <a16:creationId xmlns:a16="http://schemas.microsoft.com/office/drawing/2014/main" id="{BC270C9F-05AF-C3E5-A678-9C3457F64E46}"/>
-                  </a:ext>
-                </a:extLst>
-              </p:cNvPr>
-              <p:cNvSpPr txBox="1"/>
-              <p:nvPr/>
-            </p:nvSpPr>
-            <p:spPr>
-              <a:xfrm>
-                <a:off x="1339639" y="2612916"/>
-                <a:ext cx="277258" cy="430887"/>
-              </a:xfrm>
-              <a:prstGeom prst="rect">
-                <a:avLst/>
-              </a:prstGeom>
-              <a:noFill/>
-            </p:spPr>
-            <p:txBody>
-              <a:bodyPr wrap="square" lIns="0" tIns="0" rIns="0" bIns="0" rtlCol="0">
-                <a:spAutoFit/>
-              </a:bodyPr>
-              <a:lstStyle/>
-              <a:p>
-                <a14:m>
-                  <m:oMathPara xmlns:m="http://schemas.openxmlformats.org/officeDocument/2006/math">
-                    <m:oMathParaPr>
-                      <m:jc m:val="centerGroup"/>
-                    </m:oMathParaPr>
-                    <m:oMath xmlns:m="http://schemas.openxmlformats.org/officeDocument/2006/math">
-                      <m:r>
-                        <a:rPr lang="vi-VN" sz="2800" b="0" i="1">
-                          <a:latin typeface="Cambria Math" panose="02040503050406030204" pitchFamily="18" charset="0"/>
-                        </a:rPr>
-                        <m:t>{                 </m:t>
-                      </m:r>
-                    </m:oMath>
-                  </m:oMathPara>
-                </a14:m>
-                <a:endParaRPr lang="en-VN" sz="2800"/>
-              </a:p>
-            </p:txBody>
-          </p:sp>
-        </mc:Choice>
-        <mc:Fallback>
-          <p:sp>
-            <p:nvSpPr>
-              <p:cNvPr id="54" name="TextBox 53">
-                <a:extLst>
-                  <a:ext uri="{FF2B5EF4-FFF2-40B4-BE49-F238E27FC236}">
-                    <a16:creationId xmlns:a16="http://schemas.microsoft.com/office/drawing/2014/main" id="{BC270C9F-05AF-C3E5-A678-9C3457F64E46}"/>
-                  </a:ext>
-                </a:extLst>
-              </p:cNvPr>
-              <p:cNvSpPr txBox="1">
-                <a:spLocks noRot="1" noChangeAspect="1" noMove="1" noResize="1" noEditPoints="1" noAdjustHandles="1" noChangeArrowheads="1" noChangeShapeType="1" noTextEdit="1"/>
-              </p:cNvSpPr>
-              <p:nvPr/>
-            </p:nvSpPr>
-            <p:spPr>
-              <a:xfrm>
-                <a:off x="1339639" y="2612916"/>
-                <a:ext cx="277258" cy="430887"/>
-              </a:xfrm>
-              <a:prstGeom prst="rect">
-                <a:avLst/>
-              </a:prstGeom>
-              <a:blipFill>
-                <a:blip r:embed="rId12"/>
-                <a:stretch>
-                  <a:fillRect l="-56522" t="-8571" r="-465217" b="-37143"/>
-                </a:stretch>
-              </a:blipFill>
             </p:spPr>
             <p:txBody>
               <a:bodyPr/>
@@ -5590,8 +5418,8 @@
             </p:nvSpPr>
             <p:spPr>
               <a:xfrm>
-                <a:off x="1967115" y="2684027"/>
-                <a:ext cx="390566" cy="341127"/>
+                <a:off x="3121036" y="2162846"/>
+                <a:ext cx="203212" cy="201997"/>
               </a:xfrm>
               <a:prstGeom prst="rect">
                 <a:avLst/>
@@ -5679,14 +5507,14 @@
             </p:nvSpPr>
             <p:spPr>
               <a:xfrm>
-                <a:off x="1967115" y="2684027"/>
-                <a:ext cx="390566" cy="341127"/>
+                <a:off x="3121036" y="2162846"/>
+                <a:ext cx="203212" cy="201997"/>
               </a:xfrm>
               <a:prstGeom prst="rect">
                 <a:avLst/>
               </a:prstGeom>
               <a:blipFill>
-                <a:blip r:embed="rId13"/>
+                <a:blip r:embed="rId12"/>
                 <a:stretch>
                   <a:fillRect/>
                 </a:stretch>
@@ -5712,102 +5540,6 @@
           </p:sp>
         </mc:Fallback>
       </mc:AlternateContent>
-      <mc:AlternateContent xmlns:mc="http://schemas.openxmlformats.org/markup-compatibility/2006">
-        <mc:Choice xmlns:a14="http://schemas.microsoft.com/office/drawing/2010/main" Requires="a14">
-          <p:sp>
-            <p:nvSpPr>
-              <p:cNvPr id="56" name="TextBox 55">
-                <a:extLst>
-                  <a:ext uri="{FF2B5EF4-FFF2-40B4-BE49-F238E27FC236}">
-                    <a16:creationId xmlns:a16="http://schemas.microsoft.com/office/drawing/2014/main" id="{740CF92E-E485-DBDA-572E-9C85260F02B6}"/>
-                  </a:ext>
-                </a:extLst>
-              </p:cNvPr>
-              <p:cNvSpPr txBox="1"/>
-              <p:nvPr/>
-            </p:nvSpPr>
-            <p:spPr>
-              <a:xfrm>
-                <a:off x="3232008" y="2566263"/>
-                <a:ext cx="273253" cy="523220"/>
-              </a:xfrm>
-              <a:prstGeom prst="rect">
-                <a:avLst/>
-              </a:prstGeom>
-              <a:noFill/>
-            </p:spPr>
-            <p:txBody>
-              <a:bodyPr wrap="square">
-                <a:spAutoFit/>
-              </a:bodyPr>
-              <a:lstStyle/>
-              <a:p>
-                <a:pPr/>
-                <a14:m>
-                  <m:oMathPara xmlns:m="http://schemas.openxmlformats.org/officeDocument/2006/math">
-                    <m:oMathParaPr>
-                      <m:jc m:val="centerGroup"/>
-                    </m:oMathParaPr>
-                    <m:oMath xmlns:m="http://schemas.openxmlformats.org/officeDocument/2006/math">
-                      <m:r>
-                        <a:rPr lang="vi-VN" sz="2800" b="0" i="1">
-                          <a:latin typeface="Cambria Math" panose="02040503050406030204" pitchFamily="18" charset="0"/>
-                        </a:rPr>
-                        <m:t>}</m:t>
-                      </m:r>
-                    </m:oMath>
-                  </m:oMathPara>
-                </a14:m>
-                <a:endParaRPr lang="en-VN" sz="2800"/>
-              </a:p>
-            </p:txBody>
-          </p:sp>
-        </mc:Choice>
-        <mc:Fallback>
-          <p:sp>
-            <p:nvSpPr>
-              <p:cNvPr id="56" name="TextBox 55">
-                <a:extLst>
-                  <a:ext uri="{FF2B5EF4-FFF2-40B4-BE49-F238E27FC236}">
-                    <a16:creationId xmlns:a16="http://schemas.microsoft.com/office/drawing/2014/main" id="{740CF92E-E485-DBDA-572E-9C85260F02B6}"/>
-                  </a:ext>
-                </a:extLst>
-              </p:cNvPr>
-              <p:cNvSpPr txBox="1">
-                <a:spLocks noRot="1" noChangeAspect="1" noMove="1" noResize="1" noEditPoints="1" noAdjustHandles="1" noChangeArrowheads="1" noChangeShapeType="1" noTextEdit="1"/>
-              </p:cNvSpPr>
-              <p:nvPr/>
-            </p:nvSpPr>
-            <p:spPr>
-              <a:xfrm>
-                <a:off x="3232008" y="2566263"/>
-                <a:ext cx="273253" cy="523220"/>
-              </a:xfrm>
-              <a:prstGeom prst="rect">
-                <a:avLst/>
-              </a:prstGeom>
-              <a:blipFill>
-                <a:blip r:embed="rId14"/>
-                <a:stretch>
-                  <a:fillRect l="-27273" r="-45455" b="-19048"/>
-                </a:stretch>
-              </a:blipFill>
-            </p:spPr>
-            <p:txBody>
-              <a:bodyPr/>
-              <a:lstStyle/>
-              <a:p>
-                <a:r>
-                  <a:rPr lang="en-VN">
-                    <a:noFill/>
-                  </a:rPr>
-                  <a:t> </a:t>
-                </a:r>
-              </a:p>
-            </p:txBody>
-          </p:sp>
-        </mc:Fallback>
-      </mc:AlternateContent>
       <p:cxnSp>
         <p:nvCxnSpPr>
           <p:cNvPr id="57" name="Straight Connector 56">
@@ -5825,7 +5557,7 @@
         </p:nvCxnSpPr>
         <p:spPr>
           <a:xfrm flipV="1">
-            <a:off x="3056893" y="2815225"/>
+            <a:off x="3282536" y="2722239"/>
             <a:ext cx="0" cy="141416"/>
           </a:xfrm>
           <a:prstGeom prst="line">
@@ -5861,7 +5593,7 @@
         </p:nvSpPr>
         <p:spPr>
           <a:xfrm>
-            <a:off x="3023153" y="2747745"/>
+            <a:off x="3248796" y="2654759"/>
             <a:ext cx="67480" cy="67480"/>
           </a:xfrm>
           <a:prstGeom prst="ellipse">
@@ -5909,8 +5641,8 @@
             </p:nvSpPr>
             <p:spPr>
               <a:xfrm>
-                <a:off x="2952735" y="2815357"/>
-                <a:ext cx="211596" cy="276999"/>
+                <a:off x="3191757" y="2767305"/>
+                <a:ext cx="185948" cy="184666"/>
               </a:xfrm>
               <a:prstGeom prst="rect">
                 <a:avLst/>
@@ -5931,15 +5663,16 @@
                     </m:oMathParaPr>
                     <m:oMath xmlns:m="http://schemas.openxmlformats.org/officeDocument/2006/math">
                       <m:r>
-                        <a:rPr lang="en-US" b="0" i="1" smtClean="0">
+                        <a:rPr lang="en-US" sz="1200" i="1" dirty="0">
                           <a:latin typeface="Cambria Math" panose="02040503050406030204" pitchFamily="18" charset="0"/>
+                          <a:ea typeface="Cambria Math" panose="02040503050406030204" pitchFamily="18" charset="0"/>
                         </a:rPr>
-                        <m:t>×</m:t>
+                        <m:t>⊕</m:t>
                       </m:r>
                     </m:oMath>
                   </m:oMathPara>
                 </a14:m>
-                <a:endParaRPr lang="en-US" dirty="0"/>
+                <a:endParaRPr lang="en-US" sz="1200" dirty="0"/>
               </a:p>
             </p:txBody>
           </p:sp>
@@ -5961,16 +5694,16 @@
             </p:nvSpPr>
             <p:spPr>
               <a:xfrm>
-                <a:off x="2952735" y="2815357"/>
-                <a:ext cx="211596" cy="276999"/>
+                <a:off x="3191757" y="2767305"/>
+                <a:ext cx="185948" cy="184666"/>
               </a:xfrm>
               <a:prstGeom prst="rect">
                 <a:avLst/>
               </a:prstGeom>
               <a:blipFill>
-                <a:blip r:embed="rId15"/>
+                <a:blip r:embed="rId13"/>
                 <a:stretch>
-                  <a:fillRect l="-22222" r="-16667"/>
+                  <a:fillRect l="-26667" r="-26667" b="-25000"/>
                 </a:stretch>
               </a:blipFill>
             </p:spPr>
@@ -6005,7 +5738,7 @@
         </p:nvCxnSpPr>
         <p:spPr>
           <a:xfrm>
-            <a:off x="2894436" y="2770229"/>
+            <a:off x="3120079" y="2677243"/>
             <a:ext cx="396000" cy="2177"/>
           </a:xfrm>
           <a:prstGeom prst="line">
@@ -6043,7 +5776,7 @@
         </p:nvCxnSpPr>
         <p:spPr>
           <a:xfrm>
-            <a:off x="2894436" y="2953857"/>
+            <a:off x="3120079" y="2860871"/>
             <a:ext cx="396000" cy="2177"/>
           </a:xfrm>
           <a:prstGeom prst="line">
@@ -6079,7 +5812,7 @@
         </p:nvSpPr>
         <p:spPr>
           <a:xfrm>
-            <a:off x="1208823" y="1220436"/>
+            <a:off x="910761" y="1658941"/>
             <a:ext cx="327092" cy="246221"/>
           </a:xfrm>
           <a:prstGeom prst="rect">
@@ -6117,8 +5850,8 @@
         </p:nvSpPr>
         <p:spPr>
           <a:xfrm>
-            <a:off x="1193213" y="2354144"/>
-            <a:ext cx="423237" cy="246221"/>
+            <a:off x="907571" y="2394214"/>
+            <a:ext cx="333472" cy="246221"/>
           </a:xfrm>
           <a:prstGeom prst="rect">
             <a:avLst/>
@@ -6141,6 +5874,1848 @@
           </a:p>
         </p:txBody>
       </p:sp>
+      <p:cxnSp>
+        <p:nvCxnSpPr>
+          <p:cNvPr id="2" name="Straight Connector 1">
+            <a:extLst>
+              <a:ext uri="{FF2B5EF4-FFF2-40B4-BE49-F238E27FC236}">
+                <a16:creationId xmlns:a16="http://schemas.microsoft.com/office/drawing/2014/main" id="{C1146BF5-F4E0-A844-62D6-AD14C227C7F2}"/>
+              </a:ext>
+            </a:extLst>
+          </p:cNvPr>
+          <p:cNvCxnSpPr>
+            <a:cxnSpLocks/>
+          </p:cNvCxnSpPr>
+          <p:nvPr/>
+        </p:nvCxnSpPr>
+        <p:spPr>
+          <a:xfrm flipV="1">
+            <a:off x="1474035" y="1697453"/>
+            <a:ext cx="445" cy="612000"/>
+          </a:xfrm>
+          <a:prstGeom prst="line">
+            <a:avLst/>
+          </a:prstGeom>
+          <a:ln w="12700">
+            <a:prstDash val="dash"/>
+          </a:ln>
+        </p:spPr>
+        <p:style>
+          <a:lnRef idx="2">
+            <a:schemeClr val="dk1"/>
+          </a:lnRef>
+          <a:fillRef idx="0">
+            <a:schemeClr val="dk1"/>
+          </a:fillRef>
+          <a:effectRef idx="1">
+            <a:schemeClr val="dk1"/>
+          </a:effectRef>
+          <a:fontRef idx="minor">
+            <a:schemeClr val="tx1"/>
+          </a:fontRef>
+        </p:style>
+      </p:cxnSp>
+      <p:cxnSp>
+        <p:nvCxnSpPr>
+          <p:cNvPr id="3" name="Straight Connector 2">
+            <a:extLst>
+              <a:ext uri="{FF2B5EF4-FFF2-40B4-BE49-F238E27FC236}">
+                <a16:creationId xmlns:a16="http://schemas.microsoft.com/office/drawing/2014/main" id="{441F3908-AD40-B4F0-6C2D-114B89D97C80}"/>
+              </a:ext>
+            </a:extLst>
+          </p:cNvPr>
+          <p:cNvCxnSpPr>
+            <a:cxnSpLocks/>
+          </p:cNvCxnSpPr>
+          <p:nvPr/>
+        </p:nvCxnSpPr>
+        <p:spPr>
+          <a:xfrm flipV="1">
+            <a:off x="1201438" y="2293024"/>
+            <a:ext cx="746290" cy="167183"/>
+          </a:xfrm>
+          <a:prstGeom prst="line">
+            <a:avLst/>
+          </a:prstGeom>
+          <a:ln w="12700">
+            <a:prstDash val="dash"/>
+          </a:ln>
+        </p:spPr>
+        <p:style>
+          <a:lnRef idx="2">
+            <a:schemeClr val="dk1"/>
+          </a:lnRef>
+          <a:fillRef idx="0">
+            <a:schemeClr val="dk1"/>
+          </a:fillRef>
+          <a:effectRef idx="1">
+            <a:schemeClr val="dk1"/>
+          </a:effectRef>
+          <a:fontRef idx="minor">
+            <a:schemeClr val="tx1"/>
+          </a:fontRef>
+        </p:style>
+      </p:cxnSp>
+      <p:cxnSp>
+        <p:nvCxnSpPr>
+          <p:cNvPr id="6" name="Straight Connector 5">
+            <a:extLst>
+              <a:ext uri="{FF2B5EF4-FFF2-40B4-BE49-F238E27FC236}">
+                <a16:creationId xmlns:a16="http://schemas.microsoft.com/office/drawing/2014/main" id="{BEB95E91-05C9-5E58-0FBA-6CEB2F2E232C}"/>
+              </a:ext>
+            </a:extLst>
+          </p:cNvPr>
+          <p:cNvCxnSpPr>
+            <a:cxnSpLocks/>
+          </p:cNvCxnSpPr>
+          <p:nvPr/>
+        </p:nvCxnSpPr>
+        <p:spPr>
+          <a:xfrm flipH="1" flipV="1">
+            <a:off x="2282534" y="2293024"/>
+            <a:ext cx="723800" cy="167183"/>
+          </a:xfrm>
+          <a:prstGeom prst="line">
+            <a:avLst/>
+          </a:prstGeom>
+          <a:ln w="12700">
+            <a:prstDash val="dash"/>
+          </a:ln>
+        </p:spPr>
+        <p:style>
+          <a:lnRef idx="2">
+            <a:schemeClr val="dk1"/>
+          </a:lnRef>
+          <a:fillRef idx="0">
+            <a:schemeClr val="dk1"/>
+          </a:fillRef>
+          <a:effectRef idx="1">
+            <a:schemeClr val="dk1"/>
+          </a:effectRef>
+          <a:fontRef idx="minor">
+            <a:schemeClr val="tx1"/>
+          </a:fontRef>
+        </p:style>
+      </p:cxnSp>
+      <p:sp>
+        <p:nvSpPr>
+          <p:cNvPr id="13" name="Rectangle 12">
+            <a:extLst>
+              <a:ext uri="{FF2B5EF4-FFF2-40B4-BE49-F238E27FC236}">
+                <a16:creationId xmlns:a16="http://schemas.microsoft.com/office/drawing/2014/main" id="{9443C4DC-E24A-F057-977A-1291565C432B}"/>
+              </a:ext>
+            </a:extLst>
+          </p:cNvPr>
+          <p:cNvSpPr/>
+          <p:nvPr/>
+        </p:nvSpPr>
+        <p:spPr>
+          <a:xfrm>
+            <a:off x="1201438" y="2460207"/>
+            <a:ext cx="1805342" cy="612000"/>
+          </a:xfrm>
+          <a:prstGeom prst="rect">
+            <a:avLst/>
+          </a:prstGeom>
+          <a:solidFill>
+            <a:schemeClr val="bg1"/>
+          </a:solidFill>
+          <a:ln w="12700">
+            <a:solidFill>
+              <a:schemeClr val="tx1"/>
+            </a:solidFill>
+            <a:prstDash val="sysDash"/>
+          </a:ln>
+        </p:spPr>
+        <p:style>
+          <a:lnRef idx="2">
+            <a:schemeClr val="dk1">
+              <a:shade val="15000"/>
+            </a:schemeClr>
+          </a:lnRef>
+          <a:fillRef idx="1">
+            <a:schemeClr val="dk1"/>
+          </a:fillRef>
+          <a:effectRef idx="0">
+            <a:schemeClr val="dk1"/>
+          </a:effectRef>
+          <a:fontRef idx="minor">
+            <a:schemeClr val="lt1"/>
+          </a:fontRef>
+        </p:style>
+        <p:txBody>
+          <a:bodyPr rtlCol="0" anchor="ctr"/>
+          <a:lstStyle/>
+          <a:p>
+            <a:pPr algn="ctr"/>
+            <a:endParaRPr lang="en-CA" sz="800" i="1" dirty="0">
+              <a:solidFill>
+                <a:schemeClr val="tx1"/>
+              </a:solidFill>
+            </a:endParaRPr>
+          </a:p>
+        </p:txBody>
+      </p:sp>
+      <p:cxnSp>
+        <p:nvCxnSpPr>
+          <p:cNvPr id="14" name="Straight Connector 13">
+            <a:extLst>
+              <a:ext uri="{FF2B5EF4-FFF2-40B4-BE49-F238E27FC236}">
+                <a16:creationId xmlns:a16="http://schemas.microsoft.com/office/drawing/2014/main" id="{5C9D5EB7-4112-EE68-119C-33901165CB24}"/>
+              </a:ext>
+            </a:extLst>
+          </p:cNvPr>
+          <p:cNvCxnSpPr>
+            <a:cxnSpLocks/>
+          </p:cNvCxnSpPr>
+          <p:nvPr/>
+        </p:nvCxnSpPr>
+        <p:spPr>
+          <a:xfrm>
+            <a:off x="1417820" y="2599631"/>
+            <a:ext cx="1476000" cy="2177"/>
+          </a:xfrm>
+          <a:prstGeom prst="line">
+            <a:avLst/>
+          </a:prstGeom>
+        </p:spPr>
+        <p:style>
+          <a:lnRef idx="2">
+            <a:schemeClr val="dk1"/>
+          </a:lnRef>
+          <a:fillRef idx="0">
+            <a:schemeClr val="dk1"/>
+          </a:fillRef>
+          <a:effectRef idx="1">
+            <a:schemeClr val="dk1"/>
+          </a:effectRef>
+          <a:fontRef idx="minor">
+            <a:schemeClr val="tx1"/>
+          </a:fontRef>
+        </p:style>
+      </p:cxnSp>
+      <p:cxnSp>
+        <p:nvCxnSpPr>
+          <p:cNvPr id="15" name="Straight Connector 14">
+            <a:extLst>
+              <a:ext uri="{FF2B5EF4-FFF2-40B4-BE49-F238E27FC236}">
+                <a16:creationId xmlns:a16="http://schemas.microsoft.com/office/drawing/2014/main" id="{968EFD7B-2F6B-D147-9A9B-98585F3809D4}"/>
+              </a:ext>
+            </a:extLst>
+          </p:cNvPr>
+          <p:cNvCxnSpPr>
+            <a:cxnSpLocks/>
+          </p:cNvCxnSpPr>
+          <p:nvPr/>
+        </p:nvCxnSpPr>
+        <p:spPr>
+          <a:xfrm>
+            <a:off x="1417820" y="2783258"/>
+            <a:ext cx="1476000" cy="2177"/>
+          </a:xfrm>
+          <a:prstGeom prst="line">
+            <a:avLst/>
+          </a:prstGeom>
+        </p:spPr>
+        <p:style>
+          <a:lnRef idx="2">
+            <a:schemeClr val="dk1"/>
+          </a:lnRef>
+          <a:fillRef idx="0">
+            <a:schemeClr val="dk1"/>
+          </a:fillRef>
+          <a:effectRef idx="1">
+            <a:schemeClr val="dk1"/>
+          </a:effectRef>
+          <a:fontRef idx="minor">
+            <a:schemeClr val="tx1"/>
+          </a:fontRef>
+        </p:style>
+      </p:cxnSp>
+      <p:cxnSp>
+        <p:nvCxnSpPr>
+          <p:cNvPr id="16" name="Straight Connector 15">
+            <a:extLst>
+              <a:ext uri="{FF2B5EF4-FFF2-40B4-BE49-F238E27FC236}">
+                <a16:creationId xmlns:a16="http://schemas.microsoft.com/office/drawing/2014/main" id="{78EA4899-E859-FD2C-1C1B-925B2EF62565}"/>
+              </a:ext>
+            </a:extLst>
+          </p:cNvPr>
+          <p:cNvCxnSpPr>
+            <a:cxnSpLocks/>
+          </p:cNvCxnSpPr>
+          <p:nvPr/>
+        </p:nvCxnSpPr>
+        <p:spPr>
+          <a:xfrm>
+            <a:off x="1417820" y="2966885"/>
+            <a:ext cx="1476000" cy="2177"/>
+          </a:xfrm>
+          <a:prstGeom prst="line">
+            <a:avLst/>
+          </a:prstGeom>
+        </p:spPr>
+        <p:style>
+          <a:lnRef idx="2">
+            <a:schemeClr val="dk1"/>
+          </a:lnRef>
+          <a:fillRef idx="0">
+            <a:schemeClr val="dk1"/>
+          </a:fillRef>
+          <a:effectRef idx="1">
+            <a:schemeClr val="dk1"/>
+          </a:effectRef>
+          <a:fontRef idx="minor">
+            <a:schemeClr val="tx1"/>
+          </a:fontRef>
+        </p:style>
+      </p:cxnSp>
+      <mc:AlternateContent xmlns:mc="http://schemas.openxmlformats.org/markup-compatibility/2006">
+        <mc:Choice xmlns:a14="http://schemas.microsoft.com/office/drawing/2010/main" Requires="a14">
+          <p:sp>
+            <p:nvSpPr>
+              <p:cNvPr id="17" name="Rectangle 16">
+                <a:extLst>
+                  <a:ext uri="{FF2B5EF4-FFF2-40B4-BE49-F238E27FC236}">
+                    <a16:creationId xmlns:a16="http://schemas.microsoft.com/office/drawing/2014/main" id="{23902C99-1E11-9CF1-CE4D-E128AB774F1B}"/>
+                  </a:ext>
+                </a:extLst>
+              </p:cNvPr>
+              <p:cNvSpPr/>
+              <p:nvPr/>
+            </p:nvSpPr>
+            <p:spPr>
+              <a:xfrm>
+                <a:off x="1477616" y="2506708"/>
+                <a:ext cx="421617" cy="201997"/>
+              </a:xfrm>
+              <a:prstGeom prst="rect">
+                <a:avLst/>
+              </a:prstGeom>
+              <a:solidFill>
+                <a:schemeClr val="bg1"/>
+              </a:solidFill>
+              <a:ln>
+                <a:solidFill>
+                  <a:schemeClr val="tx1"/>
+                </a:solidFill>
+              </a:ln>
+            </p:spPr>
+            <p:style>
+              <a:lnRef idx="2">
+                <a:schemeClr val="dk1">
+                  <a:shade val="15000"/>
+                </a:schemeClr>
+              </a:lnRef>
+              <a:fillRef idx="1">
+                <a:schemeClr val="dk1"/>
+              </a:fillRef>
+              <a:effectRef idx="0">
+                <a:schemeClr val="dk1"/>
+              </a:effectRef>
+              <a:fontRef idx="minor">
+                <a:schemeClr val="lt1"/>
+              </a:fontRef>
+            </p:style>
+            <p:txBody>
+              <a:bodyPr rtlCol="0" anchor="ctr"/>
+              <a:lstStyle/>
+              <a:p>
+                <a:pPr algn="ctr"/>
+                <a14:m>
+                  <m:oMathPara xmlns:m="http://schemas.openxmlformats.org/officeDocument/2006/math">
+                    <m:oMathParaPr>
+                      <m:jc m:val="centerGroup"/>
+                    </m:oMathParaPr>
+                    <m:oMath xmlns:m="http://schemas.openxmlformats.org/officeDocument/2006/math">
+                      <m:sSub>
+                        <m:sSubPr>
+                          <m:ctrlPr>
+                            <a:rPr lang="vi-VN" sz="800" b="0" i="1" dirty="0" smtClean="0">
+                              <a:solidFill>
+                                <a:schemeClr val="tx1"/>
+                              </a:solidFill>
+                              <a:latin typeface="Cambria Math" panose="02040503050406030204" pitchFamily="18" charset="0"/>
+                            </a:rPr>
+                          </m:ctrlPr>
+                        </m:sSubPr>
+                        <m:e>
+                          <m:r>
+                            <a:rPr lang="vi-VN" sz="800" b="0" i="1" dirty="0" smtClean="0">
+                              <a:solidFill>
+                                <a:schemeClr val="tx1"/>
+                              </a:solidFill>
+                              <a:latin typeface="Cambria Math" panose="02040503050406030204" pitchFamily="18" charset="0"/>
+                            </a:rPr>
+                            <m:t>𝑅</m:t>
+                          </m:r>
+                        </m:e>
+                        <m:sub>
+                          <m:r>
+                            <a:rPr lang="en-US" sz="800" i="1" dirty="0">
+                              <a:solidFill>
+                                <a:schemeClr val="tx1"/>
+                              </a:solidFill>
+                              <a:latin typeface="Cambria Math" panose="02040503050406030204" pitchFamily="18" charset="0"/>
+                            </a:rPr>
+                            <m:t>𝑦</m:t>
+                          </m:r>
+                        </m:sub>
+                      </m:sSub>
+                      <m:r>
+                        <a:rPr lang="en-US" sz="800" i="1" dirty="0" smtClean="0">
+                          <a:solidFill>
+                            <a:schemeClr val="tx1"/>
+                          </a:solidFill>
+                          <a:latin typeface="Cambria Math" panose="02040503050406030204" pitchFamily="18" charset="0"/>
+                        </a:rPr>
+                        <m:t>(</m:t>
+                      </m:r>
+                      <m:sSub>
+                        <m:sSubPr>
+                          <m:ctrlPr>
+                            <a:rPr lang="vi-VN" sz="800" b="0" i="1" dirty="0" smtClean="0">
+                              <a:solidFill>
+                                <a:schemeClr val="tx1"/>
+                              </a:solidFill>
+                              <a:latin typeface="Cambria Math" panose="02040503050406030204" pitchFamily="18" charset="0"/>
+                            </a:rPr>
+                          </m:ctrlPr>
+                        </m:sSubPr>
+                        <m:e>
+                          <m:r>
+                            <a:rPr lang="vi-VN" sz="800" b="0" i="1" dirty="0" smtClean="0">
+                              <a:solidFill>
+                                <a:schemeClr val="tx1"/>
+                              </a:solidFill>
+                              <a:latin typeface="Cambria Math" panose="02040503050406030204" pitchFamily="18" charset="0"/>
+                            </a:rPr>
+                            <m:t>𝜙</m:t>
+                          </m:r>
+                        </m:e>
+                        <m:sub>
+                          <m:r>
+                            <a:rPr lang="vi-VN" sz="800" b="0" i="1" dirty="0" smtClean="0">
+                              <a:solidFill>
+                                <a:schemeClr val="tx1"/>
+                              </a:solidFill>
+                              <a:latin typeface="Cambria Math" panose="02040503050406030204" pitchFamily="18" charset="0"/>
+                            </a:rPr>
+                            <m:t>3</m:t>
+                          </m:r>
+                        </m:sub>
+                      </m:sSub>
+                      <m:r>
+                        <a:rPr lang="en-US" sz="800" i="1" dirty="0" smtClean="0">
+                          <a:solidFill>
+                            <a:schemeClr val="tx1"/>
+                          </a:solidFill>
+                          <a:latin typeface="Cambria Math" panose="02040503050406030204" pitchFamily="18" charset="0"/>
+                        </a:rPr>
+                        <m:t>)</m:t>
+                      </m:r>
+                    </m:oMath>
+                  </m:oMathPara>
+                </a14:m>
+                <a:endParaRPr lang="en-CA" sz="800" i="1" dirty="0">
+                  <a:solidFill>
+                    <a:schemeClr val="tx1"/>
+                  </a:solidFill>
+                </a:endParaRPr>
+              </a:p>
+            </p:txBody>
+          </p:sp>
+        </mc:Choice>
+        <mc:Fallback>
+          <p:sp>
+            <p:nvSpPr>
+              <p:cNvPr id="17" name="Rectangle 16">
+                <a:extLst>
+                  <a:ext uri="{FF2B5EF4-FFF2-40B4-BE49-F238E27FC236}">
+                    <a16:creationId xmlns:a16="http://schemas.microsoft.com/office/drawing/2014/main" id="{23902C99-1E11-9CF1-CE4D-E128AB774F1B}"/>
+                  </a:ext>
+                </a:extLst>
+              </p:cNvPr>
+              <p:cNvSpPr>
+                <a:spLocks noRot="1" noChangeAspect="1" noMove="1" noResize="1" noEditPoints="1" noAdjustHandles="1" noChangeArrowheads="1" noChangeShapeType="1" noTextEdit="1"/>
+              </p:cNvSpPr>
+              <p:nvPr/>
+            </p:nvSpPr>
+            <p:spPr>
+              <a:xfrm>
+                <a:off x="1477616" y="2506708"/>
+                <a:ext cx="421617" cy="201997"/>
+              </a:xfrm>
+              <a:prstGeom prst="rect">
+                <a:avLst/>
+              </a:prstGeom>
+              <a:blipFill>
+                <a:blip r:embed="rId14"/>
+                <a:stretch>
+                  <a:fillRect/>
+                </a:stretch>
+              </a:blipFill>
+              <a:ln>
+                <a:solidFill>
+                  <a:schemeClr val="tx1"/>
+                </a:solidFill>
+              </a:ln>
+            </p:spPr>
+            <p:txBody>
+              <a:bodyPr/>
+              <a:lstStyle/>
+              <a:p>
+                <a:r>
+                  <a:rPr lang="en-VN">
+                    <a:noFill/>
+                  </a:rPr>
+                  <a:t> </a:t>
+                </a:r>
+              </a:p>
+            </p:txBody>
+          </p:sp>
+        </mc:Fallback>
+      </mc:AlternateContent>
+      <mc:AlternateContent xmlns:mc="http://schemas.openxmlformats.org/markup-compatibility/2006">
+        <mc:Choice xmlns:a14="http://schemas.microsoft.com/office/drawing/2010/main" Requires="a14">
+          <p:sp>
+            <p:nvSpPr>
+              <p:cNvPr id="18" name="Rectangle 17">
+                <a:extLst>
+                  <a:ext uri="{FF2B5EF4-FFF2-40B4-BE49-F238E27FC236}">
+                    <a16:creationId xmlns:a16="http://schemas.microsoft.com/office/drawing/2014/main" id="{FE6E8C0B-35C2-A2D8-82DA-AEFAAE6084BD}"/>
+                  </a:ext>
+                </a:extLst>
+              </p:cNvPr>
+              <p:cNvSpPr/>
+              <p:nvPr/>
+            </p:nvSpPr>
+            <p:spPr>
+              <a:xfrm>
+                <a:off x="1959030" y="2684838"/>
+                <a:ext cx="200456" cy="204878"/>
+              </a:xfrm>
+              <a:prstGeom prst="rect">
+                <a:avLst/>
+              </a:prstGeom>
+              <a:solidFill>
+                <a:schemeClr val="bg1"/>
+              </a:solidFill>
+              <a:ln>
+                <a:solidFill>
+                  <a:schemeClr val="tx1"/>
+                </a:solidFill>
+              </a:ln>
+            </p:spPr>
+            <p:style>
+              <a:lnRef idx="2">
+                <a:schemeClr val="dk1">
+                  <a:shade val="15000"/>
+                </a:schemeClr>
+              </a:lnRef>
+              <a:fillRef idx="1">
+                <a:schemeClr val="dk1"/>
+              </a:fillRef>
+              <a:effectRef idx="0">
+                <a:schemeClr val="dk1"/>
+              </a:effectRef>
+              <a:fontRef idx="minor">
+                <a:schemeClr val="lt1"/>
+              </a:fontRef>
+            </p:style>
+            <p:txBody>
+              <a:bodyPr rtlCol="0" anchor="ctr"/>
+              <a:lstStyle/>
+              <a:p>
+                <a:pPr algn="ctr"/>
+                <a14:m>
+                  <m:oMathPara xmlns:m="http://schemas.openxmlformats.org/officeDocument/2006/math">
+                    <m:oMathParaPr>
+                      <m:jc m:val="centerGroup"/>
+                    </m:oMathParaPr>
+                    <m:oMath xmlns:m="http://schemas.openxmlformats.org/officeDocument/2006/math">
+                      <m:r>
+                        <a:rPr lang="vi-VN" sz="800" b="0" i="1" dirty="0">
+                          <a:solidFill>
+                            <a:schemeClr val="tx1"/>
+                          </a:solidFill>
+                          <a:latin typeface="Cambria Math" panose="02040503050406030204" pitchFamily="18" charset="0"/>
+                        </a:rPr>
+                        <m:t> </m:t>
+                      </m:r>
+                      <m:r>
+                        <a:rPr lang="en-VN" sz="800" i="1" dirty="0">
+                          <a:solidFill>
+                            <a:schemeClr val="tx1"/>
+                          </a:solidFill>
+                          <a:latin typeface="Cambria Math" panose="02040503050406030204" pitchFamily="18" charset="0"/>
+                        </a:rPr>
+                        <m:t>𝐻</m:t>
+                      </m:r>
+                    </m:oMath>
+                  </m:oMathPara>
+                </a14:m>
+                <a:endParaRPr lang="en-CA" sz="800" i="1" dirty="0">
+                  <a:solidFill>
+                    <a:schemeClr val="tx1"/>
+                  </a:solidFill>
+                </a:endParaRPr>
+              </a:p>
+            </p:txBody>
+          </p:sp>
+        </mc:Choice>
+        <mc:Fallback>
+          <p:sp>
+            <p:nvSpPr>
+              <p:cNvPr id="18" name="Rectangle 17">
+                <a:extLst>
+                  <a:ext uri="{FF2B5EF4-FFF2-40B4-BE49-F238E27FC236}">
+                    <a16:creationId xmlns:a16="http://schemas.microsoft.com/office/drawing/2014/main" id="{FE6E8C0B-35C2-A2D8-82DA-AEFAAE6084BD}"/>
+                  </a:ext>
+                </a:extLst>
+              </p:cNvPr>
+              <p:cNvSpPr>
+                <a:spLocks noRot="1" noChangeAspect="1" noMove="1" noResize="1" noEditPoints="1" noAdjustHandles="1" noChangeArrowheads="1" noChangeShapeType="1" noTextEdit="1"/>
+              </p:cNvSpPr>
+              <p:nvPr/>
+            </p:nvSpPr>
+            <p:spPr>
+              <a:xfrm>
+                <a:off x="1959030" y="2684838"/>
+                <a:ext cx="200456" cy="204878"/>
+              </a:xfrm>
+              <a:prstGeom prst="rect">
+                <a:avLst/>
+              </a:prstGeom>
+              <a:blipFill>
+                <a:blip r:embed="rId15"/>
+                <a:stretch>
+                  <a:fillRect/>
+                </a:stretch>
+              </a:blipFill>
+              <a:ln>
+                <a:solidFill>
+                  <a:schemeClr val="tx1"/>
+                </a:solidFill>
+              </a:ln>
+            </p:spPr>
+            <p:txBody>
+              <a:bodyPr/>
+              <a:lstStyle/>
+              <a:p>
+                <a:r>
+                  <a:rPr lang="en-VN">
+                    <a:noFill/>
+                  </a:rPr>
+                  <a:t> </a:t>
+                </a:r>
+              </a:p>
+            </p:txBody>
+          </p:sp>
+        </mc:Fallback>
+      </mc:AlternateContent>
+      <p:cxnSp>
+        <p:nvCxnSpPr>
+          <p:cNvPr id="21" name="Straight Connector 20">
+            <a:extLst>
+              <a:ext uri="{FF2B5EF4-FFF2-40B4-BE49-F238E27FC236}">
+                <a16:creationId xmlns:a16="http://schemas.microsoft.com/office/drawing/2014/main" id="{DCEEF00A-B80D-6385-E29F-AF90ABAAA69A}"/>
+              </a:ext>
+            </a:extLst>
+          </p:cNvPr>
+          <p:cNvCxnSpPr>
+            <a:cxnSpLocks/>
+            <a:stCxn id="18" idx="0"/>
+            <a:endCxn id="22" idx="4"/>
+          </p:cNvCxnSpPr>
+          <p:nvPr/>
+        </p:nvCxnSpPr>
+        <p:spPr>
+          <a:xfrm flipV="1">
+            <a:off x="2059258" y="2637997"/>
+            <a:ext cx="899" cy="46841"/>
+          </a:xfrm>
+          <a:prstGeom prst="line">
+            <a:avLst/>
+          </a:prstGeom>
+        </p:spPr>
+        <p:style>
+          <a:lnRef idx="2">
+            <a:schemeClr val="dk1"/>
+          </a:lnRef>
+          <a:fillRef idx="0">
+            <a:schemeClr val="dk1"/>
+          </a:fillRef>
+          <a:effectRef idx="1">
+            <a:schemeClr val="dk1"/>
+          </a:effectRef>
+          <a:fontRef idx="minor">
+            <a:schemeClr val="tx1"/>
+          </a:fontRef>
+        </p:style>
+      </p:cxnSp>
+      <p:sp>
+        <p:nvSpPr>
+          <p:cNvPr id="22" name="Oval 21">
+            <a:extLst>
+              <a:ext uri="{FF2B5EF4-FFF2-40B4-BE49-F238E27FC236}">
+                <a16:creationId xmlns:a16="http://schemas.microsoft.com/office/drawing/2014/main" id="{E4A4424A-5BE8-8B8A-BB81-8C2931193875}"/>
+              </a:ext>
+            </a:extLst>
+          </p:cNvPr>
+          <p:cNvSpPr/>
+          <p:nvPr/>
+        </p:nvSpPr>
+        <p:spPr>
+          <a:xfrm>
+            <a:off x="2026417" y="2570517"/>
+            <a:ext cx="67480" cy="67480"/>
+          </a:xfrm>
+          <a:prstGeom prst="ellipse">
+            <a:avLst/>
+          </a:prstGeom>
+        </p:spPr>
+        <p:style>
+          <a:lnRef idx="2">
+            <a:schemeClr val="dk1">
+              <a:shade val="15000"/>
+            </a:schemeClr>
+          </a:lnRef>
+          <a:fillRef idx="1">
+            <a:schemeClr val="dk1"/>
+          </a:fillRef>
+          <a:effectRef idx="0">
+            <a:schemeClr val="dk1"/>
+          </a:effectRef>
+          <a:fontRef idx="minor">
+            <a:schemeClr val="lt1"/>
+          </a:fontRef>
+        </p:style>
+        <p:txBody>
+          <a:bodyPr rtlCol="0" anchor="ctr"/>
+          <a:lstStyle/>
+          <a:p>
+            <a:pPr algn="ctr"/>
+            <a:endParaRPr lang="en-VN"/>
+          </a:p>
+        </p:txBody>
+      </p:sp>
+      <p:cxnSp>
+        <p:nvCxnSpPr>
+          <p:cNvPr id="26" name="Straight Connector 25">
+            <a:extLst>
+              <a:ext uri="{FF2B5EF4-FFF2-40B4-BE49-F238E27FC236}">
+                <a16:creationId xmlns:a16="http://schemas.microsoft.com/office/drawing/2014/main" id="{C4AEE1D7-CC64-C708-3DFE-AAE9F0B565A3}"/>
+              </a:ext>
+            </a:extLst>
+          </p:cNvPr>
+          <p:cNvCxnSpPr>
+            <a:cxnSpLocks/>
+            <a:endCxn id="27" idx="4"/>
+          </p:cNvCxnSpPr>
+          <p:nvPr/>
+        </p:nvCxnSpPr>
+        <p:spPr>
+          <a:xfrm flipV="1">
+            <a:off x="2306204" y="2818397"/>
+            <a:ext cx="0" cy="141416"/>
+          </a:xfrm>
+          <a:prstGeom prst="line">
+            <a:avLst/>
+          </a:prstGeom>
+        </p:spPr>
+        <p:style>
+          <a:lnRef idx="2">
+            <a:schemeClr val="dk1"/>
+          </a:lnRef>
+          <a:fillRef idx="0">
+            <a:schemeClr val="dk1"/>
+          </a:fillRef>
+          <a:effectRef idx="1">
+            <a:schemeClr val="dk1"/>
+          </a:effectRef>
+          <a:fontRef idx="minor">
+            <a:schemeClr val="tx1"/>
+          </a:fontRef>
+        </p:style>
+      </p:cxnSp>
+      <p:sp>
+        <p:nvSpPr>
+          <p:cNvPr id="27" name="Oval 26">
+            <a:extLst>
+              <a:ext uri="{FF2B5EF4-FFF2-40B4-BE49-F238E27FC236}">
+                <a16:creationId xmlns:a16="http://schemas.microsoft.com/office/drawing/2014/main" id="{94C500BB-8565-E4F4-3C5A-3F357A8F3FDF}"/>
+              </a:ext>
+            </a:extLst>
+          </p:cNvPr>
+          <p:cNvSpPr/>
+          <p:nvPr/>
+        </p:nvSpPr>
+        <p:spPr>
+          <a:xfrm>
+            <a:off x="2272464" y="2750917"/>
+            <a:ext cx="67480" cy="67480"/>
+          </a:xfrm>
+          <a:prstGeom prst="ellipse">
+            <a:avLst/>
+          </a:prstGeom>
+        </p:spPr>
+        <p:style>
+          <a:lnRef idx="2">
+            <a:schemeClr val="dk1">
+              <a:shade val="15000"/>
+            </a:schemeClr>
+          </a:lnRef>
+          <a:fillRef idx="1">
+            <a:schemeClr val="dk1"/>
+          </a:fillRef>
+          <a:effectRef idx="0">
+            <a:schemeClr val="dk1"/>
+          </a:effectRef>
+          <a:fontRef idx="minor">
+            <a:schemeClr val="lt1"/>
+          </a:fontRef>
+        </p:style>
+        <p:txBody>
+          <a:bodyPr rtlCol="0" anchor="ctr"/>
+          <a:lstStyle/>
+          <a:p>
+            <a:pPr algn="ctr"/>
+            <a:endParaRPr lang="en-VN"/>
+          </a:p>
+        </p:txBody>
+      </p:sp>
+      <mc:AlternateContent xmlns:mc="http://schemas.openxmlformats.org/markup-compatibility/2006">
+        <mc:Choice xmlns:a14="http://schemas.microsoft.com/office/drawing/2010/main" Requires="a14">
+          <p:sp>
+            <p:nvSpPr>
+              <p:cNvPr id="28" name="TextBox 27">
+                <a:extLst>
+                  <a:ext uri="{FF2B5EF4-FFF2-40B4-BE49-F238E27FC236}">
+                    <a16:creationId xmlns:a16="http://schemas.microsoft.com/office/drawing/2014/main" id="{2B18D97D-9C83-546F-BBCD-A0FFCD96BC00}"/>
+                  </a:ext>
+                </a:extLst>
+              </p:cNvPr>
+              <p:cNvSpPr txBox="1"/>
+              <p:nvPr/>
+            </p:nvSpPr>
+            <p:spPr>
+              <a:xfrm>
+                <a:off x="2215425" y="2874552"/>
+                <a:ext cx="185948" cy="184666"/>
+              </a:xfrm>
+              <a:prstGeom prst="rect">
+                <a:avLst/>
+              </a:prstGeom>
+              <a:noFill/>
+            </p:spPr>
+            <p:txBody>
+              <a:bodyPr wrap="none" lIns="0" tIns="0" rIns="0" bIns="0" rtlCol="0">
+                <a:spAutoFit/>
+              </a:bodyPr>
+              <a:lstStyle/>
+              <a:p>
+                <a:pPr/>
+                <a14:m>
+                  <m:oMathPara xmlns:m="http://schemas.openxmlformats.org/officeDocument/2006/math">
+                    <m:oMathParaPr>
+                      <m:jc m:val="centerGroup"/>
+                    </m:oMathParaPr>
+                    <m:oMath xmlns:m="http://schemas.openxmlformats.org/officeDocument/2006/math">
+                      <m:r>
+                        <a:rPr lang="en-US" sz="1200" i="1" dirty="0">
+                          <a:latin typeface="Cambria Math" panose="02040503050406030204" pitchFamily="18" charset="0"/>
+                          <a:ea typeface="Cambria Math" panose="02040503050406030204" pitchFamily="18" charset="0"/>
+                        </a:rPr>
+                        <m:t>⊕</m:t>
+                      </m:r>
+                    </m:oMath>
+                  </m:oMathPara>
+                </a14:m>
+                <a:endParaRPr lang="en-US" sz="1200" dirty="0"/>
+              </a:p>
+            </p:txBody>
+          </p:sp>
+        </mc:Choice>
+        <mc:Fallback>
+          <p:sp>
+            <p:nvSpPr>
+              <p:cNvPr id="28" name="TextBox 27">
+                <a:extLst>
+                  <a:ext uri="{FF2B5EF4-FFF2-40B4-BE49-F238E27FC236}">
+                    <a16:creationId xmlns:a16="http://schemas.microsoft.com/office/drawing/2014/main" id="{2B18D97D-9C83-546F-BBCD-A0FFCD96BC00}"/>
+                  </a:ext>
+                </a:extLst>
+              </p:cNvPr>
+              <p:cNvSpPr txBox="1">
+                <a:spLocks noRot="1" noChangeAspect="1" noMove="1" noResize="1" noEditPoints="1" noAdjustHandles="1" noChangeArrowheads="1" noChangeShapeType="1" noTextEdit="1"/>
+              </p:cNvSpPr>
+              <p:nvPr/>
+            </p:nvSpPr>
+            <p:spPr>
+              <a:xfrm>
+                <a:off x="2215425" y="2874552"/>
+                <a:ext cx="185948" cy="184666"/>
+              </a:xfrm>
+              <a:prstGeom prst="rect">
+                <a:avLst/>
+              </a:prstGeom>
+              <a:blipFill>
+                <a:blip r:embed="rId16"/>
+                <a:stretch>
+                  <a:fillRect l="-25000" r="-18750" b="-26667"/>
+                </a:stretch>
+              </a:blipFill>
+            </p:spPr>
+            <p:txBody>
+              <a:bodyPr/>
+              <a:lstStyle/>
+              <a:p>
+                <a:r>
+                  <a:rPr lang="en-VN">
+                    <a:noFill/>
+                  </a:rPr>
+                  <a:t> </a:t>
+                </a:r>
+              </a:p>
+            </p:txBody>
+          </p:sp>
+        </mc:Fallback>
+      </mc:AlternateContent>
+      <p:cxnSp>
+        <p:nvCxnSpPr>
+          <p:cNvPr id="29" name="Straight Connector 28">
+            <a:extLst>
+              <a:ext uri="{FF2B5EF4-FFF2-40B4-BE49-F238E27FC236}">
+                <a16:creationId xmlns:a16="http://schemas.microsoft.com/office/drawing/2014/main" id="{F463E749-05C7-35E3-2CB0-7C44FE017521}"/>
+              </a:ext>
+            </a:extLst>
+          </p:cNvPr>
+          <p:cNvCxnSpPr>
+            <a:cxnSpLocks/>
+            <a:endCxn id="30" idx="4"/>
+          </p:cNvCxnSpPr>
+          <p:nvPr/>
+        </p:nvCxnSpPr>
+        <p:spPr>
+          <a:xfrm flipV="1">
+            <a:off x="2490168" y="2637589"/>
+            <a:ext cx="0" cy="141416"/>
+          </a:xfrm>
+          <a:prstGeom prst="line">
+            <a:avLst/>
+          </a:prstGeom>
+        </p:spPr>
+        <p:style>
+          <a:lnRef idx="2">
+            <a:schemeClr val="dk1"/>
+          </a:lnRef>
+          <a:fillRef idx="0">
+            <a:schemeClr val="dk1"/>
+          </a:fillRef>
+          <a:effectRef idx="1">
+            <a:schemeClr val="dk1"/>
+          </a:effectRef>
+          <a:fontRef idx="minor">
+            <a:schemeClr val="tx1"/>
+          </a:fontRef>
+        </p:style>
+      </p:cxnSp>
+      <p:sp>
+        <p:nvSpPr>
+          <p:cNvPr id="30" name="Oval 29">
+            <a:extLst>
+              <a:ext uri="{FF2B5EF4-FFF2-40B4-BE49-F238E27FC236}">
+                <a16:creationId xmlns:a16="http://schemas.microsoft.com/office/drawing/2014/main" id="{8427F43F-0C92-29A1-18ED-D72A9E186276}"/>
+              </a:ext>
+            </a:extLst>
+          </p:cNvPr>
+          <p:cNvSpPr/>
+          <p:nvPr/>
+        </p:nvSpPr>
+        <p:spPr>
+          <a:xfrm>
+            <a:off x="2456428" y="2570109"/>
+            <a:ext cx="67480" cy="67480"/>
+          </a:xfrm>
+          <a:prstGeom prst="ellipse">
+            <a:avLst/>
+          </a:prstGeom>
+        </p:spPr>
+        <p:style>
+          <a:lnRef idx="2">
+            <a:schemeClr val="dk1">
+              <a:shade val="15000"/>
+            </a:schemeClr>
+          </a:lnRef>
+          <a:fillRef idx="1">
+            <a:schemeClr val="dk1"/>
+          </a:fillRef>
+          <a:effectRef idx="0">
+            <a:schemeClr val="dk1"/>
+          </a:effectRef>
+          <a:fontRef idx="minor">
+            <a:schemeClr val="lt1"/>
+          </a:fontRef>
+        </p:style>
+        <p:txBody>
+          <a:bodyPr rtlCol="0" anchor="ctr"/>
+          <a:lstStyle/>
+          <a:p>
+            <a:pPr algn="ctr"/>
+            <a:endParaRPr lang="en-VN"/>
+          </a:p>
+        </p:txBody>
+      </p:sp>
+      <mc:AlternateContent xmlns:mc="http://schemas.openxmlformats.org/markup-compatibility/2006">
+        <mc:Choice xmlns:a14="http://schemas.microsoft.com/office/drawing/2010/main" Requires="a14">
+          <p:sp>
+            <p:nvSpPr>
+              <p:cNvPr id="32" name="TextBox 31">
+                <a:extLst>
+                  <a:ext uri="{FF2B5EF4-FFF2-40B4-BE49-F238E27FC236}">
+                    <a16:creationId xmlns:a16="http://schemas.microsoft.com/office/drawing/2014/main" id="{7D98AE39-2093-4B42-1019-E7309C1F58C3}"/>
+                  </a:ext>
+                </a:extLst>
+              </p:cNvPr>
+              <p:cNvSpPr txBox="1"/>
+              <p:nvPr/>
+            </p:nvSpPr>
+            <p:spPr>
+              <a:xfrm>
+                <a:off x="2399389" y="2686028"/>
+                <a:ext cx="185948" cy="184666"/>
+              </a:xfrm>
+              <a:prstGeom prst="rect">
+                <a:avLst/>
+              </a:prstGeom>
+              <a:noFill/>
+            </p:spPr>
+            <p:txBody>
+              <a:bodyPr wrap="none" lIns="0" tIns="0" rIns="0" bIns="0" rtlCol="0">
+                <a:spAutoFit/>
+              </a:bodyPr>
+              <a:lstStyle/>
+              <a:p>
+                <a:pPr/>
+                <a14:m>
+                  <m:oMathPara xmlns:m="http://schemas.openxmlformats.org/officeDocument/2006/math">
+                    <m:oMathParaPr>
+                      <m:jc m:val="centerGroup"/>
+                    </m:oMathParaPr>
+                    <m:oMath xmlns:m="http://schemas.openxmlformats.org/officeDocument/2006/math">
+                      <m:r>
+                        <a:rPr lang="en-US" sz="1200" i="1" dirty="0">
+                          <a:latin typeface="Cambria Math" panose="02040503050406030204" pitchFamily="18" charset="0"/>
+                          <a:ea typeface="Cambria Math" panose="02040503050406030204" pitchFamily="18" charset="0"/>
+                        </a:rPr>
+                        <m:t>⊕</m:t>
+                      </m:r>
+                    </m:oMath>
+                  </m:oMathPara>
+                </a14:m>
+                <a:endParaRPr lang="en-US" sz="1200" dirty="0"/>
+              </a:p>
+            </p:txBody>
+          </p:sp>
+        </mc:Choice>
+        <mc:Fallback>
+          <p:sp>
+            <p:nvSpPr>
+              <p:cNvPr id="32" name="TextBox 31">
+                <a:extLst>
+                  <a:ext uri="{FF2B5EF4-FFF2-40B4-BE49-F238E27FC236}">
+                    <a16:creationId xmlns:a16="http://schemas.microsoft.com/office/drawing/2014/main" id="{7D98AE39-2093-4B42-1019-E7309C1F58C3}"/>
+                  </a:ext>
+                </a:extLst>
+              </p:cNvPr>
+              <p:cNvSpPr txBox="1">
+                <a:spLocks noRot="1" noChangeAspect="1" noMove="1" noResize="1" noEditPoints="1" noAdjustHandles="1" noChangeArrowheads="1" noChangeShapeType="1" noTextEdit="1"/>
+              </p:cNvSpPr>
+              <p:nvPr/>
+            </p:nvSpPr>
+            <p:spPr>
+              <a:xfrm>
+                <a:off x="2399389" y="2686028"/>
+                <a:ext cx="185948" cy="184666"/>
+              </a:xfrm>
+              <a:prstGeom prst="rect">
+                <a:avLst/>
+              </a:prstGeom>
+              <a:blipFill>
+                <a:blip r:embed="rId17"/>
+                <a:stretch>
+                  <a:fillRect l="-33333" r="-26667" b="-18750"/>
+                </a:stretch>
+              </a:blipFill>
+            </p:spPr>
+            <p:txBody>
+              <a:bodyPr/>
+              <a:lstStyle/>
+              <a:p>
+                <a:r>
+                  <a:rPr lang="en-VN">
+                    <a:noFill/>
+                  </a:rPr>
+                  <a:t> </a:t>
+                </a:r>
+              </a:p>
+            </p:txBody>
+          </p:sp>
+        </mc:Fallback>
+      </mc:AlternateContent>
+      <mc:AlternateContent xmlns:mc="http://schemas.openxmlformats.org/markup-compatibility/2006">
+        <mc:Choice xmlns:a14="http://schemas.microsoft.com/office/drawing/2010/main" Requires="a14">
+          <p:sp>
+            <p:nvSpPr>
+              <p:cNvPr id="33" name="Rectangle 32">
+                <a:extLst>
+                  <a:ext uri="{FF2B5EF4-FFF2-40B4-BE49-F238E27FC236}">
+                    <a16:creationId xmlns:a16="http://schemas.microsoft.com/office/drawing/2014/main" id="{9F9121E2-ACB6-FA95-D746-CE703433937C}"/>
+                  </a:ext>
+                </a:extLst>
+              </p:cNvPr>
+              <p:cNvSpPr/>
+              <p:nvPr/>
+            </p:nvSpPr>
+            <p:spPr>
+              <a:xfrm>
+                <a:off x="2601013" y="2506708"/>
+                <a:ext cx="215701" cy="204878"/>
+              </a:xfrm>
+              <a:prstGeom prst="rect">
+                <a:avLst/>
+              </a:prstGeom>
+              <a:solidFill>
+                <a:schemeClr val="bg1"/>
+              </a:solidFill>
+              <a:ln>
+                <a:solidFill>
+                  <a:schemeClr val="tx1"/>
+                </a:solidFill>
+              </a:ln>
+            </p:spPr>
+            <p:style>
+              <a:lnRef idx="2">
+                <a:schemeClr val="dk1">
+                  <a:shade val="15000"/>
+                </a:schemeClr>
+              </a:lnRef>
+              <a:fillRef idx="1">
+                <a:schemeClr val="dk1"/>
+              </a:fillRef>
+              <a:effectRef idx="0">
+                <a:schemeClr val="dk1"/>
+              </a:effectRef>
+              <a:fontRef idx="minor">
+                <a:schemeClr val="lt1"/>
+              </a:fontRef>
+            </p:style>
+            <p:txBody>
+              <a:bodyPr rtlCol="0" anchor="ctr"/>
+              <a:lstStyle/>
+              <a:p>
+                <a:pPr algn="ctr"/>
+                <a14:m>
+                  <m:oMathPara xmlns:m="http://schemas.openxmlformats.org/officeDocument/2006/math">
+                    <m:oMathParaPr>
+                      <m:jc m:val="centerGroup"/>
+                    </m:oMathParaPr>
+                    <m:oMath xmlns:m="http://schemas.openxmlformats.org/officeDocument/2006/math">
+                      <m:r>
+                        <a:rPr lang="vi-VN" sz="800" b="0" i="1" dirty="0">
+                          <a:solidFill>
+                            <a:schemeClr val="tx1"/>
+                          </a:solidFill>
+                          <a:latin typeface="Cambria Math" panose="02040503050406030204" pitchFamily="18" charset="0"/>
+                        </a:rPr>
+                        <m:t> </m:t>
+                      </m:r>
+                      <m:r>
+                        <a:rPr lang="vi-VN" sz="800" i="1" dirty="0">
+                          <a:solidFill>
+                            <a:schemeClr val="tx1"/>
+                          </a:solidFill>
+                          <a:latin typeface="Cambria Math" panose="02040503050406030204" pitchFamily="18" charset="0"/>
+                        </a:rPr>
+                        <m:t>𝑋</m:t>
+                      </m:r>
+                    </m:oMath>
+                  </m:oMathPara>
+                </a14:m>
+                <a:endParaRPr lang="en-CA" sz="800" i="1" dirty="0">
+                  <a:solidFill>
+                    <a:schemeClr val="tx1"/>
+                  </a:solidFill>
+                </a:endParaRPr>
+              </a:p>
+            </p:txBody>
+          </p:sp>
+        </mc:Choice>
+        <mc:Fallback>
+          <p:sp>
+            <p:nvSpPr>
+              <p:cNvPr id="33" name="Rectangle 32">
+                <a:extLst>
+                  <a:ext uri="{FF2B5EF4-FFF2-40B4-BE49-F238E27FC236}">
+                    <a16:creationId xmlns:a16="http://schemas.microsoft.com/office/drawing/2014/main" id="{9F9121E2-ACB6-FA95-D746-CE703433937C}"/>
+                  </a:ext>
+                </a:extLst>
+              </p:cNvPr>
+              <p:cNvSpPr>
+                <a:spLocks noRot="1" noChangeAspect="1" noMove="1" noResize="1" noEditPoints="1" noAdjustHandles="1" noChangeArrowheads="1" noChangeShapeType="1" noTextEdit="1"/>
+              </p:cNvSpPr>
+              <p:nvPr/>
+            </p:nvSpPr>
+            <p:spPr>
+              <a:xfrm>
+                <a:off x="2601013" y="2506708"/>
+                <a:ext cx="215701" cy="204878"/>
+              </a:xfrm>
+              <a:prstGeom prst="rect">
+                <a:avLst/>
+              </a:prstGeom>
+              <a:blipFill>
+                <a:blip r:embed="rId18"/>
+                <a:stretch>
+                  <a:fillRect/>
+                </a:stretch>
+              </a:blipFill>
+              <a:ln>
+                <a:solidFill>
+                  <a:schemeClr val="tx1"/>
+                </a:solidFill>
+              </a:ln>
+            </p:spPr>
+            <p:txBody>
+              <a:bodyPr/>
+              <a:lstStyle/>
+              <a:p>
+                <a:r>
+                  <a:rPr lang="en-VN">
+                    <a:noFill/>
+                  </a:rPr>
+                  <a:t> </a:t>
+                </a:r>
+              </a:p>
+            </p:txBody>
+          </p:sp>
+        </mc:Fallback>
+      </mc:AlternateContent>
+      <p:sp>
+        <p:nvSpPr>
+          <p:cNvPr id="35" name="TextBox 34">
+            <a:extLst>
+              <a:ext uri="{FF2B5EF4-FFF2-40B4-BE49-F238E27FC236}">
+                <a16:creationId xmlns:a16="http://schemas.microsoft.com/office/drawing/2014/main" id="{80B6C641-1CDF-2DEE-A636-FA3690C23951}"/>
+              </a:ext>
+            </a:extLst>
+          </p:cNvPr>
+          <p:cNvSpPr txBox="1"/>
+          <p:nvPr/>
+        </p:nvSpPr>
+        <p:spPr>
+          <a:xfrm>
+            <a:off x="3030267" y="1662492"/>
+            <a:ext cx="333472" cy="246221"/>
+          </a:xfrm>
+          <a:prstGeom prst="rect">
+            <a:avLst/>
+          </a:prstGeom>
+          <a:noFill/>
+        </p:spPr>
+        <p:txBody>
+          <a:bodyPr wrap="square" rtlCol="0">
+            <a:spAutoFit/>
+          </a:bodyPr>
+          <a:lstStyle/>
+          <a:p>
+            <a:r>
+              <a:rPr lang="en-VN" sz="1000">
+                <a:latin typeface="Times New Roman" panose="02020603050405020304" pitchFamily="18" charset="0"/>
+                <a:cs typeface="Times New Roman" panose="02020603050405020304" pitchFamily="18" charset="0"/>
+              </a:rPr>
+              <a:t>(c)</a:t>
+            </a:r>
+          </a:p>
+        </p:txBody>
+      </p:sp>
+      <mc:AlternateContent xmlns:mc="http://schemas.openxmlformats.org/markup-compatibility/2006" xmlns:a14="http://schemas.microsoft.com/office/drawing/2010/main">
+        <mc:Choice Requires="a14">
+          <p:sp>
+            <p:nvSpPr>
+              <p:cNvPr id="36" name="TextBox 35">
+                <a:extLst>
+                  <a:ext uri="{FF2B5EF4-FFF2-40B4-BE49-F238E27FC236}">
+                    <a16:creationId xmlns:a16="http://schemas.microsoft.com/office/drawing/2014/main" id="{A3D52D21-7856-B72A-6087-58CEF6ED7879}"/>
+                  </a:ext>
+                </a:extLst>
+              </p:cNvPr>
+              <p:cNvSpPr txBox="1"/>
+              <p:nvPr/>
+            </p:nvSpPr>
+            <p:spPr>
+              <a:xfrm>
+                <a:off x="1160737" y="1775385"/>
+                <a:ext cx="145874" cy="123111"/>
+              </a:xfrm>
+              <a:prstGeom prst="rect">
+                <a:avLst/>
+              </a:prstGeom>
+              <a:noFill/>
+            </p:spPr>
+            <p:txBody>
+              <a:bodyPr wrap="none" lIns="0" tIns="0" rIns="0" bIns="0" rtlCol="0">
+                <a:spAutoFit/>
+              </a:bodyPr>
+              <a:lstStyle/>
+              <a:p>
+                <a:pPr/>
+                <a14:m>
+                  <m:oMathPara xmlns:m="http://schemas.openxmlformats.org/officeDocument/2006/math">
+                    <m:oMathParaPr>
+                      <m:jc m:val="centerGroup"/>
+                    </m:oMathParaPr>
+                    <m:oMath xmlns:m="http://schemas.openxmlformats.org/officeDocument/2006/math">
+                      <m:r>
+                        <a:rPr lang="vi-VN" sz="800" b="0" i="1">
+                          <a:latin typeface="Cambria Math" panose="02040503050406030204" pitchFamily="18" charset="0"/>
+                        </a:rPr>
+                        <m:t>|0⟩</m:t>
+                      </m:r>
+                    </m:oMath>
+                  </m:oMathPara>
+                </a14:m>
+                <a:endParaRPr lang="en-VN" sz="800"/>
+              </a:p>
+            </p:txBody>
+          </p:sp>
+        </mc:Choice>
+        <mc:Fallback xmlns="">
+          <p:sp>
+            <p:nvSpPr>
+              <p:cNvPr id="36" name="TextBox 35">
+                <a:extLst>
+                  <a:ext uri="{FF2B5EF4-FFF2-40B4-BE49-F238E27FC236}">
+                    <a16:creationId xmlns:a16="http://schemas.microsoft.com/office/drawing/2014/main" id="{A3D52D21-7856-B72A-6087-58CEF6ED7879}"/>
+                  </a:ext>
+                </a:extLst>
+              </p:cNvPr>
+              <p:cNvSpPr txBox="1">
+                <a:spLocks noRot="1" noChangeAspect="1" noMove="1" noResize="1" noEditPoints="1" noAdjustHandles="1" noChangeArrowheads="1" noChangeShapeType="1" noTextEdit="1"/>
+              </p:cNvSpPr>
+              <p:nvPr/>
+            </p:nvSpPr>
+            <p:spPr>
+              <a:xfrm>
+                <a:off x="1160737" y="1775385"/>
+                <a:ext cx="145874" cy="123111"/>
+              </a:xfrm>
+              <a:prstGeom prst="rect">
+                <a:avLst/>
+              </a:prstGeom>
+              <a:blipFill>
+                <a:blip r:embed="rId19"/>
+                <a:stretch>
+                  <a:fillRect l="-33333" t="-9091" r="-33333" b="-36364"/>
+                </a:stretch>
+              </a:blipFill>
+            </p:spPr>
+            <p:txBody>
+              <a:bodyPr/>
+              <a:lstStyle/>
+              <a:p>
+                <a:r>
+                  <a:rPr lang="en-VN">
+                    <a:noFill/>
+                  </a:rPr>
+                  <a:t> </a:t>
+                </a:r>
+              </a:p>
+            </p:txBody>
+          </p:sp>
+        </mc:Fallback>
+      </mc:AlternateContent>
+      <mc:AlternateContent xmlns:mc="http://schemas.openxmlformats.org/markup-compatibility/2006" xmlns:a14="http://schemas.microsoft.com/office/drawing/2010/main">
+        <mc:Choice Requires="a14">
+          <p:sp>
+            <p:nvSpPr>
+              <p:cNvPr id="37" name="TextBox 36">
+                <a:extLst>
+                  <a:ext uri="{FF2B5EF4-FFF2-40B4-BE49-F238E27FC236}">
+                    <a16:creationId xmlns:a16="http://schemas.microsoft.com/office/drawing/2014/main" id="{0A63D1D7-6902-8E4E-E8D7-EBC639E45F47}"/>
+                  </a:ext>
+                </a:extLst>
+              </p:cNvPr>
+              <p:cNvSpPr txBox="1"/>
+              <p:nvPr/>
+            </p:nvSpPr>
+            <p:spPr>
+              <a:xfrm>
+                <a:off x="1160737" y="1962280"/>
+                <a:ext cx="145874" cy="123111"/>
+              </a:xfrm>
+              <a:prstGeom prst="rect">
+                <a:avLst/>
+              </a:prstGeom>
+              <a:noFill/>
+            </p:spPr>
+            <p:txBody>
+              <a:bodyPr wrap="none" lIns="0" tIns="0" rIns="0" bIns="0" rtlCol="0">
+                <a:spAutoFit/>
+              </a:bodyPr>
+              <a:lstStyle/>
+              <a:p>
+                <a:pPr/>
+                <a14:m>
+                  <m:oMathPara xmlns:m="http://schemas.openxmlformats.org/officeDocument/2006/math">
+                    <m:oMathParaPr>
+                      <m:jc m:val="centerGroup"/>
+                    </m:oMathParaPr>
+                    <m:oMath xmlns:m="http://schemas.openxmlformats.org/officeDocument/2006/math">
+                      <m:r>
+                        <a:rPr lang="vi-VN" sz="800" b="0" i="1">
+                          <a:latin typeface="Cambria Math" panose="02040503050406030204" pitchFamily="18" charset="0"/>
+                        </a:rPr>
+                        <m:t>|0⟩</m:t>
+                      </m:r>
+                    </m:oMath>
+                  </m:oMathPara>
+                </a14:m>
+                <a:endParaRPr lang="en-VN" sz="800"/>
+              </a:p>
+            </p:txBody>
+          </p:sp>
+        </mc:Choice>
+        <mc:Fallback xmlns="">
+          <p:sp>
+            <p:nvSpPr>
+              <p:cNvPr id="37" name="TextBox 36">
+                <a:extLst>
+                  <a:ext uri="{FF2B5EF4-FFF2-40B4-BE49-F238E27FC236}">
+                    <a16:creationId xmlns:a16="http://schemas.microsoft.com/office/drawing/2014/main" id="{0A63D1D7-6902-8E4E-E8D7-EBC639E45F47}"/>
+                  </a:ext>
+                </a:extLst>
+              </p:cNvPr>
+              <p:cNvSpPr txBox="1">
+                <a:spLocks noRot="1" noChangeAspect="1" noMove="1" noResize="1" noEditPoints="1" noAdjustHandles="1" noChangeArrowheads="1" noChangeShapeType="1" noTextEdit="1"/>
+              </p:cNvSpPr>
+              <p:nvPr/>
+            </p:nvSpPr>
+            <p:spPr>
+              <a:xfrm>
+                <a:off x="1160737" y="1962280"/>
+                <a:ext cx="145874" cy="123111"/>
+              </a:xfrm>
+              <a:prstGeom prst="rect">
+                <a:avLst/>
+              </a:prstGeom>
+              <a:blipFill>
+                <a:blip r:embed="rId20"/>
+                <a:stretch>
+                  <a:fillRect l="-33333" t="-9091" r="-33333" b="-27273"/>
+                </a:stretch>
+              </a:blipFill>
+            </p:spPr>
+            <p:txBody>
+              <a:bodyPr/>
+              <a:lstStyle/>
+              <a:p>
+                <a:r>
+                  <a:rPr lang="en-VN">
+                    <a:noFill/>
+                  </a:rPr>
+                  <a:t> </a:t>
+                </a:r>
+              </a:p>
+            </p:txBody>
+          </p:sp>
+        </mc:Fallback>
+      </mc:AlternateContent>
+      <mc:AlternateContent xmlns:mc="http://schemas.openxmlformats.org/markup-compatibility/2006" xmlns:a14="http://schemas.microsoft.com/office/drawing/2010/main">
+        <mc:Choice Requires="a14">
+          <p:sp>
+            <p:nvSpPr>
+              <p:cNvPr id="38" name="TextBox 37">
+                <a:extLst>
+                  <a:ext uri="{FF2B5EF4-FFF2-40B4-BE49-F238E27FC236}">
+                    <a16:creationId xmlns:a16="http://schemas.microsoft.com/office/drawing/2014/main" id="{8D787D7C-9DC6-F29C-38DF-C02110ED2723}"/>
+                  </a:ext>
+                </a:extLst>
+              </p:cNvPr>
+              <p:cNvSpPr txBox="1"/>
+              <p:nvPr/>
+            </p:nvSpPr>
+            <p:spPr>
+              <a:xfrm>
+                <a:off x="1160737" y="2149174"/>
+                <a:ext cx="145874" cy="123111"/>
+              </a:xfrm>
+              <a:prstGeom prst="rect">
+                <a:avLst/>
+              </a:prstGeom>
+              <a:noFill/>
+            </p:spPr>
+            <p:txBody>
+              <a:bodyPr wrap="none" lIns="0" tIns="0" rIns="0" bIns="0" rtlCol="0">
+                <a:spAutoFit/>
+              </a:bodyPr>
+              <a:lstStyle/>
+              <a:p>
+                <a:pPr/>
+                <a14:m>
+                  <m:oMathPara xmlns:m="http://schemas.openxmlformats.org/officeDocument/2006/math">
+                    <m:oMathParaPr>
+                      <m:jc m:val="centerGroup"/>
+                    </m:oMathParaPr>
+                    <m:oMath xmlns:m="http://schemas.openxmlformats.org/officeDocument/2006/math">
+                      <m:r>
+                        <a:rPr lang="vi-VN" sz="800" b="0" i="1">
+                          <a:latin typeface="Cambria Math" panose="02040503050406030204" pitchFamily="18" charset="0"/>
+                        </a:rPr>
+                        <m:t>|0⟩</m:t>
+                      </m:r>
+                    </m:oMath>
+                  </m:oMathPara>
+                </a14:m>
+                <a:endParaRPr lang="en-VN" sz="800"/>
+              </a:p>
+            </p:txBody>
+          </p:sp>
+        </mc:Choice>
+        <mc:Fallback xmlns="">
+          <p:sp>
+            <p:nvSpPr>
+              <p:cNvPr id="38" name="TextBox 37">
+                <a:extLst>
+                  <a:ext uri="{FF2B5EF4-FFF2-40B4-BE49-F238E27FC236}">
+                    <a16:creationId xmlns:a16="http://schemas.microsoft.com/office/drawing/2014/main" id="{8D787D7C-9DC6-F29C-38DF-C02110ED2723}"/>
+                  </a:ext>
+                </a:extLst>
+              </p:cNvPr>
+              <p:cNvSpPr txBox="1">
+                <a:spLocks noRot="1" noChangeAspect="1" noMove="1" noResize="1" noEditPoints="1" noAdjustHandles="1" noChangeArrowheads="1" noChangeShapeType="1" noTextEdit="1"/>
+              </p:cNvSpPr>
+              <p:nvPr/>
+            </p:nvSpPr>
+            <p:spPr>
+              <a:xfrm>
+                <a:off x="1160737" y="2149174"/>
+                <a:ext cx="145874" cy="123111"/>
+              </a:xfrm>
+              <a:prstGeom prst="rect">
+                <a:avLst/>
+              </a:prstGeom>
+              <a:blipFill>
+                <a:blip r:embed="rId21"/>
+                <a:stretch>
+                  <a:fillRect l="-33333" t="-9091" r="-33333" b="-27273"/>
+                </a:stretch>
+              </a:blipFill>
+            </p:spPr>
+            <p:txBody>
+              <a:bodyPr/>
+              <a:lstStyle/>
+              <a:p>
+                <a:r>
+                  <a:rPr lang="en-VN">
+                    <a:noFill/>
+                  </a:rPr>
+                  <a:t> </a:t>
+                </a:r>
+              </a:p>
+            </p:txBody>
+          </p:sp>
+        </mc:Fallback>
+      </mc:AlternateContent>
+      <mc:AlternateContent xmlns:mc="http://schemas.openxmlformats.org/markup-compatibility/2006">
+        <mc:Choice xmlns:a14="http://schemas.microsoft.com/office/drawing/2010/main" Requires="a14">
+          <p:sp>
+            <p:nvSpPr>
+              <p:cNvPr id="39" name="TextBox 38">
+                <a:extLst>
+                  <a:ext uri="{FF2B5EF4-FFF2-40B4-BE49-F238E27FC236}">
+                    <a16:creationId xmlns:a16="http://schemas.microsoft.com/office/drawing/2014/main" id="{5565703B-AB4A-89C2-95F9-BC04921A0067}"/>
+                  </a:ext>
+                </a:extLst>
+              </p:cNvPr>
+              <p:cNvSpPr txBox="1"/>
+              <p:nvPr/>
+            </p:nvSpPr>
+            <p:spPr>
+              <a:xfrm>
+                <a:off x="1232006" y="2524468"/>
+                <a:ext cx="145874" cy="123111"/>
+              </a:xfrm>
+              <a:prstGeom prst="rect">
+                <a:avLst/>
+              </a:prstGeom>
+              <a:noFill/>
+            </p:spPr>
+            <p:txBody>
+              <a:bodyPr wrap="none" lIns="0" tIns="0" rIns="0" bIns="0" rtlCol="0">
+                <a:spAutoFit/>
+              </a:bodyPr>
+              <a:lstStyle/>
+              <a:p>
+                <a:pPr/>
+                <a14:m>
+                  <m:oMathPara xmlns:m="http://schemas.openxmlformats.org/officeDocument/2006/math">
+                    <m:oMathParaPr>
+                      <m:jc m:val="centerGroup"/>
+                    </m:oMathParaPr>
+                    <m:oMath xmlns:m="http://schemas.openxmlformats.org/officeDocument/2006/math">
+                      <m:r>
+                        <a:rPr lang="vi-VN" sz="800" b="0" i="1">
+                          <a:latin typeface="Cambria Math" panose="02040503050406030204" pitchFamily="18" charset="0"/>
+                        </a:rPr>
+                        <m:t>|0⟩</m:t>
+                      </m:r>
+                    </m:oMath>
+                  </m:oMathPara>
+                </a14:m>
+                <a:endParaRPr lang="en-VN" sz="800"/>
+              </a:p>
+            </p:txBody>
+          </p:sp>
+        </mc:Choice>
+        <mc:Fallback>
+          <p:sp>
+            <p:nvSpPr>
+              <p:cNvPr id="39" name="TextBox 38">
+                <a:extLst>
+                  <a:ext uri="{FF2B5EF4-FFF2-40B4-BE49-F238E27FC236}">
+                    <a16:creationId xmlns:a16="http://schemas.microsoft.com/office/drawing/2014/main" id="{5565703B-AB4A-89C2-95F9-BC04921A0067}"/>
+                  </a:ext>
+                </a:extLst>
+              </p:cNvPr>
+              <p:cNvSpPr txBox="1">
+                <a:spLocks noRot="1" noChangeAspect="1" noMove="1" noResize="1" noEditPoints="1" noAdjustHandles="1" noChangeArrowheads="1" noChangeShapeType="1" noTextEdit="1"/>
+              </p:cNvSpPr>
+              <p:nvPr/>
+            </p:nvSpPr>
+            <p:spPr>
+              <a:xfrm>
+                <a:off x="1232006" y="2524468"/>
+                <a:ext cx="145874" cy="123111"/>
+              </a:xfrm>
+              <a:prstGeom prst="rect">
+                <a:avLst/>
+              </a:prstGeom>
+              <a:blipFill>
+                <a:blip r:embed="rId22"/>
+                <a:stretch>
+                  <a:fillRect l="-23077" t="-9091" r="-23077" b="-36364"/>
+                </a:stretch>
+              </a:blipFill>
+            </p:spPr>
+            <p:txBody>
+              <a:bodyPr/>
+              <a:lstStyle/>
+              <a:p>
+                <a:r>
+                  <a:rPr lang="en-VN">
+                    <a:noFill/>
+                  </a:rPr>
+                  <a:t> </a:t>
+                </a:r>
+              </a:p>
+            </p:txBody>
+          </p:sp>
+        </mc:Fallback>
+      </mc:AlternateContent>
+      <mc:AlternateContent xmlns:mc="http://schemas.openxmlformats.org/markup-compatibility/2006">
+        <mc:Choice xmlns:a14="http://schemas.microsoft.com/office/drawing/2010/main" Requires="a14">
+          <p:sp>
+            <p:nvSpPr>
+              <p:cNvPr id="47" name="TextBox 46">
+                <a:extLst>
+                  <a:ext uri="{FF2B5EF4-FFF2-40B4-BE49-F238E27FC236}">
+                    <a16:creationId xmlns:a16="http://schemas.microsoft.com/office/drawing/2014/main" id="{767FA982-C7E7-82A9-9D8E-19DE21C2BD55}"/>
+                  </a:ext>
+                </a:extLst>
+              </p:cNvPr>
+              <p:cNvSpPr txBox="1"/>
+              <p:nvPr/>
+            </p:nvSpPr>
+            <p:spPr>
+              <a:xfrm>
+                <a:off x="1232006" y="2711363"/>
+                <a:ext cx="145874" cy="123111"/>
+              </a:xfrm>
+              <a:prstGeom prst="rect">
+                <a:avLst/>
+              </a:prstGeom>
+              <a:noFill/>
+            </p:spPr>
+            <p:txBody>
+              <a:bodyPr wrap="none" lIns="0" tIns="0" rIns="0" bIns="0" rtlCol="0">
+                <a:spAutoFit/>
+              </a:bodyPr>
+              <a:lstStyle/>
+              <a:p>
+                <a:pPr/>
+                <a14:m>
+                  <m:oMathPara xmlns:m="http://schemas.openxmlformats.org/officeDocument/2006/math">
+                    <m:oMathParaPr>
+                      <m:jc m:val="centerGroup"/>
+                    </m:oMathParaPr>
+                    <m:oMath xmlns:m="http://schemas.openxmlformats.org/officeDocument/2006/math">
+                      <m:r>
+                        <a:rPr lang="vi-VN" sz="800" b="0" i="1">
+                          <a:latin typeface="Cambria Math" panose="02040503050406030204" pitchFamily="18" charset="0"/>
+                        </a:rPr>
+                        <m:t>|0⟩</m:t>
+                      </m:r>
+                    </m:oMath>
+                  </m:oMathPara>
+                </a14:m>
+                <a:endParaRPr lang="en-VN" sz="800"/>
+              </a:p>
+            </p:txBody>
+          </p:sp>
+        </mc:Choice>
+        <mc:Fallback>
+          <p:sp>
+            <p:nvSpPr>
+              <p:cNvPr id="47" name="TextBox 46">
+                <a:extLst>
+                  <a:ext uri="{FF2B5EF4-FFF2-40B4-BE49-F238E27FC236}">
+                    <a16:creationId xmlns:a16="http://schemas.microsoft.com/office/drawing/2014/main" id="{767FA982-C7E7-82A9-9D8E-19DE21C2BD55}"/>
+                  </a:ext>
+                </a:extLst>
+              </p:cNvPr>
+              <p:cNvSpPr txBox="1">
+                <a:spLocks noRot="1" noChangeAspect="1" noMove="1" noResize="1" noEditPoints="1" noAdjustHandles="1" noChangeArrowheads="1" noChangeShapeType="1" noTextEdit="1"/>
+              </p:cNvSpPr>
+              <p:nvPr/>
+            </p:nvSpPr>
+            <p:spPr>
+              <a:xfrm>
+                <a:off x="1232006" y="2711363"/>
+                <a:ext cx="145874" cy="123111"/>
+              </a:xfrm>
+              <a:prstGeom prst="rect">
+                <a:avLst/>
+              </a:prstGeom>
+              <a:blipFill>
+                <a:blip r:embed="rId23"/>
+                <a:stretch>
+                  <a:fillRect l="-23077" t="-9091" r="-23077" b="-27273"/>
+                </a:stretch>
+              </a:blipFill>
+            </p:spPr>
+            <p:txBody>
+              <a:bodyPr/>
+              <a:lstStyle/>
+              <a:p>
+                <a:r>
+                  <a:rPr lang="en-VN">
+                    <a:noFill/>
+                  </a:rPr>
+                  <a:t> </a:t>
+                </a:r>
+              </a:p>
+            </p:txBody>
+          </p:sp>
+        </mc:Fallback>
+      </mc:AlternateContent>
+      <mc:AlternateContent xmlns:mc="http://schemas.openxmlformats.org/markup-compatibility/2006">
+        <mc:Choice xmlns:a14="http://schemas.microsoft.com/office/drawing/2010/main" Requires="a14">
+          <p:sp>
+            <p:nvSpPr>
+              <p:cNvPr id="48" name="TextBox 47">
+                <a:extLst>
+                  <a:ext uri="{FF2B5EF4-FFF2-40B4-BE49-F238E27FC236}">
+                    <a16:creationId xmlns:a16="http://schemas.microsoft.com/office/drawing/2014/main" id="{22F1826B-84EC-469E-EC58-9100039C8F01}"/>
+                  </a:ext>
+                </a:extLst>
+              </p:cNvPr>
+              <p:cNvSpPr txBox="1"/>
+              <p:nvPr/>
+            </p:nvSpPr>
+            <p:spPr>
+              <a:xfrm>
+                <a:off x="1232006" y="2898257"/>
+                <a:ext cx="145874" cy="123111"/>
+              </a:xfrm>
+              <a:prstGeom prst="rect">
+                <a:avLst/>
+              </a:prstGeom>
+              <a:noFill/>
+            </p:spPr>
+            <p:txBody>
+              <a:bodyPr wrap="none" lIns="0" tIns="0" rIns="0" bIns="0" rtlCol="0">
+                <a:spAutoFit/>
+              </a:bodyPr>
+              <a:lstStyle/>
+              <a:p>
+                <a:pPr/>
+                <a14:m>
+                  <m:oMathPara xmlns:m="http://schemas.openxmlformats.org/officeDocument/2006/math">
+                    <m:oMathParaPr>
+                      <m:jc m:val="centerGroup"/>
+                    </m:oMathParaPr>
+                    <m:oMath xmlns:m="http://schemas.openxmlformats.org/officeDocument/2006/math">
+                      <m:r>
+                        <a:rPr lang="vi-VN" sz="800" b="0" i="1">
+                          <a:latin typeface="Cambria Math" panose="02040503050406030204" pitchFamily="18" charset="0"/>
+                        </a:rPr>
+                        <m:t>|0⟩</m:t>
+                      </m:r>
+                    </m:oMath>
+                  </m:oMathPara>
+                </a14:m>
+                <a:endParaRPr lang="en-VN" sz="800"/>
+              </a:p>
+            </p:txBody>
+          </p:sp>
+        </mc:Choice>
+        <mc:Fallback>
+          <p:sp>
+            <p:nvSpPr>
+              <p:cNvPr id="48" name="TextBox 47">
+                <a:extLst>
+                  <a:ext uri="{FF2B5EF4-FFF2-40B4-BE49-F238E27FC236}">
+                    <a16:creationId xmlns:a16="http://schemas.microsoft.com/office/drawing/2014/main" id="{22F1826B-84EC-469E-EC58-9100039C8F01}"/>
+                  </a:ext>
+                </a:extLst>
+              </p:cNvPr>
+              <p:cNvSpPr txBox="1">
+                <a:spLocks noRot="1" noChangeAspect="1" noMove="1" noResize="1" noEditPoints="1" noAdjustHandles="1" noChangeArrowheads="1" noChangeShapeType="1" noTextEdit="1"/>
+              </p:cNvSpPr>
+              <p:nvPr/>
+            </p:nvSpPr>
+            <p:spPr>
+              <a:xfrm>
+                <a:off x="1232006" y="2898257"/>
+                <a:ext cx="145874" cy="123111"/>
+              </a:xfrm>
+              <a:prstGeom prst="rect">
+                <a:avLst/>
+              </a:prstGeom>
+              <a:blipFill>
+                <a:blip r:embed="rId24"/>
+                <a:stretch>
+                  <a:fillRect l="-23077" t="-9091" r="-23077" b="-27273"/>
+                </a:stretch>
+              </a:blipFill>
+            </p:spPr>
+            <p:txBody>
+              <a:bodyPr/>
+              <a:lstStyle/>
+              <a:p>
+                <a:r>
+                  <a:rPr lang="en-VN">
+                    <a:noFill/>
+                  </a:rPr>
+                  <a:t> </a:t>
+                </a:r>
+              </a:p>
+            </p:txBody>
+          </p:sp>
+        </mc:Fallback>
+      </mc:AlternateContent>
     </p:spTree>
     <p:extLst>
       <p:ext uri="{BB962C8B-B14F-4D97-AF65-F5344CB8AC3E}">
@@ -6438,8 +8013,8 @@
           </a:fontRef>
         </p:style>
       </p:cxnSp>
-      <mc:AlternateContent xmlns:mc="http://schemas.openxmlformats.org/markup-compatibility/2006">
-        <mc:Choice xmlns:a14="http://schemas.microsoft.com/office/drawing/2010/main" Requires="a14">
+      <mc:AlternateContent xmlns:mc="http://schemas.openxmlformats.org/markup-compatibility/2006" xmlns:a14="http://schemas.microsoft.com/office/drawing/2010/main">
+        <mc:Choice Requires="a14">
           <p:sp>
             <p:nvSpPr>
               <p:cNvPr id="11" name="Rectangle 10">
@@ -6503,7 +8078,7 @@
                               <a:solidFill>
                                 <a:schemeClr val="tx1"/>
                               </a:solidFill>
-                              <a:latin typeface="+mj-lt"/>
+                              <a:latin typeface="Cambria Math" panose="02040503050406030204" pitchFamily="18" charset="0"/>
                             </a:rPr>
                           </m:ctrlPr>
                         </m:sSubPr>
@@ -6513,7 +8088,7 @@
                               <a:solidFill>
                                 <a:schemeClr val="tx1"/>
                               </a:solidFill>
-                              <a:latin typeface="+mj-lt"/>
+                              <a:latin typeface="Cambria Math" panose="02040503050406030204" pitchFamily="18" charset="0"/>
                             </a:rPr>
                             <m:t>𝑅</m:t>
                           </m:r>
@@ -6524,7 +8099,7 @@
                               <a:solidFill>
                                 <a:schemeClr val="tx1"/>
                               </a:solidFill>
-                              <a:latin typeface="+mj-lt"/>
+                              <a:latin typeface="Cambria Math" panose="02040503050406030204" pitchFamily="18" charset="0"/>
                             </a:rPr>
                             <m:t>𝑖</m:t>
                           </m:r>
@@ -6535,7 +8110,7 @@
                           <a:solidFill>
                             <a:schemeClr val="tx1"/>
                           </a:solidFill>
-                          <a:latin typeface="+mj-lt"/>
+                          <a:latin typeface="Cambria Math" panose="02040503050406030204" pitchFamily="18" charset="0"/>
                         </a:rPr>
                         <m:t>(.)</m:t>
                       </m:r>
@@ -6552,7 +8127,7 @@
             </p:txBody>
           </p:sp>
         </mc:Choice>
-        <mc:Fallback>
+        <mc:Fallback xmlns="">
           <p:sp>
             <p:nvSpPr>
               <p:cNvPr id="11" name="Rectangle 10">
@@ -6602,8 +8177,8 @@
           </p:sp>
         </mc:Fallback>
       </mc:AlternateContent>
-      <mc:AlternateContent xmlns:mc="http://schemas.openxmlformats.org/markup-compatibility/2006">
-        <mc:Choice xmlns:a14="http://schemas.microsoft.com/office/drawing/2010/main" Requires="a14">
+      <mc:AlternateContent xmlns:mc="http://schemas.openxmlformats.org/markup-compatibility/2006" xmlns:a14="http://schemas.microsoft.com/office/drawing/2010/main">
+        <mc:Choice Requires="a14">
           <p:sp>
             <p:nvSpPr>
               <p:cNvPr id="12" name="Rectangle 11">
@@ -6667,7 +8242,7 @@
                               <a:solidFill>
                                 <a:schemeClr val="tx1"/>
                               </a:solidFill>
-                              <a:latin typeface="+mj-lt"/>
+                              <a:latin typeface="Cambria Math" panose="02040503050406030204" pitchFamily="18" charset="0"/>
                             </a:rPr>
                           </m:ctrlPr>
                         </m:sSubPr>
@@ -6677,7 +8252,7 @@
                               <a:solidFill>
                                 <a:schemeClr val="tx1"/>
                               </a:solidFill>
-                              <a:latin typeface="+mj-lt"/>
+                              <a:latin typeface="Cambria Math" panose="02040503050406030204" pitchFamily="18" charset="0"/>
                             </a:rPr>
                             <m:t>𝑅</m:t>
                           </m:r>
@@ -6688,7 +8263,7 @@
                               <a:solidFill>
                                 <a:schemeClr val="tx1"/>
                               </a:solidFill>
-                              <a:latin typeface="+mj-lt"/>
+                              <a:latin typeface="Cambria Math" panose="02040503050406030204" pitchFamily="18" charset="0"/>
                             </a:rPr>
                             <m:t>𝑖</m:t>
                           </m:r>
@@ -6699,7 +8274,7 @@
                           <a:solidFill>
                             <a:schemeClr val="tx1"/>
                           </a:solidFill>
-                          <a:latin typeface="+mj-lt"/>
+                          <a:latin typeface="Cambria Math" panose="02040503050406030204" pitchFamily="18" charset="0"/>
                         </a:rPr>
                         <m:t>(</m:t>
                       </m:r>
@@ -6708,7 +8283,7 @@
                           <a:solidFill>
                             <a:schemeClr val="tx1"/>
                           </a:solidFill>
-                          <a:latin typeface="+mj-lt"/>
+                          <a:latin typeface="Cambria Math" panose="02040503050406030204" pitchFamily="18" charset="0"/>
                         </a:rPr>
                         <m:t>.</m:t>
                       </m:r>
@@ -6717,7 +8292,7 @@
                           <a:solidFill>
                             <a:schemeClr val="tx1"/>
                           </a:solidFill>
-                          <a:latin typeface="+mj-lt"/>
+                          <a:latin typeface="Cambria Math" panose="02040503050406030204" pitchFamily="18" charset="0"/>
                         </a:rPr>
                         <m:t>)</m:t>
                       </m:r>
@@ -6734,7 +8309,7 @@
             </p:txBody>
           </p:sp>
         </mc:Choice>
-        <mc:Fallback>
+        <mc:Fallback xmlns="">
           <p:sp>
             <p:nvSpPr>
               <p:cNvPr id="12" name="Rectangle 11">
@@ -6784,8 +8359,8 @@
           </p:sp>
         </mc:Fallback>
       </mc:AlternateContent>
-      <mc:AlternateContent xmlns:mc="http://schemas.openxmlformats.org/markup-compatibility/2006">
-        <mc:Choice xmlns:a14="http://schemas.microsoft.com/office/drawing/2010/main" Requires="a14">
+      <mc:AlternateContent xmlns:mc="http://schemas.openxmlformats.org/markup-compatibility/2006" xmlns:a14="http://schemas.microsoft.com/office/drawing/2010/main">
+        <mc:Choice Requires="a14">
           <p:sp>
             <p:nvSpPr>
               <p:cNvPr id="13" name="Rectangle 12">
@@ -6849,7 +8424,7 @@
                               <a:solidFill>
                                 <a:schemeClr val="tx1"/>
                               </a:solidFill>
-                              <a:latin typeface="+mj-lt"/>
+                              <a:latin typeface="Cambria Math" panose="02040503050406030204" pitchFamily="18" charset="0"/>
                             </a:rPr>
                           </m:ctrlPr>
                         </m:sSubPr>
@@ -6859,7 +8434,7 @@
                               <a:solidFill>
                                 <a:schemeClr val="tx1"/>
                               </a:solidFill>
-                              <a:latin typeface="+mj-lt"/>
+                              <a:latin typeface="Cambria Math" panose="02040503050406030204" pitchFamily="18" charset="0"/>
                             </a:rPr>
                             <m:t>𝑅</m:t>
                           </m:r>
@@ -6870,7 +8445,7 @@
                               <a:solidFill>
                                 <a:schemeClr val="tx1"/>
                               </a:solidFill>
-                              <a:latin typeface="+mj-lt"/>
+                              <a:latin typeface="Cambria Math" panose="02040503050406030204" pitchFamily="18" charset="0"/>
                             </a:rPr>
                             <m:t>𝑖</m:t>
                           </m:r>
@@ -6881,7 +8456,7 @@
                           <a:solidFill>
                             <a:schemeClr val="tx1"/>
                           </a:solidFill>
-                          <a:latin typeface="+mj-lt"/>
+                          <a:latin typeface="Cambria Math" panose="02040503050406030204" pitchFamily="18" charset="0"/>
                         </a:rPr>
                         <m:t>(.)</m:t>
                       </m:r>
@@ -6898,7 +8473,7 @@
             </p:txBody>
           </p:sp>
         </mc:Choice>
-        <mc:Fallback>
+        <mc:Fallback xmlns="">
           <p:sp>
             <p:nvSpPr>
               <p:cNvPr id="13" name="Rectangle 12">
@@ -7179,8 +8754,8 @@
           </a:p>
         </p:txBody>
       </p:sp>
-      <mc:AlternateContent xmlns:mc="http://schemas.openxmlformats.org/markup-compatibility/2006">
-        <mc:Choice xmlns:a14="http://schemas.microsoft.com/office/drawing/2010/main" Requires="a14">
+      <mc:AlternateContent xmlns:mc="http://schemas.openxmlformats.org/markup-compatibility/2006" xmlns:a14="http://schemas.microsoft.com/office/drawing/2010/main">
+        <mc:Choice Requires="a14">
           <p:sp>
             <p:nvSpPr>
               <p:cNvPr id="19" name="Rectangle 18">
@@ -7244,7 +8819,7 @@
                               <a:solidFill>
                                 <a:schemeClr val="tx1"/>
                               </a:solidFill>
-                              <a:latin typeface="+mj-lt"/>
+                              <a:latin typeface="Cambria Math" panose="02040503050406030204" pitchFamily="18" charset="0"/>
                             </a:rPr>
                           </m:ctrlPr>
                         </m:sSubPr>
@@ -7254,7 +8829,7 @@
                               <a:solidFill>
                                 <a:schemeClr val="tx1"/>
                               </a:solidFill>
-                              <a:latin typeface="+mj-lt"/>
+                              <a:latin typeface="Cambria Math" panose="02040503050406030204" pitchFamily="18" charset="0"/>
                             </a:rPr>
                             <m:t>𝑅</m:t>
                           </m:r>
@@ -7265,7 +8840,7 @@
                               <a:solidFill>
                                 <a:schemeClr val="tx1"/>
                               </a:solidFill>
-                              <a:latin typeface="+mj-lt"/>
+                              <a:latin typeface="Cambria Math" panose="02040503050406030204" pitchFamily="18" charset="0"/>
                             </a:rPr>
                             <m:t>𝑖</m:t>
                           </m:r>
@@ -7276,7 +8851,7 @@
                           <a:solidFill>
                             <a:schemeClr val="tx1"/>
                           </a:solidFill>
-                          <a:latin typeface="+mj-lt"/>
+                          <a:latin typeface="Cambria Math" panose="02040503050406030204" pitchFamily="18" charset="0"/>
                         </a:rPr>
                         <m:t>(</m:t>
                       </m:r>
@@ -7285,7 +8860,7 @@
                           <a:solidFill>
                             <a:schemeClr val="tx1"/>
                           </a:solidFill>
-                          <a:latin typeface="+mj-lt"/>
+                          <a:latin typeface="Cambria Math" panose="02040503050406030204" pitchFamily="18" charset="0"/>
                         </a:rPr>
                         <m:t>.</m:t>
                       </m:r>
@@ -7294,7 +8869,7 @@
                           <a:solidFill>
                             <a:schemeClr val="tx1"/>
                           </a:solidFill>
-                          <a:latin typeface="+mj-lt"/>
+                          <a:latin typeface="Cambria Math" panose="02040503050406030204" pitchFamily="18" charset="0"/>
                         </a:rPr>
                         <m:t>)</m:t>
                       </m:r>
@@ -7311,7 +8886,7 @@
             </p:txBody>
           </p:sp>
         </mc:Choice>
-        <mc:Fallback>
+        <mc:Fallback xmlns="">
           <p:sp>
             <p:nvSpPr>
               <p:cNvPr id="19" name="Rectangle 18">
@@ -7375,8 +8950,8 @@
         </p:nvSpPr>
         <p:spPr>
           <a:xfrm>
-            <a:off x="1326775" y="1577798"/>
-            <a:ext cx="1573772" cy="966031"/>
+            <a:off x="1326775" y="1667435"/>
+            <a:ext cx="1573772" cy="801630"/>
           </a:xfrm>
           <a:prstGeom prst="rect">
             <a:avLst/>
@@ -7928,8 +9503,8 @@
         </p:nvSpPr>
         <p:spPr>
           <a:xfrm>
-            <a:off x="2970329" y="1583729"/>
-            <a:ext cx="1638577" cy="966031"/>
+            <a:off x="2970329" y="1667435"/>
+            <a:ext cx="1638577" cy="803475"/>
           </a:xfrm>
           <a:prstGeom prst="rect">
             <a:avLst/>
@@ -7969,146 +9544,6 @@
           </a:p>
         </p:txBody>
       </p:sp>
-      <p:sp>
-        <p:nvSpPr>
-          <p:cNvPr id="36" name="TextBox 35">
-            <a:extLst>
-              <a:ext uri="{FF2B5EF4-FFF2-40B4-BE49-F238E27FC236}">
-                <a16:creationId xmlns:a16="http://schemas.microsoft.com/office/drawing/2014/main" id="{E14A677E-BCF4-6DB9-290D-5AD5590BDD82}"/>
-              </a:ext>
-            </a:extLst>
-          </p:cNvPr>
-          <p:cNvSpPr txBox="1"/>
-          <p:nvPr/>
-        </p:nvSpPr>
-        <p:spPr>
-          <a:xfrm>
-            <a:off x="1315856" y="2585753"/>
-            <a:ext cx="1933941" cy="153888"/>
-          </a:xfrm>
-          <a:prstGeom prst="rect">
-            <a:avLst/>
-          </a:prstGeom>
-          <a:noFill/>
-        </p:spPr>
-        <p:txBody>
-          <a:bodyPr wrap="square" lIns="0" tIns="0" rIns="0" bIns="0" rtlCol="0">
-            <a:spAutoFit/>
-          </a:bodyPr>
-          <a:lstStyle/>
-          <a:p>
-            <a:r>
-              <a:rPr lang="vi-VN" sz="1000" b="0" dirty="0">
-                <a:latin typeface="+mj-lt"/>
-                <a:cs typeface="Calibri" panose="020F0502020204030204" pitchFamily="34" charset="0"/>
-              </a:rPr>
-              <a:t>(</a:t>
-            </a:r>
-            <a:r>
-              <a:rPr lang="en-US" sz="1000" b="0" dirty="0">
-                <a:latin typeface="+mj-lt"/>
-                <a:cs typeface="Calibri" panose="020F0502020204030204" pitchFamily="34" charset="0"/>
-              </a:rPr>
-              <a:t>a</a:t>
-            </a:r>
-            <a:r>
-              <a:rPr lang="vi-VN" sz="1000" b="0" dirty="0">
-                <a:latin typeface="+mj-lt"/>
-                <a:cs typeface="Calibri" panose="020F0502020204030204" pitchFamily="34" charset="0"/>
-              </a:rPr>
-              <a:t>)</a:t>
-            </a:r>
-            <a:r>
-              <a:rPr lang="en-US" sz="1000" b="0" dirty="0">
-                <a:latin typeface="+mj-lt"/>
-                <a:cs typeface="Calibri" panose="020F0502020204030204" pitchFamily="34" charset="0"/>
-              </a:rPr>
-              <a:t> </a:t>
-            </a:r>
-            <a:r>
-              <a:rPr lang="en-US" sz="1000" b="0" dirty="0">
-                <a:latin typeface="Times New Roman" panose="02020603050405020304" pitchFamily="18" charset="0"/>
-                <a:cs typeface="Times New Roman" panose="02020603050405020304" pitchFamily="18" charset="0"/>
-              </a:rPr>
-              <a:t>Chain</a:t>
-            </a:r>
-            <a:endParaRPr lang="en-VN" sz="1000" i="1" dirty="0">
-              <a:latin typeface="Times New Roman" panose="02020603050405020304" pitchFamily="18" charset="0"/>
-              <a:cs typeface="Times New Roman" panose="02020603050405020304" pitchFamily="18" charset="0"/>
-            </a:endParaRPr>
-          </a:p>
-        </p:txBody>
-      </p:sp>
-      <p:sp>
-        <p:nvSpPr>
-          <p:cNvPr id="37" name="TextBox 36">
-            <a:extLst>
-              <a:ext uri="{FF2B5EF4-FFF2-40B4-BE49-F238E27FC236}">
-                <a16:creationId xmlns:a16="http://schemas.microsoft.com/office/drawing/2014/main" id="{6B36140C-81B5-016D-91D2-C5A18D5211EA}"/>
-              </a:ext>
-            </a:extLst>
-          </p:cNvPr>
-          <p:cNvSpPr txBox="1"/>
-          <p:nvPr/>
-        </p:nvSpPr>
-        <p:spPr>
-          <a:xfrm>
-            <a:off x="2969025" y="2579893"/>
-            <a:ext cx="1288632" cy="153888"/>
-          </a:xfrm>
-          <a:prstGeom prst="rect">
-            <a:avLst/>
-          </a:prstGeom>
-          <a:noFill/>
-        </p:spPr>
-        <p:txBody>
-          <a:bodyPr wrap="square" lIns="0" tIns="0" rIns="0" bIns="0" rtlCol="0">
-            <a:spAutoFit/>
-          </a:bodyPr>
-          <a:lstStyle/>
-          <a:p>
-            <a:r>
-              <a:rPr lang="vi-VN" sz="1000" b="0" dirty="0">
-                <a:latin typeface="+mj-lt"/>
-                <a:cs typeface="Calibri" panose="020F0502020204030204" pitchFamily="34" charset="0"/>
-              </a:rPr>
-              <a:t>(</a:t>
-            </a:r>
-            <a:r>
-              <a:rPr lang="en-US" sz="1000" b="0" dirty="0">
-                <a:latin typeface="+mj-lt"/>
-                <a:cs typeface="Calibri" panose="020F0502020204030204" pitchFamily="34" charset="0"/>
-              </a:rPr>
-              <a:t>b</a:t>
-            </a:r>
-            <a:r>
-              <a:rPr lang="vi-VN" sz="1000" b="0" dirty="0">
-                <a:latin typeface="+mj-lt"/>
-                <a:cs typeface="Calibri" panose="020F0502020204030204" pitchFamily="34" charset="0"/>
-              </a:rPr>
-              <a:t>)</a:t>
-            </a:r>
-            <a:r>
-              <a:rPr lang="en-US" sz="1000" dirty="0">
-                <a:latin typeface="+mj-lt"/>
-                <a:cs typeface="Calibri" panose="020F0502020204030204" pitchFamily="34" charset="0"/>
-              </a:rPr>
-              <a:t> </a:t>
-            </a:r>
-            <a:r>
-              <a:rPr lang="en-US" sz="1000" dirty="0">
-                <a:latin typeface="Times New Roman" panose="02020603050405020304" pitchFamily="18" charset="0"/>
-                <a:cs typeface="Times New Roman" panose="02020603050405020304" pitchFamily="18" charset="0"/>
-              </a:rPr>
-              <a:t>Alternating</a:t>
-            </a:r>
-            <a:endParaRPr lang="en-VN" sz="1000" i="1" dirty="0">
-              <a:latin typeface="Times New Roman" panose="02020603050405020304" pitchFamily="18" charset="0"/>
-              <a:cs typeface="Times New Roman" panose="02020603050405020304" pitchFamily="18" charset="0"/>
-            </a:endParaRPr>
-          </a:p>
-        </p:txBody>
-      </p:sp>
       <p:cxnSp>
         <p:nvCxnSpPr>
           <p:cNvPr id="38" name="Straight Connector 37">
@@ -8132,7 +9567,7 @@
             <a:avLst/>
           </a:prstGeom>
           <a:ln>
-            <a:prstDash val="dash"/>
+            <a:prstDash val="sysDash"/>
           </a:ln>
         </p:spPr>
         <p:style>
@@ -8173,7 +9608,7 @@
             <a:avLst/>
           </a:prstGeom>
           <a:ln>
-            <a:prstDash val="dash"/>
+            <a:prstDash val="sysDash"/>
           </a:ln>
         </p:spPr>
         <p:style>
@@ -8205,13 +9640,15 @@
         </p:nvSpPr>
         <p:spPr>
           <a:xfrm>
-            <a:off x="3146592" y="1577413"/>
-            <a:ext cx="634815" cy="215444"/>
+            <a:off x="3170497" y="1535581"/>
+            <a:ext cx="599008" cy="215444"/>
           </a:xfrm>
           <a:prstGeom prst="rect">
             <a:avLst/>
           </a:prstGeom>
-          <a:noFill/>
+          <a:solidFill>
+            <a:schemeClr val="bg1"/>
+          </a:solidFill>
         </p:spPr>
         <p:txBody>
           <a:bodyPr wrap="square" rtlCol="0">
@@ -8243,13 +9680,15 @@
         </p:nvSpPr>
         <p:spPr>
           <a:xfrm>
-            <a:off x="3788068" y="1577792"/>
-            <a:ext cx="651129" cy="215444"/>
+            <a:off x="3809469" y="1535960"/>
+            <a:ext cx="617776" cy="215444"/>
           </a:xfrm>
           <a:prstGeom prst="rect">
             <a:avLst/>
           </a:prstGeom>
-          <a:noFill/>
+          <a:solidFill>
+            <a:schemeClr val="bg1"/>
+          </a:solidFill>
         </p:spPr>
         <p:txBody>
           <a:bodyPr wrap="square" rtlCol="0">
@@ -8283,7 +9722,7 @@
         </p:nvCxnSpPr>
         <p:spPr>
           <a:xfrm>
-            <a:off x="3972464" y="3006283"/>
+            <a:off x="3972464" y="2791147"/>
             <a:ext cx="548640" cy="2177"/>
           </a:xfrm>
           <a:prstGeom prst="line">
@@ -8321,7 +9760,7 @@
         </p:nvCxnSpPr>
         <p:spPr>
           <a:xfrm>
-            <a:off x="3972464" y="3182613"/>
+            <a:off x="3972464" y="2967477"/>
             <a:ext cx="548640" cy="2177"/>
           </a:xfrm>
           <a:prstGeom prst="line">
@@ -8359,7 +9798,7 @@
         </p:nvCxnSpPr>
         <p:spPr>
           <a:xfrm>
-            <a:off x="3972464" y="3379969"/>
+            <a:off x="3972464" y="3164833"/>
             <a:ext cx="548640" cy="2177"/>
           </a:xfrm>
           <a:prstGeom prst="line">
@@ -8397,7 +9836,7 @@
         </p:nvCxnSpPr>
         <p:spPr>
           <a:xfrm>
-            <a:off x="3972464" y="3557165"/>
+            <a:off x="3972464" y="3342029"/>
             <a:ext cx="548640" cy="2177"/>
           </a:xfrm>
           <a:prstGeom prst="line">
@@ -8435,7 +9874,7 @@
             </p:nvSpPr>
             <p:spPr>
               <a:xfrm>
-                <a:off x="4042161" y="2911176"/>
+                <a:off x="4042161" y="2696040"/>
                 <a:ext cx="390566" cy="164681"/>
               </a:xfrm>
               <a:prstGeom prst="rect">
@@ -8484,7 +9923,7 @@
                               <a:solidFill>
                                 <a:schemeClr val="tx1"/>
                               </a:solidFill>
-                              <a:latin typeface="+mj-lt"/>
+                              <a:latin typeface="Cambria Math" panose="02040503050406030204" pitchFamily="18" charset="0"/>
                             </a:rPr>
                           </m:ctrlPr>
                         </m:sSubPr>
@@ -8494,7 +9933,7 @@
                               <a:solidFill>
                                 <a:schemeClr val="tx1"/>
                               </a:solidFill>
-                              <a:latin typeface="+mj-lt"/>
+                              <a:latin typeface="Cambria Math" panose="02040503050406030204" pitchFamily="18" charset="0"/>
                             </a:rPr>
                             <m:t>𝑅</m:t>
                           </m:r>
@@ -8505,7 +9944,7 @@
                               <a:solidFill>
                                 <a:schemeClr val="tx1"/>
                               </a:solidFill>
-                              <a:latin typeface="+mj-lt"/>
+                              <a:latin typeface="Cambria Math" panose="02040503050406030204" pitchFamily="18" charset="0"/>
                             </a:rPr>
                             <m:t>𝑖</m:t>
                           </m:r>
@@ -8516,7 +9955,7 @@
                           <a:solidFill>
                             <a:schemeClr val="tx1"/>
                           </a:solidFill>
-                          <a:latin typeface="+mj-lt"/>
+                          <a:latin typeface="Cambria Math" panose="02040503050406030204" pitchFamily="18" charset="0"/>
                         </a:rPr>
                         <m:t>()</m:t>
                       </m:r>
@@ -8550,7 +9989,7 @@
             </p:nvSpPr>
             <p:spPr>
               <a:xfrm>
-                <a:off x="4042161" y="2911176"/>
+                <a:off x="4042161" y="2696040"/>
                 <a:ext cx="390566" cy="164681"/>
               </a:xfrm>
               <a:prstGeom prst="rect">
@@ -8599,7 +10038,7 @@
             </p:nvSpPr>
             <p:spPr>
               <a:xfrm>
-                <a:off x="4042161" y="3099821"/>
+                <a:off x="4042161" y="2884685"/>
                 <a:ext cx="390566" cy="164681"/>
               </a:xfrm>
               <a:prstGeom prst="rect">
@@ -8648,7 +10087,7 @@
                               <a:solidFill>
                                 <a:schemeClr val="tx1"/>
                               </a:solidFill>
-                              <a:latin typeface="+mj-lt"/>
+                              <a:latin typeface="Cambria Math" panose="02040503050406030204" pitchFamily="18" charset="0"/>
                             </a:rPr>
                           </m:ctrlPr>
                         </m:sSubPr>
@@ -8658,7 +10097,7 @@
                               <a:solidFill>
                                 <a:schemeClr val="tx1"/>
                               </a:solidFill>
-                              <a:latin typeface="+mj-lt"/>
+                              <a:latin typeface="Cambria Math" panose="02040503050406030204" pitchFamily="18" charset="0"/>
                             </a:rPr>
                             <m:t>𝑅</m:t>
                           </m:r>
@@ -8669,7 +10108,7 @@
                               <a:solidFill>
                                 <a:schemeClr val="tx1"/>
                               </a:solidFill>
-                              <a:latin typeface="+mj-lt"/>
+                              <a:latin typeface="Cambria Math" panose="02040503050406030204" pitchFamily="18" charset="0"/>
                             </a:rPr>
                             <m:t>𝑖</m:t>
                           </m:r>
@@ -8680,7 +10119,7 @@
                           <a:solidFill>
                             <a:schemeClr val="tx1"/>
                           </a:solidFill>
-                          <a:latin typeface="+mj-lt"/>
+                          <a:latin typeface="Cambria Math" panose="02040503050406030204" pitchFamily="18" charset="0"/>
                         </a:rPr>
                         <m:t>()</m:t>
                       </m:r>
@@ -8714,7 +10153,7 @@
             </p:nvSpPr>
             <p:spPr>
               <a:xfrm>
-                <a:off x="4042161" y="3099821"/>
+                <a:off x="4042161" y="2884685"/>
                 <a:ext cx="390566" cy="164681"/>
               </a:xfrm>
               <a:prstGeom prst="rect">
@@ -8723,7 +10162,7 @@
               <a:blipFill>
                 <a:blip r:embed="rId7"/>
                 <a:stretch>
-                  <a:fillRect b="-6250"/>
+                  <a:fillRect b="-6667"/>
                 </a:stretch>
               </a:blipFill>
               <a:ln>
@@ -8763,7 +10202,7 @@
             </p:nvSpPr>
             <p:spPr>
               <a:xfrm>
-                <a:off x="4042161" y="3287007"/>
+                <a:off x="4042161" y="3071871"/>
                 <a:ext cx="390566" cy="164681"/>
               </a:xfrm>
               <a:prstGeom prst="rect">
@@ -8812,7 +10251,7 @@
                               <a:solidFill>
                                 <a:schemeClr val="tx1"/>
                               </a:solidFill>
-                              <a:latin typeface="+mj-lt"/>
+                              <a:latin typeface="Cambria Math" panose="02040503050406030204" pitchFamily="18" charset="0"/>
                             </a:rPr>
                           </m:ctrlPr>
                         </m:sSubPr>
@@ -8822,7 +10261,7 @@
                               <a:solidFill>
                                 <a:schemeClr val="tx1"/>
                               </a:solidFill>
-                              <a:latin typeface="+mj-lt"/>
+                              <a:latin typeface="Cambria Math" panose="02040503050406030204" pitchFamily="18" charset="0"/>
                             </a:rPr>
                             <m:t>𝑅</m:t>
                           </m:r>
@@ -8833,7 +10272,7 @@
                               <a:solidFill>
                                 <a:schemeClr val="tx1"/>
                               </a:solidFill>
-                              <a:latin typeface="+mj-lt"/>
+                              <a:latin typeface="Cambria Math" panose="02040503050406030204" pitchFamily="18" charset="0"/>
                             </a:rPr>
                             <m:t>𝑖</m:t>
                           </m:r>
@@ -8844,7 +10283,7 @@
                           <a:solidFill>
                             <a:schemeClr val="tx1"/>
                           </a:solidFill>
-                          <a:latin typeface="+mj-lt"/>
+                          <a:latin typeface="Cambria Math" panose="02040503050406030204" pitchFamily="18" charset="0"/>
                         </a:rPr>
                         <m:t>()</m:t>
                       </m:r>
@@ -8878,7 +10317,7 @@
             </p:nvSpPr>
             <p:spPr>
               <a:xfrm>
-                <a:off x="4042161" y="3287007"/>
+                <a:off x="4042161" y="3071871"/>
                 <a:ext cx="390566" cy="164681"/>
               </a:xfrm>
               <a:prstGeom prst="rect">
@@ -8927,7 +10366,7 @@
             </p:nvSpPr>
             <p:spPr>
               <a:xfrm>
-                <a:off x="4042161" y="3475653"/>
+                <a:off x="4042161" y="3260517"/>
                 <a:ext cx="390566" cy="164681"/>
               </a:xfrm>
               <a:prstGeom prst="rect">
@@ -8976,7 +10415,7 @@
                               <a:solidFill>
                                 <a:schemeClr val="tx1"/>
                               </a:solidFill>
-                              <a:latin typeface="+mj-lt"/>
+                              <a:latin typeface="Cambria Math" panose="02040503050406030204" pitchFamily="18" charset="0"/>
                             </a:rPr>
                           </m:ctrlPr>
                         </m:sSubPr>
@@ -8986,7 +10425,7 @@
                               <a:solidFill>
                                 <a:schemeClr val="tx1"/>
                               </a:solidFill>
-                              <a:latin typeface="+mj-lt"/>
+                              <a:latin typeface="Cambria Math" panose="02040503050406030204" pitchFamily="18" charset="0"/>
                             </a:rPr>
                             <m:t>𝑅</m:t>
                           </m:r>
@@ -8997,7 +10436,7 @@
                               <a:solidFill>
                                 <a:schemeClr val="tx1"/>
                               </a:solidFill>
-                              <a:latin typeface="+mj-lt"/>
+                              <a:latin typeface="Cambria Math" panose="02040503050406030204" pitchFamily="18" charset="0"/>
                             </a:rPr>
                             <m:t>𝑖</m:t>
                           </m:r>
@@ -9008,7 +10447,7 @@
                           <a:solidFill>
                             <a:schemeClr val="tx1"/>
                           </a:solidFill>
-                          <a:latin typeface="+mj-lt"/>
+                          <a:latin typeface="Cambria Math" panose="02040503050406030204" pitchFamily="18" charset="0"/>
                         </a:rPr>
                         <m:t>()</m:t>
                       </m:r>
@@ -9042,7 +10481,7 @@
             </p:nvSpPr>
             <p:spPr>
               <a:xfrm>
-                <a:off x="4042161" y="3475653"/>
+                <a:off x="4042161" y="3260517"/>
                 <a:ext cx="390566" cy="164681"/>
               </a:xfrm>
               <a:prstGeom prst="rect">
@@ -9089,8 +10528,8 @@
         </p:nvSpPr>
         <p:spPr>
           <a:xfrm>
-            <a:off x="3887159" y="2789146"/>
-            <a:ext cx="1234116" cy="966031"/>
+            <a:off x="3887159" y="2662896"/>
+            <a:ext cx="1234116" cy="803475"/>
           </a:xfrm>
           <a:prstGeom prst="rect">
             <a:avLst/>
@@ -9146,7 +10585,7 @@
             </p:nvSpPr>
             <p:spPr>
               <a:xfrm>
-                <a:off x="3887156" y="3793520"/>
+                <a:off x="3887156" y="3464825"/>
                 <a:ext cx="1234116" cy="153888"/>
               </a:xfrm>
               <a:prstGeom prst="rect">
@@ -9178,7 +10617,7 @@
                   <m:oMath xmlns:m="http://schemas.openxmlformats.org/officeDocument/2006/math">
                     <m:r>
                       <a:rPr lang="en-US" sz="1000" b="0" i="1" smtClean="0">
-                        <a:latin typeface="+mj-lt"/>
+                        <a:latin typeface="Cambria Math" panose="02040503050406030204" pitchFamily="18" charset="0"/>
                         <a:cs typeface="Calibri" panose="020F0502020204030204" pitchFamily="34" charset="0"/>
                       </a:rPr>
                       <m:t>𝑖</m:t>
@@ -9210,7 +10649,7 @@
             </p:nvSpPr>
             <p:spPr>
               <a:xfrm>
-                <a:off x="3887156" y="3793520"/>
+                <a:off x="3887156" y="3464825"/>
                 <a:ext cx="1234116" cy="153888"/>
               </a:xfrm>
               <a:prstGeom prst="rect">
@@ -9261,7 +10700,7 @@
             <a:avLst/>
           </a:prstGeom>
           <a:ln>
-            <a:prstDash val="dash"/>
+            <a:prstDash val="sysDash"/>
           </a:ln>
         </p:spPr>
         <p:style>
@@ -9295,7 +10734,7 @@
             </p:nvSpPr>
             <p:spPr>
               <a:xfrm>
-                <a:off x="4819115" y="2935559"/>
+                <a:off x="4819115" y="2720423"/>
                 <a:ext cx="220750" cy="720362"/>
               </a:xfrm>
               <a:prstGeom prst="rect">
@@ -9344,7 +10783,7 @@
                               <a:solidFill>
                                 <a:schemeClr val="tx1"/>
                               </a:solidFill>
-                              <a:latin typeface="+mj-lt"/>
+                              <a:latin typeface="Cambria Math" panose="02040503050406030204" pitchFamily="18" charset="0"/>
                             </a:rPr>
                           </m:ctrlPr>
                         </m:sSubPr>
@@ -9354,7 +10793,7 @@
                               <a:solidFill>
                                 <a:schemeClr val="tx1"/>
                               </a:solidFill>
-                              <a:latin typeface="+mj-lt"/>
+                              <a:latin typeface="Cambria Math" panose="02040503050406030204" pitchFamily="18" charset="0"/>
                             </a:rPr>
                             <m:t>𝑅</m:t>
                           </m:r>
@@ -9365,7 +10804,7 @@
                               <a:solidFill>
                                 <a:schemeClr val="tx1"/>
                               </a:solidFill>
-                              <a:latin typeface="+mj-lt"/>
+                              <a:latin typeface="Cambria Math" panose="02040503050406030204" pitchFamily="18" charset="0"/>
                             </a:rPr>
                             <m:t>𝑖</m:t>
                           </m:r>
@@ -9401,7 +10840,7 @@
             </p:nvSpPr>
             <p:spPr>
               <a:xfrm>
-                <a:off x="4819115" y="2935559"/>
+                <a:off x="4819115" y="2720423"/>
                 <a:ext cx="220750" cy="720362"/>
               </a:xfrm>
               <a:prstGeom prst="rect">
@@ -9448,7 +10887,7 @@
         </p:nvSpPr>
         <p:spPr>
           <a:xfrm>
-            <a:off x="4478945" y="3166977"/>
+            <a:off x="4478945" y="2951841"/>
             <a:ext cx="384628" cy="274320"/>
           </a:xfrm>
           <a:prstGeom prst="rect">
@@ -9498,8 +10937,8 @@
           </a:p>
         </p:txBody>
       </p:sp>
-      <mc:AlternateContent xmlns:mc="http://schemas.openxmlformats.org/markup-compatibility/2006">
-        <mc:Choice xmlns:a14="http://schemas.microsoft.com/office/drawing/2010/main" Requires="a14">
+      <mc:AlternateContent xmlns:mc="http://schemas.openxmlformats.org/markup-compatibility/2006" xmlns:a14="http://schemas.microsoft.com/office/drawing/2010/main">
+        <mc:Choice Requires="a14">
           <p:sp>
             <p:nvSpPr>
               <p:cNvPr id="72" name="Rectangle 71">
@@ -9563,7 +11002,7 @@
                               <a:solidFill>
                                 <a:schemeClr val="tx1"/>
                               </a:solidFill>
-                              <a:latin typeface="+mj-lt"/>
+                              <a:latin typeface="Cambria Math" panose="02040503050406030204" pitchFamily="18" charset="0"/>
                             </a:rPr>
                           </m:ctrlPr>
                         </m:sSubPr>
@@ -9573,7 +11012,7 @@
                               <a:solidFill>
                                 <a:schemeClr val="tx1"/>
                               </a:solidFill>
-                              <a:latin typeface="+mj-lt"/>
+                              <a:latin typeface="Cambria Math" panose="02040503050406030204" pitchFamily="18" charset="0"/>
                             </a:rPr>
                             <m:t>𝑅</m:t>
                           </m:r>
@@ -9584,7 +11023,7 @@
                               <a:solidFill>
                                 <a:schemeClr val="tx1"/>
                               </a:solidFill>
-                              <a:latin typeface="+mj-lt"/>
+                              <a:latin typeface="Cambria Math" panose="02040503050406030204" pitchFamily="18" charset="0"/>
                             </a:rPr>
                             <m:t>𝑖</m:t>
                           </m:r>
@@ -9595,7 +11034,7 @@
                           <a:solidFill>
                             <a:schemeClr val="tx1"/>
                           </a:solidFill>
-                          <a:latin typeface="+mj-lt"/>
+                          <a:latin typeface="Cambria Math" panose="02040503050406030204" pitchFamily="18" charset="0"/>
                         </a:rPr>
                         <m:t>(</m:t>
                       </m:r>
@@ -9604,7 +11043,7 @@
                           <a:solidFill>
                             <a:schemeClr val="tx1"/>
                           </a:solidFill>
-                          <a:latin typeface="+mj-lt"/>
+                          <a:latin typeface="Cambria Math" panose="02040503050406030204" pitchFamily="18" charset="0"/>
                         </a:rPr>
                         <m:t>.</m:t>
                       </m:r>
@@ -9613,7 +11052,7 @@
                           <a:solidFill>
                             <a:schemeClr val="tx1"/>
                           </a:solidFill>
-                          <a:latin typeface="+mj-lt"/>
+                          <a:latin typeface="Cambria Math" panose="02040503050406030204" pitchFamily="18" charset="0"/>
                         </a:rPr>
                         <m:t>)</m:t>
                       </m:r>
@@ -9630,7 +11069,7 @@
             </p:txBody>
           </p:sp>
         </mc:Choice>
-        <mc:Fallback>
+        <mc:Fallback xmlns="">
           <p:sp>
             <p:nvSpPr>
               <p:cNvPr id="72" name="Rectangle 71">
@@ -9680,8 +11119,8 @@
           </p:sp>
         </mc:Fallback>
       </mc:AlternateContent>
-      <mc:AlternateContent xmlns:mc="http://schemas.openxmlformats.org/markup-compatibility/2006">
-        <mc:Choice xmlns:a14="http://schemas.microsoft.com/office/drawing/2010/main" Requires="a14">
+      <mc:AlternateContent xmlns:mc="http://schemas.openxmlformats.org/markup-compatibility/2006" xmlns:a14="http://schemas.microsoft.com/office/drawing/2010/main">
+        <mc:Choice Requires="a14">
           <p:sp>
             <p:nvSpPr>
               <p:cNvPr id="73" name="Rectangle 72">
@@ -9745,7 +11184,7 @@
                               <a:solidFill>
                                 <a:schemeClr val="tx1"/>
                               </a:solidFill>
-                              <a:latin typeface="+mj-lt"/>
+                              <a:latin typeface="Cambria Math" panose="02040503050406030204" pitchFamily="18" charset="0"/>
                             </a:rPr>
                           </m:ctrlPr>
                         </m:sSubPr>
@@ -9755,7 +11194,7 @@
                               <a:solidFill>
                                 <a:schemeClr val="tx1"/>
                               </a:solidFill>
-                              <a:latin typeface="+mj-lt"/>
+                              <a:latin typeface="Cambria Math" panose="02040503050406030204" pitchFamily="18" charset="0"/>
                             </a:rPr>
                             <m:t>𝑅</m:t>
                           </m:r>
@@ -9766,7 +11205,7 @@
                               <a:solidFill>
                                 <a:schemeClr val="tx1"/>
                               </a:solidFill>
-                              <a:latin typeface="+mj-lt"/>
+                              <a:latin typeface="Cambria Math" panose="02040503050406030204" pitchFamily="18" charset="0"/>
                             </a:rPr>
                             <m:t>𝑖</m:t>
                           </m:r>
@@ -9777,7 +11216,7 @@
                           <a:solidFill>
                             <a:schemeClr val="tx1"/>
                           </a:solidFill>
-                          <a:latin typeface="+mj-lt"/>
+                          <a:latin typeface="Cambria Math" panose="02040503050406030204" pitchFamily="18" charset="0"/>
                         </a:rPr>
                         <m:t>(</m:t>
                       </m:r>
@@ -9786,7 +11225,7 @@
                           <a:solidFill>
                             <a:schemeClr val="tx1"/>
                           </a:solidFill>
-                          <a:latin typeface="+mj-lt"/>
+                          <a:latin typeface="Cambria Math" panose="02040503050406030204" pitchFamily="18" charset="0"/>
                         </a:rPr>
                         <m:t>.</m:t>
                       </m:r>
@@ -9795,7 +11234,7 @@
                           <a:solidFill>
                             <a:schemeClr val="tx1"/>
                           </a:solidFill>
-                          <a:latin typeface="+mj-lt"/>
+                          <a:latin typeface="Cambria Math" panose="02040503050406030204" pitchFamily="18" charset="0"/>
                         </a:rPr>
                         <m:t>)</m:t>
                       </m:r>
@@ -9812,7 +11251,7 @@
             </p:txBody>
           </p:sp>
         </mc:Choice>
-        <mc:Fallback>
+        <mc:Fallback xmlns="">
           <p:sp>
             <p:nvSpPr>
               <p:cNvPr id="73" name="Rectangle 72">
@@ -9862,8 +11301,8 @@
           </p:sp>
         </mc:Fallback>
       </mc:AlternateContent>
-      <mc:AlternateContent xmlns:mc="http://schemas.openxmlformats.org/markup-compatibility/2006">
-        <mc:Choice xmlns:a14="http://schemas.microsoft.com/office/drawing/2010/main" Requires="a14">
+      <mc:AlternateContent xmlns:mc="http://schemas.openxmlformats.org/markup-compatibility/2006" xmlns:a14="http://schemas.microsoft.com/office/drawing/2010/main">
+        <mc:Choice Requires="a14">
           <p:sp>
             <p:nvSpPr>
               <p:cNvPr id="74" name="Rectangle 73">
@@ -9927,7 +11366,7 @@
                               <a:solidFill>
                                 <a:schemeClr val="tx1"/>
                               </a:solidFill>
-                              <a:latin typeface="+mj-lt"/>
+                              <a:latin typeface="Cambria Math" panose="02040503050406030204" pitchFamily="18" charset="0"/>
                             </a:rPr>
                           </m:ctrlPr>
                         </m:sSubPr>
@@ -9937,7 +11376,7 @@
                               <a:solidFill>
                                 <a:schemeClr val="tx1"/>
                               </a:solidFill>
-                              <a:latin typeface="+mj-lt"/>
+                              <a:latin typeface="Cambria Math" panose="02040503050406030204" pitchFamily="18" charset="0"/>
                             </a:rPr>
                             <m:t>𝑅</m:t>
                           </m:r>
@@ -9948,7 +11387,7 @@
                               <a:solidFill>
                                 <a:schemeClr val="tx1"/>
                               </a:solidFill>
-                              <a:latin typeface="+mj-lt"/>
+                              <a:latin typeface="Cambria Math" panose="02040503050406030204" pitchFamily="18" charset="0"/>
                             </a:rPr>
                             <m:t>𝑖</m:t>
                           </m:r>
@@ -9959,7 +11398,7 @@
                           <a:solidFill>
                             <a:schemeClr val="tx1"/>
                           </a:solidFill>
-                          <a:latin typeface="+mj-lt"/>
+                          <a:latin typeface="Cambria Math" panose="02040503050406030204" pitchFamily="18" charset="0"/>
                         </a:rPr>
                         <m:t>(</m:t>
                       </m:r>
@@ -9968,7 +11407,7 @@
                           <a:solidFill>
                             <a:schemeClr val="tx1"/>
                           </a:solidFill>
-                          <a:latin typeface="+mj-lt"/>
+                          <a:latin typeface="Cambria Math" panose="02040503050406030204" pitchFamily="18" charset="0"/>
                         </a:rPr>
                         <m:t>.</m:t>
                       </m:r>
@@ -9977,7 +11416,7 @@
                           <a:solidFill>
                             <a:schemeClr val="tx1"/>
                           </a:solidFill>
-                          <a:latin typeface="+mj-lt"/>
+                          <a:latin typeface="Cambria Math" panose="02040503050406030204" pitchFamily="18" charset="0"/>
                         </a:rPr>
                         <m:t>)</m:t>
                       </m:r>
@@ -9994,7 +11433,7 @@
             </p:txBody>
           </p:sp>
         </mc:Choice>
-        <mc:Fallback>
+        <mc:Fallback xmlns="">
           <p:sp>
             <p:nvSpPr>
               <p:cNvPr id="74" name="Rectangle 73">
@@ -10044,8 +11483,8 @@
           </p:sp>
         </mc:Fallback>
       </mc:AlternateContent>
-      <mc:AlternateContent xmlns:mc="http://schemas.openxmlformats.org/markup-compatibility/2006">
-        <mc:Choice xmlns:a14="http://schemas.microsoft.com/office/drawing/2010/main" Requires="a14">
+      <mc:AlternateContent xmlns:mc="http://schemas.openxmlformats.org/markup-compatibility/2006" xmlns:a14="http://schemas.microsoft.com/office/drawing/2010/main">
+        <mc:Choice Requires="a14">
           <p:sp>
             <p:nvSpPr>
               <p:cNvPr id="75" name="Rectangle 74">
@@ -10109,7 +11548,7 @@
                               <a:solidFill>
                                 <a:schemeClr val="tx1"/>
                               </a:solidFill>
-                              <a:latin typeface="+mj-lt"/>
+                              <a:latin typeface="Cambria Math" panose="02040503050406030204" pitchFamily="18" charset="0"/>
                             </a:rPr>
                           </m:ctrlPr>
                         </m:sSubPr>
@@ -10119,7 +11558,7 @@
                               <a:solidFill>
                                 <a:schemeClr val="tx1"/>
                               </a:solidFill>
-                              <a:latin typeface="+mj-lt"/>
+                              <a:latin typeface="Cambria Math" panose="02040503050406030204" pitchFamily="18" charset="0"/>
                             </a:rPr>
                             <m:t>𝑅</m:t>
                           </m:r>
@@ -10130,7 +11569,7 @@
                               <a:solidFill>
                                 <a:schemeClr val="tx1"/>
                               </a:solidFill>
-                              <a:latin typeface="+mj-lt"/>
+                              <a:latin typeface="Cambria Math" panose="02040503050406030204" pitchFamily="18" charset="0"/>
                             </a:rPr>
                             <m:t>𝑖</m:t>
                           </m:r>
@@ -10141,7 +11580,7 @@
                           <a:solidFill>
                             <a:schemeClr val="tx1"/>
                           </a:solidFill>
-                          <a:latin typeface="+mj-lt"/>
+                          <a:latin typeface="Cambria Math" panose="02040503050406030204" pitchFamily="18" charset="0"/>
                         </a:rPr>
                         <m:t>(</m:t>
                       </m:r>
@@ -10150,7 +11589,7 @@
                           <a:solidFill>
                             <a:schemeClr val="tx1"/>
                           </a:solidFill>
-                          <a:latin typeface="+mj-lt"/>
+                          <a:latin typeface="Cambria Math" panose="02040503050406030204" pitchFamily="18" charset="0"/>
                         </a:rPr>
                         <m:t>.</m:t>
                       </m:r>
@@ -10159,7 +11598,7 @@
                           <a:solidFill>
                             <a:schemeClr val="tx1"/>
                           </a:solidFill>
-                          <a:latin typeface="+mj-lt"/>
+                          <a:latin typeface="Cambria Math" panose="02040503050406030204" pitchFamily="18" charset="0"/>
                         </a:rPr>
                         <m:t>)</m:t>
                       </m:r>
@@ -10176,7 +11615,7 @@
             </p:txBody>
           </p:sp>
         </mc:Choice>
-        <mc:Fallback>
+        <mc:Fallback xmlns="">
           <p:sp>
             <p:nvSpPr>
               <p:cNvPr id="75" name="Rectangle 74">
@@ -10243,7 +11682,7 @@
         </p:nvCxnSpPr>
         <p:spPr>
           <a:xfrm flipV="1">
-            <a:off x="2250070" y="3043183"/>
+            <a:off x="2250070" y="2828047"/>
             <a:ext cx="0" cy="475890"/>
           </a:xfrm>
           <a:prstGeom prst="line">
@@ -10282,7 +11721,7 @@
         </p:nvCxnSpPr>
         <p:spPr>
           <a:xfrm flipV="1">
-            <a:off x="1993912" y="3039037"/>
+            <a:off x="1993912" y="2823901"/>
             <a:ext cx="0" cy="309900"/>
           </a:xfrm>
           <a:prstGeom prst="line">
@@ -10321,7 +11760,7 @@
         </p:nvCxnSpPr>
         <p:spPr>
           <a:xfrm flipV="1">
-            <a:off x="1734749" y="3043072"/>
+            <a:off x="1734749" y="2827936"/>
             <a:ext cx="0" cy="111840"/>
           </a:xfrm>
           <a:prstGeom prst="line">
@@ -10359,7 +11798,7 @@
         </p:nvCxnSpPr>
         <p:spPr>
           <a:xfrm>
-            <a:off x="1406743" y="3006526"/>
+            <a:off x="1406743" y="2791390"/>
             <a:ext cx="2377440" cy="2177"/>
           </a:xfrm>
           <a:prstGeom prst="line">
@@ -10397,7 +11836,7 @@
         </p:nvCxnSpPr>
         <p:spPr>
           <a:xfrm>
-            <a:off x="1406743" y="3190153"/>
+            <a:off x="1406743" y="2975017"/>
             <a:ext cx="2377440" cy="2177"/>
           </a:xfrm>
           <a:prstGeom prst="line">
@@ -10435,7 +11874,7 @@
         </p:nvCxnSpPr>
         <p:spPr>
           <a:xfrm>
-            <a:off x="1406743" y="3369016"/>
+            <a:off x="1406743" y="3153880"/>
             <a:ext cx="2377440" cy="2177"/>
           </a:xfrm>
           <a:prstGeom prst="line">
@@ -10473,7 +11912,7 @@
         </p:nvCxnSpPr>
         <p:spPr>
           <a:xfrm>
-            <a:off x="1406743" y="3557408"/>
+            <a:off x="1406743" y="3342272"/>
             <a:ext cx="2377440" cy="2177"/>
           </a:xfrm>
           <a:prstGeom prst="line">
@@ -10511,7 +11950,7 @@
             </p:nvSpPr>
             <p:spPr>
               <a:xfrm>
-                <a:off x="1530550" y="3100064"/>
+                <a:off x="1530550" y="2884928"/>
                 <a:ext cx="390566" cy="164681"/>
               </a:xfrm>
               <a:prstGeom prst="rect">
@@ -10560,7 +11999,7 @@
                               <a:solidFill>
                                 <a:schemeClr val="tx1"/>
                               </a:solidFill>
-                              <a:latin typeface="+mj-lt"/>
+                              <a:latin typeface="Cambria Math" panose="02040503050406030204" pitchFamily="18" charset="0"/>
                             </a:rPr>
                           </m:ctrlPr>
                         </m:sSubPr>
@@ -10570,7 +12009,7 @@
                               <a:solidFill>
                                 <a:schemeClr val="tx1"/>
                               </a:solidFill>
-                              <a:latin typeface="+mj-lt"/>
+                              <a:latin typeface="Cambria Math" panose="02040503050406030204" pitchFamily="18" charset="0"/>
                             </a:rPr>
                             <m:t>𝑅</m:t>
                           </m:r>
@@ -10581,7 +12020,7 @@
                               <a:solidFill>
                                 <a:schemeClr val="tx1"/>
                               </a:solidFill>
-                              <a:latin typeface="+mj-lt"/>
+                              <a:latin typeface="Cambria Math" panose="02040503050406030204" pitchFamily="18" charset="0"/>
                             </a:rPr>
                             <m:t>𝑖</m:t>
                           </m:r>
@@ -10592,7 +12031,7 @@
                           <a:solidFill>
                             <a:schemeClr val="tx1"/>
                           </a:solidFill>
-                          <a:latin typeface="+mj-lt"/>
+                          <a:latin typeface="Cambria Math" panose="02040503050406030204" pitchFamily="18" charset="0"/>
                         </a:rPr>
                         <m:t>(.)</m:t>
                       </m:r>
@@ -10626,7 +12065,7 @@
             </p:nvSpPr>
             <p:spPr>
               <a:xfrm>
-                <a:off x="1530550" y="3100064"/>
+                <a:off x="1530550" y="2884928"/>
                 <a:ext cx="390566" cy="164681"/>
               </a:xfrm>
               <a:prstGeom prst="rect">
@@ -10635,7 +12074,7 @@
               <a:blipFill>
                 <a:blip r:embed="rId16"/>
                 <a:stretch>
-                  <a:fillRect b="-6250"/>
+                  <a:fillRect b="-6667"/>
                 </a:stretch>
               </a:blipFill>
               <a:ln>
@@ -10675,7 +12114,7 @@
             </p:nvSpPr>
             <p:spPr>
               <a:xfrm>
-                <a:off x="1789714" y="3287250"/>
+                <a:off x="1789714" y="3072114"/>
                 <a:ext cx="390566" cy="164681"/>
               </a:xfrm>
               <a:prstGeom prst="rect">
@@ -10724,7 +12163,7 @@
                               <a:solidFill>
                                 <a:schemeClr val="tx1"/>
                               </a:solidFill>
-                              <a:latin typeface="+mj-lt"/>
+                              <a:latin typeface="Cambria Math" panose="02040503050406030204" pitchFamily="18" charset="0"/>
                             </a:rPr>
                           </m:ctrlPr>
                         </m:sSubPr>
@@ -10734,7 +12173,7 @@
                               <a:solidFill>
                                 <a:schemeClr val="tx1"/>
                               </a:solidFill>
-                              <a:latin typeface="+mj-lt"/>
+                              <a:latin typeface="Cambria Math" panose="02040503050406030204" pitchFamily="18" charset="0"/>
                             </a:rPr>
                             <m:t>𝑅</m:t>
                           </m:r>
@@ -10745,7 +12184,7 @@
                               <a:solidFill>
                                 <a:schemeClr val="tx1"/>
                               </a:solidFill>
-                              <a:latin typeface="+mj-lt"/>
+                              <a:latin typeface="Cambria Math" panose="02040503050406030204" pitchFamily="18" charset="0"/>
                             </a:rPr>
                             <m:t>𝑖</m:t>
                           </m:r>
@@ -10756,7 +12195,7 @@
                           <a:solidFill>
                             <a:schemeClr val="tx1"/>
                           </a:solidFill>
-                          <a:latin typeface="+mj-lt"/>
+                          <a:latin typeface="Cambria Math" panose="02040503050406030204" pitchFamily="18" charset="0"/>
                         </a:rPr>
                         <m:t>(</m:t>
                       </m:r>
@@ -10765,7 +12204,7 @@
                           <a:solidFill>
                             <a:schemeClr val="tx1"/>
                           </a:solidFill>
-                          <a:latin typeface="+mj-lt"/>
+                          <a:latin typeface="Cambria Math" panose="02040503050406030204" pitchFamily="18" charset="0"/>
                         </a:rPr>
                         <m:t>.</m:t>
                       </m:r>
@@ -10774,7 +12213,7 @@
                           <a:solidFill>
                             <a:schemeClr val="tx1"/>
                           </a:solidFill>
-                          <a:latin typeface="+mj-lt"/>
+                          <a:latin typeface="Cambria Math" panose="02040503050406030204" pitchFamily="18" charset="0"/>
                         </a:rPr>
                         <m:t>)</m:t>
                       </m:r>
@@ -10808,7 +12247,7 @@
             </p:nvSpPr>
             <p:spPr>
               <a:xfrm>
-                <a:off x="1789714" y="3287250"/>
+                <a:off x="1789714" y="3072114"/>
                 <a:ext cx="390566" cy="164681"/>
               </a:xfrm>
               <a:prstGeom prst="rect">
@@ -10857,7 +12296,7 @@
             </p:nvSpPr>
             <p:spPr>
               <a:xfrm>
-                <a:off x="2053767" y="3475896"/>
+                <a:off x="2053767" y="3260760"/>
                 <a:ext cx="390566" cy="164681"/>
               </a:xfrm>
               <a:prstGeom prst="rect">
@@ -10906,7 +12345,7 @@
                               <a:solidFill>
                                 <a:schemeClr val="tx1"/>
                               </a:solidFill>
-                              <a:latin typeface="+mj-lt"/>
+                              <a:latin typeface="Cambria Math" panose="02040503050406030204" pitchFamily="18" charset="0"/>
                             </a:rPr>
                           </m:ctrlPr>
                         </m:sSubPr>
@@ -10916,7 +12355,7 @@
                               <a:solidFill>
                                 <a:schemeClr val="tx1"/>
                               </a:solidFill>
-                              <a:latin typeface="+mj-lt"/>
+                              <a:latin typeface="Cambria Math" panose="02040503050406030204" pitchFamily="18" charset="0"/>
                             </a:rPr>
                             <m:t>𝑅</m:t>
                           </m:r>
@@ -10927,7 +12366,7 @@
                               <a:solidFill>
                                 <a:schemeClr val="tx1"/>
                               </a:solidFill>
-                              <a:latin typeface="+mj-lt"/>
+                              <a:latin typeface="Cambria Math" panose="02040503050406030204" pitchFamily="18" charset="0"/>
                             </a:rPr>
                             <m:t>𝑖</m:t>
                           </m:r>
@@ -10938,7 +12377,7 @@
                           <a:solidFill>
                             <a:schemeClr val="tx1"/>
                           </a:solidFill>
-                          <a:latin typeface="+mj-lt"/>
+                          <a:latin typeface="Cambria Math" panose="02040503050406030204" pitchFamily="18" charset="0"/>
                         </a:rPr>
                         <m:t>(.)</m:t>
                       </m:r>
@@ -10972,7 +12411,7 @@
             </p:nvSpPr>
             <p:spPr>
               <a:xfrm>
-                <a:off x="2053767" y="3475896"/>
+                <a:off x="2053767" y="3260760"/>
                 <a:ext cx="390566" cy="164681"/>
               </a:xfrm>
               <a:prstGeom prst="rect">
@@ -11019,7 +12458,7 @@
         </p:nvSpPr>
         <p:spPr>
           <a:xfrm>
-            <a:off x="1701009" y="2975592"/>
+            <a:off x="1701009" y="2760456"/>
             <a:ext cx="67480" cy="67480"/>
           </a:xfrm>
           <a:prstGeom prst="ellipse">
@@ -11067,7 +12506,7 @@
         </p:nvSpPr>
         <p:spPr>
           <a:xfrm>
-            <a:off x="1960172" y="2971557"/>
+            <a:off x="1960172" y="2756421"/>
             <a:ext cx="67480" cy="67480"/>
           </a:xfrm>
           <a:prstGeom prst="ellipse">
@@ -11115,7 +12554,7 @@
         </p:nvSpPr>
         <p:spPr>
           <a:xfrm>
-            <a:off x="2216330" y="2975703"/>
+            <a:off x="2216330" y="2760567"/>
             <a:ext cx="67480" cy="67480"/>
           </a:xfrm>
           <a:prstGeom prst="ellipse">
@@ -11163,8 +12602,8 @@
         </p:nvSpPr>
         <p:spPr>
           <a:xfrm>
-            <a:off x="1321438" y="2789389"/>
-            <a:ext cx="2500468" cy="966031"/>
+            <a:off x="1321438" y="2662896"/>
+            <a:ext cx="2500468" cy="803475"/>
           </a:xfrm>
           <a:prstGeom prst="rect">
             <a:avLst/>
@@ -11221,7 +12660,7 @@
         </p:nvCxnSpPr>
         <p:spPr>
           <a:xfrm flipV="1">
-            <a:off x="2976542" y="3219861"/>
+            <a:off x="2976542" y="3004725"/>
             <a:ext cx="0" cy="309900"/>
           </a:xfrm>
           <a:prstGeom prst="line">
@@ -11260,7 +12699,7 @@
         </p:nvCxnSpPr>
         <p:spPr>
           <a:xfrm flipV="1">
-            <a:off x="2717379" y="3223896"/>
+            <a:off x="2717379" y="3008760"/>
             <a:ext cx="0" cy="111840"/>
           </a:xfrm>
           <a:prstGeom prst="line">
@@ -11298,7 +12737,7 @@
             </p:nvSpPr>
             <p:spPr>
               <a:xfrm>
-                <a:off x="2513180" y="3280888"/>
+                <a:off x="2513180" y="3065752"/>
                 <a:ext cx="390566" cy="164681"/>
               </a:xfrm>
               <a:prstGeom prst="rect">
@@ -11347,7 +12786,7 @@
                               <a:solidFill>
                                 <a:schemeClr val="tx1"/>
                               </a:solidFill>
-                              <a:latin typeface="+mj-lt"/>
+                              <a:latin typeface="Cambria Math" panose="02040503050406030204" pitchFamily="18" charset="0"/>
                             </a:rPr>
                           </m:ctrlPr>
                         </m:sSubPr>
@@ -11357,7 +12796,7 @@
                               <a:solidFill>
                                 <a:schemeClr val="tx1"/>
                               </a:solidFill>
-                              <a:latin typeface="+mj-lt"/>
+                              <a:latin typeface="Cambria Math" panose="02040503050406030204" pitchFamily="18" charset="0"/>
                             </a:rPr>
                             <m:t>𝑅</m:t>
                           </m:r>
@@ -11368,7 +12807,7 @@
                               <a:solidFill>
                                 <a:schemeClr val="tx1"/>
                               </a:solidFill>
-                              <a:latin typeface="+mj-lt"/>
+                              <a:latin typeface="Cambria Math" panose="02040503050406030204" pitchFamily="18" charset="0"/>
                             </a:rPr>
                             <m:t>𝑖</m:t>
                           </m:r>
@@ -11379,7 +12818,7 @@
                           <a:solidFill>
                             <a:schemeClr val="tx1"/>
                           </a:solidFill>
-                          <a:latin typeface="+mj-lt"/>
+                          <a:latin typeface="Cambria Math" panose="02040503050406030204" pitchFamily="18" charset="0"/>
                         </a:rPr>
                         <m:t>(.)</m:t>
                       </m:r>
@@ -11413,7 +12852,7 @@
             </p:nvSpPr>
             <p:spPr>
               <a:xfrm>
-                <a:off x="2513180" y="3280888"/>
+                <a:off x="2513180" y="3065752"/>
                 <a:ext cx="390566" cy="164681"/>
               </a:xfrm>
               <a:prstGeom prst="rect">
@@ -11462,7 +12901,7 @@
             </p:nvSpPr>
             <p:spPr>
               <a:xfrm>
-                <a:off x="2772344" y="3468074"/>
+                <a:off x="2772344" y="3252938"/>
                 <a:ext cx="390566" cy="164681"/>
               </a:xfrm>
               <a:prstGeom prst="rect">
@@ -11511,7 +12950,7 @@
                               <a:solidFill>
                                 <a:schemeClr val="tx1"/>
                               </a:solidFill>
-                              <a:latin typeface="+mj-lt"/>
+                              <a:latin typeface="Cambria Math" panose="02040503050406030204" pitchFamily="18" charset="0"/>
                             </a:rPr>
                           </m:ctrlPr>
                         </m:sSubPr>
@@ -11521,7 +12960,7 @@
                               <a:solidFill>
                                 <a:schemeClr val="tx1"/>
                               </a:solidFill>
-                              <a:latin typeface="+mj-lt"/>
+                              <a:latin typeface="Cambria Math" panose="02040503050406030204" pitchFamily="18" charset="0"/>
                             </a:rPr>
                             <m:t>𝑅</m:t>
                           </m:r>
@@ -11532,7 +12971,7 @@
                               <a:solidFill>
                                 <a:schemeClr val="tx1"/>
                               </a:solidFill>
-                              <a:latin typeface="+mj-lt"/>
+                              <a:latin typeface="Cambria Math" panose="02040503050406030204" pitchFamily="18" charset="0"/>
                             </a:rPr>
                             <m:t>𝑖</m:t>
                           </m:r>
@@ -11543,7 +12982,7 @@
                           <a:solidFill>
                             <a:schemeClr val="tx1"/>
                           </a:solidFill>
-                          <a:latin typeface="+mj-lt"/>
+                          <a:latin typeface="Cambria Math" panose="02040503050406030204" pitchFamily="18" charset="0"/>
                         </a:rPr>
                         <m:t>(</m:t>
                       </m:r>
@@ -11552,7 +12991,7 @@
                           <a:solidFill>
                             <a:schemeClr val="tx1"/>
                           </a:solidFill>
-                          <a:latin typeface="+mj-lt"/>
+                          <a:latin typeface="Cambria Math" panose="02040503050406030204" pitchFamily="18" charset="0"/>
                         </a:rPr>
                         <m:t>.</m:t>
                       </m:r>
@@ -11561,7 +13000,7 @@
                           <a:solidFill>
                             <a:schemeClr val="tx1"/>
                           </a:solidFill>
-                          <a:latin typeface="+mj-lt"/>
+                          <a:latin typeface="Cambria Math" panose="02040503050406030204" pitchFamily="18" charset="0"/>
                         </a:rPr>
                         <m:t>)</m:t>
                       </m:r>
@@ -11595,7 +13034,7 @@
             </p:nvSpPr>
             <p:spPr>
               <a:xfrm>
-                <a:off x="2772344" y="3468074"/>
+                <a:off x="2772344" y="3252938"/>
                 <a:ext cx="390566" cy="164681"/>
               </a:xfrm>
               <a:prstGeom prst="rect">
@@ -11604,7 +13043,7 @@
               <a:blipFill>
                 <a:blip r:embed="rId20"/>
                 <a:stretch>
-                  <a:fillRect/>
+                  <a:fillRect b="-6250"/>
                 </a:stretch>
               </a:blipFill>
               <a:ln>
@@ -11642,7 +13081,7 @@
         </p:nvSpPr>
         <p:spPr>
           <a:xfrm>
-            <a:off x="2683639" y="3156416"/>
+            <a:off x="2683639" y="2941280"/>
             <a:ext cx="67480" cy="67480"/>
           </a:xfrm>
           <a:prstGeom prst="ellipse">
@@ -11690,7 +13129,7 @@
         </p:nvSpPr>
         <p:spPr>
           <a:xfrm>
-            <a:off x="2942802" y="3152381"/>
+            <a:off x="2942802" y="2937245"/>
             <a:ext cx="67480" cy="67480"/>
           </a:xfrm>
           <a:prstGeom prst="ellipse">
@@ -11741,7 +13180,7 @@
         </p:nvCxnSpPr>
         <p:spPr>
           <a:xfrm flipV="1">
-            <a:off x="3444872" y="3411082"/>
+            <a:off x="3444872" y="3195946"/>
             <a:ext cx="0" cy="111840"/>
           </a:xfrm>
           <a:prstGeom prst="line">
@@ -11779,7 +13218,7 @@
             </p:nvSpPr>
             <p:spPr>
               <a:xfrm>
-                <a:off x="3240673" y="3468074"/>
+                <a:off x="3240673" y="3252938"/>
                 <a:ext cx="390566" cy="164681"/>
               </a:xfrm>
               <a:prstGeom prst="rect">
@@ -11828,7 +13267,7 @@
                               <a:solidFill>
                                 <a:schemeClr val="tx1"/>
                               </a:solidFill>
-                              <a:latin typeface="+mj-lt"/>
+                              <a:latin typeface="Cambria Math" panose="02040503050406030204" pitchFamily="18" charset="0"/>
                             </a:rPr>
                           </m:ctrlPr>
                         </m:sSubPr>
@@ -11838,7 +13277,7 @@
                               <a:solidFill>
                                 <a:schemeClr val="tx1"/>
                               </a:solidFill>
-                              <a:latin typeface="+mj-lt"/>
+                              <a:latin typeface="Cambria Math" panose="02040503050406030204" pitchFamily="18" charset="0"/>
                             </a:rPr>
                             <m:t>𝑅</m:t>
                           </m:r>
@@ -11849,7 +13288,7 @@
                               <a:solidFill>
                                 <a:schemeClr val="tx1"/>
                               </a:solidFill>
-                              <a:latin typeface="+mj-lt"/>
+                              <a:latin typeface="Cambria Math" panose="02040503050406030204" pitchFamily="18" charset="0"/>
                             </a:rPr>
                             <m:t>𝑖</m:t>
                           </m:r>
@@ -11860,7 +13299,7 @@
                           <a:solidFill>
                             <a:schemeClr val="tx1"/>
                           </a:solidFill>
-                          <a:latin typeface="+mj-lt"/>
+                          <a:latin typeface="Cambria Math" panose="02040503050406030204" pitchFamily="18" charset="0"/>
                         </a:rPr>
                         <m:t>(.)</m:t>
                       </m:r>
@@ -11894,7 +13333,7 @@
             </p:nvSpPr>
             <p:spPr>
               <a:xfrm>
-                <a:off x="3240673" y="3468074"/>
+                <a:off x="3240673" y="3252938"/>
                 <a:ext cx="390566" cy="164681"/>
               </a:xfrm>
               <a:prstGeom prst="rect">
@@ -11903,7 +13342,7 @@
               <a:blipFill>
                 <a:blip r:embed="rId21"/>
                 <a:stretch>
-                  <a:fillRect/>
+                  <a:fillRect b="-6250"/>
                 </a:stretch>
               </a:blipFill>
               <a:ln>
@@ -11941,7 +13380,7 @@
         </p:nvSpPr>
         <p:spPr>
           <a:xfrm>
-            <a:off x="3411132" y="3343602"/>
+            <a:off x="3411132" y="3128466"/>
             <a:ext cx="67480" cy="67480"/>
           </a:xfrm>
           <a:prstGeom prst="ellipse">
@@ -11989,7 +13428,7 @@
         </p:nvSpPr>
         <p:spPr>
           <a:xfrm>
-            <a:off x="1315856" y="3800010"/>
+            <a:off x="1315856" y="3471315"/>
             <a:ext cx="1288632" cy="153888"/>
           </a:xfrm>
           <a:prstGeom prst="rect">
@@ -12061,7 +13500,7 @@
         </p:nvCxnSpPr>
         <p:spPr>
           <a:xfrm>
-            <a:off x="1412083" y="4152458"/>
+            <a:off x="1412083" y="3769972"/>
             <a:ext cx="548640" cy="2177"/>
           </a:xfrm>
           <a:prstGeom prst="line">
@@ -12099,7 +13538,7 @@
         </p:nvCxnSpPr>
         <p:spPr>
           <a:xfrm>
-            <a:off x="1412083" y="4328788"/>
+            <a:off x="1412083" y="3946302"/>
             <a:ext cx="548640" cy="2177"/>
           </a:xfrm>
           <a:prstGeom prst="line">
@@ -12135,7 +13574,7 @@
         </p:nvSpPr>
         <p:spPr>
           <a:xfrm>
-            <a:off x="1326777" y="4040097"/>
+            <a:off x="1326777" y="3657611"/>
             <a:ext cx="2902129" cy="465211"/>
           </a:xfrm>
           <a:prstGeom prst="rect">
@@ -12190,7 +13629,7 @@
         </p:nvSpPr>
         <p:spPr>
           <a:xfrm>
-            <a:off x="1326775" y="4558695"/>
+            <a:off x="1326775" y="4134377"/>
             <a:ext cx="2511566" cy="153888"/>
           </a:xfrm>
           <a:prstGeom prst="rect">
@@ -12241,7 +13680,7 @@
             </p:nvSpPr>
             <p:spPr>
               <a:xfrm>
-                <a:off x="2024016" y="4082964"/>
+                <a:off x="2024016" y="3700478"/>
                 <a:ext cx="384628" cy="274320"/>
               </a:xfrm>
               <a:prstGeom prst="rect">
@@ -12284,7 +13723,7 @@
                           <a:solidFill>
                             <a:schemeClr val="tx1"/>
                           </a:solidFill>
-                          <a:latin typeface="+mj-lt"/>
+                          <a:latin typeface="Cambria Math" panose="02040503050406030204" pitchFamily="18" charset="0"/>
                           <a:ea typeface="Cambria Math" panose="02040503050406030204" pitchFamily="18" charset="0"/>
                         </a:rPr>
                         <m:t>≡</m:t>
@@ -12319,7 +13758,7 @@
             </p:nvSpPr>
             <p:spPr>
               <a:xfrm>
-                <a:off x="2024016" y="4082964"/>
+                <a:off x="2024016" y="3700478"/>
                 <a:ext cx="384628" cy="274320"/>
               </a:xfrm>
               <a:prstGeom prst="rect">
@@ -12328,7 +13767,7 @@
               <a:blipFill>
                 <a:blip r:embed="rId22"/>
                 <a:stretch>
-                  <a:fillRect l="-19355" r="-3226" b="-26087"/>
+                  <a:fillRect l="-19355" r="-3226" b="-31818"/>
                 </a:stretch>
               </a:blipFill>
               <a:ln>
@@ -12367,7 +13806,7 @@
         </p:nvCxnSpPr>
         <p:spPr>
           <a:xfrm flipV="1">
-            <a:off x="1683948" y="4179722"/>
+            <a:off x="1683948" y="3797236"/>
             <a:ext cx="0" cy="111840"/>
           </a:xfrm>
           <a:prstGeom prst="line">
@@ -12403,7 +13842,7 @@
         </p:nvSpPr>
         <p:spPr>
           <a:xfrm>
-            <a:off x="1650208" y="4112242"/>
+            <a:off x="1650208" y="3729756"/>
             <a:ext cx="67480" cy="67480"/>
           </a:xfrm>
           <a:prstGeom prst="ellipse">
@@ -12453,7 +13892,7 @@
             </p:nvSpPr>
             <p:spPr>
               <a:xfrm>
-                <a:off x="1481780" y="4245996"/>
+                <a:off x="1481780" y="3863510"/>
                 <a:ext cx="390566" cy="164681"/>
               </a:xfrm>
               <a:prstGeom prst="rect">
@@ -12500,7 +13939,7 @@
                           <a:solidFill>
                             <a:schemeClr val="tx1"/>
                           </a:solidFill>
-                          <a:latin typeface="+mj-lt"/>
+                          <a:latin typeface="Cambria Math" panose="02040503050406030204" pitchFamily="18" charset="0"/>
                         </a:rPr>
                         <m:t>𝑃</m:t>
                       </m:r>
@@ -12509,7 +13948,7 @@
                           <a:solidFill>
                             <a:schemeClr val="tx1"/>
                           </a:solidFill>
-                          <a:latin typeface="+mj-lt"/>
+                          <a:latin typeface="Cambria Math" panose="02040503050406030204" pitchFamily="18" charset="0"/>
                         </a:rPr>
                         <m:t>(</m:t>
                       </m:r>
@@ -12518,7 +13957,7 @@
                           <a:solidFill>
                             <a:schemeClr val="tx1"/>
                           </a:solidFill>
-                          <a:latin typeface="+mj-lt"/>
+                          <a:latin typeface="Cambria Math" panose="02040503050406030204" pitchFamily="18" charset="0"/>
                         </a:rPr>
                         <m:t>𝜃</m:t>
                       </m:r>
@@ -12527,7 +13966,7 @@
                           <a:solidFill>
                             <a:schemeClr val="tx1"/>
                           </a:solidFill>
-                          <a:latin typeface="+mj-lt"/>
+                          <a:latin typeface="Cambria Math" panose="02040503050406030204" pitchFamily="18" charset="0"/>
                         </a:rPr>
                         <m:t>)</m:t>
                       </m:r>
@@ -12561,7 +14000,7 @@
             </p:nvSpPr>
             <p:spPr>
               <a:xfrm>
-                <a:off x="1481780" y="4245996"/>
+                <a:off x="1481780" y="3863510"/>
                 <a:ext cx="390566" cy="164681"/>
               </a:xfrm>
               <a:prstGeom prst="rect">
@@ -12570,7 +14009,7 @@
               <a:blipFill>
                 <a:blip r:embed="rId23"/>
                 <a:stretch>
-                  <a:fillRect b="-6667"/>
+                  <a:fillRect b="-6250"/>
                 </a:stretch>
               </a:blipFill>
               <a:ln>
@@ -12610,7 +14049,7 @@
         </p:nvCxnSpPr>
         <p:spPr>
           <a:xfrm>
-            <a:off x="2394162" y="4150908"/>
+            <a:off x="2394162" y="3768422"/>
             <a:ext cx="1737360" cy="2177"/>
           </a:xfrm>
           <a:prstGeom prst="line">
@@ -12648,7 +14087,7 @@
         </p:nvCxnSpPr>
         <p:spPr>
           <a:xfrm>
-            <a:off x="2394162" y="4327238"/>
+            <a:off x="2394162" y="3944752"/>
             <a:ext cx="1737360" cy="2177"/>
           </a:xfrm>
           <a:prstGeom prst="line">
@@ -12686,7 +14125,7 @@
             </p:nvSpPr>
             <p:spPr>
               <a:xfrm>
-                <a:off x="2463858" y="4244446"/>
+                <a:off x="2463858" y="3861960"/>
                 <a:ext cx="548640" cy="164681"/>
               </a:xfrm>
               <a:prstGeom prst="rect">
@@ -12735,7 +14174,7 @@
                               <a:solidFill>
                                 <a:schemeClr val="tx1"/>
                               </a:solidFill>
-                              <a:latin typeface="+mj-lt"/>
+                              <a:latin typeface="Cambria Math" panose="02040503050406030204" pitchFamily="18" charset="0"/>
                             </a:rPr>
                           </m:ctrlPr>
                         </m:sSubPr>
@@ -12745,7 +14184,7 @@
                               <a:solidFill>
                                 <a:schemeClr val="tx1"/>
                               </a:solidFill>
-                              <a:latin typeface="+mj-lt"/>
+                              <a:latin typeface="Cambria Math" panose="02040503050406030204" pitchFamily="18" charset="0"/>
                             </a:rPr>
                             <m:t>𝑅</m:t>
                           </m:r>
@@ -12756,7 +14195,7 @@
                               <a:solidFill>
                                 <a:schemeClr val="tx1"/>
                               </a:solidFill>
-                              <a:latin typeface="+mj-lt"/>
+                              <a:latin typeface="Cambria Math" panose="02040503050406030204" pitchFamily="18" charset="0"/>
                             </a:rPr>
                             <m:t>𝑧</m:t>
                           </m:r>
@@ -12767,7 +14206,7 @@
                           <a:solidFill>
                             <a:schemeClr val="tx1"/>
                           </a:solidFill>
-                          <a:latin typeface="+mj-lt"/>
+                          <a:latin typeface="Cambria Math" panose="02040503050406030204" pitchFamily="18" charset="0"/>
                         </a:rPr>
                         <m:t>(</m:t>
                       </m:r>
@@ -12776,7 +14215,7 @@
                           <a:solidFill>
                             <a:schemeClr val="tx1"/>
                           </a:solidFill>
-                          <a:latin typeface="+mj-lt"/>
+                          <a:latin typeface="Cambria Math" panose="02040503050406030204" pitchFamily="18" charset="0"/>
                         </a:rPr>
                         <m:t>𝜃</m:t>
                       </m:r>
@@ -12785,7 +14224,7 @@
                           <a:solidFill>
                             <a:schemeClr val="tx1"/>
                           </a:solidFill>
-                          <a:latin typeface="+mj-lt"/>
+                          <a:latin typeface="Cambria Math" panose="02040503050406030204" pitchFamily="18" charset="0"/>
                         </a:rPr>
                         <m:t>/2)</m:t>
                       </m:r>
@@ -12819,7 +14258,7 @@
             </p:nvSpPr>
             <p:spPr>
               <a:xfrm>
-                <a:off x="2463858" y="4244446"/>
+                <a:off x="2463858" y="3861960"/>
                 <a:ext cx="548640" cy="164681"/>
               </a:xfrm>
               <a:prstGeom prst="rect">
@@ -12828,7 +14267,7 @@
               <a:blipFill>
                 <a:blip r:embed="rId24"/>
                 <a:stretch>
-                  <a:fillRect b="-6667"/>
+                  <a:fillRect b="-6250"/>
                 </a:stretch>
               </a:blipFill>
               <a:ln>
@@ -12869,7 +14308,7 @@
         </p:nvCxnSpPr>
         <p:spPr>
           <a:xfrm flipV="1">
-            <a:off x="3112852" y="4181347"/>
+            <a:off x="3112852" y="3798861"/>
             <a:ext cx="0" cy="141416"/>
           </a:xfrm>
           <a:prstGeom prst="line">
@@ -12905,7 +14344,7 @@
         </p:nvSpPr>
         <p:spPr>
           <a:xfrm>
-            <a:off x="3079112" y="4113867"/>
+            <a:off x="3079112" y="3731381"/>
             <a:ext cx="67480" cy="67480"/>
           </a:xfrm>
           <a:prstGeom prst="ellipse">
@@ -12955,7 +14394,7 @@
             </p:nvSpPr>
             <p:spPr>
               <a:xfrm>
-                <a:off x="3008694" y="4181479"/>
+                <a:off x="3008694" y="3798993"/>
                 <a:ext cx="211596" cy="276999"/>
               </a:xfrm>
               <a:prstGeom prst="rect">
@@ -12978,7 +14417,7 @@
                     <m:oMath xmlns:m="http://schemas.openxmlformats.org/officeDocument/2006/math">
                       <m:r>
                         <a:rPr lang="en-US" b="0" i="1" smtClean="0">
-                          <a:latin typeface="+mj-lt"/>
+                          <a:latin typeface="Cambria Math" panose="02040503050406030204" pitchFamily="18" charset="0"/>
                         </a:rPr>
                         <m:t>×</m:t>
                       </m:r>
@@ -13009,7 +14448,7 @@
             </p:nvSpPr>
             <p:spPr>
               <a:xfrm>
-                <a:off x="3008694" y="4181479"/>
+                <a:off x="3008694" y="3798993"/>
                 <a:ext cx="211596" cy="276999"/>
               </a:xfrm>
               <a:prstGeom prst="rect">
@@ -13018,7 +14457,7 @@
               <a:blipFill>
                 <a:blip r:embed="rId25"/>
                 <a:stretch>
-                  <a:fillRect l="-23529" r="-17647" b="-4545"/>
+                  <a:fillRect l="-23529" r="-17647"/>
                 </a:stretch>
               </a:blipFill>
             </p:spPr>
@@ -13053,7 +14492,7 @@
             </p:nvSpPr>
             <p:spPr>
               <a:xfrm>
-                <a:off x="3221167" y="4243816"/>
+                <a:off x="3221167" y="3861330"/>
                 <a:ext cx="638045" cy="164681"/>
               </a:xfrm>
               <a:prstGeom prst="rect">
@@ -13102,7 +14541,7 @@
                               <a:solidFill>
                                 <a:schemeClr val="tx1"/>
                               </a:solidFill>
-                              <a:latin typeface="+mj-lt"/>
+                              <a:latin typeface="Cambria Math" panose="02040503050406030204" pitchFamily="18" charset="0"/>
                             </a:rPr>
                           </m:ctrlPr>
                         </m:sSubPr>
@@ -13112,7 +14551,7 @@
                               <a:solidFill>
                                 <a:schemeClr val="tx1"/>
                               </a:solidFill>
-                              <a:latin typeface="+mj-lt"/>
+                              <a:latin typeface="Cambria Math" panose="02040503050406030204" pitchFamily="18" charset="0"/>
                             </a:rPr>
                             <m:t>𝑅</m:t>
                           </m:r>
@@ -13123,7 +14562,7 @@
                               <a:solidFill>
                                 <a:schemeClr val="tx1"/>
                               </a:solidFill>
-                              <a:latin typeface="+mj-lt"/>
+                              <a:latin typeface="Cambria Math" panose="02040503050406030204" pitchFamily="18" charset="0"/>
                             </a:rPr>
                             <m:t>𝑧</m:t>
                           </m:r>
@@ -13134,7 +14573,7 @@
                           <a:solidFill>
                             <a:schemeClr val="tx1"/>
                           </a:solidFill>
-                          <a:latin typeface="+mj-lt"/>
+                          <a:latin typeface="Cambria Math" panose="02040503050406030204" pitchFamily="18" charset="0"/>
                         </a:rPr>
                         <m:t>(</m:t>
                       </m:r>
@@ -13143,7 +14582,7 @@
                           <a:solidFill>
                             <a:schemeClr val="tx1"/>
                           </a:solidFill>
-                          <a:latin typeface="+mj-lt"/>
+                          <a:latin typeface="Cambria Math" panose="02040503050406030204" pitchFamily="18" charset="0"/>
                         </a:rPr>
                         <m:t>−</m:t>
                       </m:r>
@@ -13152,7 +14591,7 @@
                           <a:solidFill>
                             <a:schemeClr val="tx1"/>
                           </a:solidFill>
-                          <a:latin typeface="+mj-lt"/>
+                          <a:latin typeface="Cambria Math" panose="02040503050406030204" pitchFamily="18" charset="0"/>
                         </a:rPr>
                         <m:t>𝜃</m:t>
                       </m:r>
@@ -13161,7 +14600,7 @@
                           <a:solidFill>
                             <a:schemeClr val="tx1"/>
                           </a:solidFill>
-                          <a:latin typeface="+mj-lt"/>
+                          <a:latin typeface="Cambria Math" panose="02040503050406030204" pitchFamily="18" charset="0"/>
                         </a:rPr>
                         <m:t>/2)</m:t>
                       </m:r>
@@ -13195,7 +14634,7 @@
             </p:nvSpPr>
             <p:spPr>
               <a:xfrm>
-                <a:off x="3221167" y="4243816"/>
+                <a:off x="3221167" y="3861330"/>
                 <a:ext cx="638045" cy="164681"/>
               </a:xfrm>
               <a:prstGeom prst="rect">
@@ -13204,7 +14643,7 @@
               <a:blipFill>
                 <a:blip r:embed="rId26"/>
                 <a:stretch>
-                  <a:fillRect b="-6667"/>
+                  <a:fillRect b="-13333"/>
                 </a:stretch>
               </a:blipFill>
               <a:ln>
@@ -13245,7 +14684,7 @@
         </p:nvCxnSpPr>
         <p:spPr>
           <a:xfrm flipV="1">
-            <a:off x="3962242" y="4180717"/>
+            <a:off x="3962242" y="3798231"/>
             <a:ext cx="0" cy="141416"/>
           </a:xfrm>
           <a:prstGeom prst="line">
@@ -13281,7 +14720,7 @@
         </p:nvSpPr>
         <p:spPr>
           <a:xfrm>
-            <a:off x="3928502" y="4113237"/>
+            <a:off x="3928502" y="3730751"/>
             <a:ext cx="67480" cy="67480"/>
           </a:xfrm>
           <a:prstGeom prst="ellipse">
@@ -13331,7 +14770,7 @@
             </p:nvSpPr>
             <p:spPr>
               <a:xfrm>
-                <a:off x="3858084" y="4180849"/>
+                <a:off x="3858084" y="3798363"/>
                 <a:ext cx="211596" cy="276999"/>
               </a:xfrm>
               <a:prstGeom prst="rect">
@@ -13354,7 +14793,7 @@
                     <m:oMath xmlns:m="http://schemas.openxmlformats.org/officeDocument/2006/math">
                       <m:r>
                         <a:rPr lang="en-US" b="0" i="1" smtClean="0">
-                          <a:latin typeface="+mj-lt"/>
+                          <a:latin typeface="Cambria Math" panose="02040503050406030204" pitchFamily="18" charset="0"/>
                         </a:rPr>
                         <m:t>×</m:t>
                       </m:r>
@@ -13385,7 +14824,7 @@
             </p:nvSpPr>
             <p:spPr>
               <a:xfrm>
-                <a:off x="3858084" y="4180849"/>
+                <a:off x="3858084" y="3798363"/>
                 <a:ext cx="211596" cy="276999"/>
               </a:xfrm>
               <a:prstGeom prst="rect">
@@ -13394,7 +14833,7 @@
               <a:blipFill>
                 <a:blip r:embed="rId27"/>
                 <a:stretch>
-                  <a:fillRect l="-16667" r="-16667" b="-4545"/>
+                  <a:fillRect l="-16667" r="-16667"/>
                 </a:stretch>
               </a:blipFill>
             </p:spPr>
@@ -13413,6 +14852,150 @@
           </p:sp>
         </mc:Fallback>
       </mc:AlternateContent>
+      <p:sp>
+        <p:nvSpPr>
+          <p:cNvPr id="36" name="TextBox 35">
+            <a:extLst>
+              <a:ext uri="{FF2B5EF4-FFF2-40B4-BE49-F238E27FC236}">
+                <a16:creationId xmlns:a16="http://schemas.microsoft.com/office/drawing/2014/main" id="{E14A677E-BCF4-6DB9-290D-5AD5590BDD82}"/>
+              </a:ext>
+            </a:extLst>
+          </p:cNvPr>
+          <p:cNvSpPr txBox="1"/>
+          <p:nvPr/>
+        </p:nvSpPr>
+        <p:spPr>
+          <a:xfrm>
+            <a:off x="1315856" y="2484157"/>
+            <a:ext cx="1933941" cy="153888"/>
+          </a:xfrm>
+          <a:prstGeom prst="rect">
+            <a:avLst/>
+          </a:prstGeom>
+          <a:solidFill>
+            <a:schemeClr val="bg1"/>
+          </a:solidFill>
+        </p:spPr>
+        <p:txBody>
+          <a:bodyPr wrap="square" lIns="0" tIns="0" rIns="0" bIns="0" rtlCol="0">
+            <a:spAutoFit/>
+          </a:bodyPr>
+          <a:lstStyle/>
+          <a:p>
+            <a:r>
+              <a:rPr lang="vi-VN" sz="1000" b="0" dirty="0">
+                <a:latin typeface="+mj-lt"/>
+                <a:cs typeface="Calibri" panose="020F0502020204030204" pitchFamily="34" charset="0"/>
+              </a:rPr>
+              <a:t>(</a:t>
+            </a:r>
+            <a:r>
+              <a:rPr lang="en-US" sz="1000" b="0" dirty="0">
+                <a:latin typeface="+mj-lt"/>
+                <a:cs typeface="Calibri" panose="020F0502020204030204" pitchFamily="34" charset="0"/>
+              </a:rPr>
+              <a:t>a</a:t>
+            </a:r>
+            <a:r>
+              <a:rPr lang="vi-VN" sz="1000" b="0" dirty="0">
+                <a:latin typeface="+mj-lt"/>
+                <a:cs typeface="Calibri" panose="020F0502020204030204" pitchFamily="34" charset="0"/>
+              </a:rPr>
+              <a:t>)</a:t>
+            </a:r>
+            <a:r>
+              <a:rPr lang="en-US" sz="1000" b="0" dirty="0">
+                <a:latin typeface="+mj-lt"/>
+                <a:cs typeface="Calibri" panose="020F0502020204030204" pitchFamily="34" charset="0"/>
+              </a:rPr>
+              <a:t> </a:t>
+            </a:r>
+            <a:r>
+              <a:rPr lang="en-US" sz="1000" b="0" dirty="0">
+                <a:latin typeface="Times New Roman" panose="02020603050405020304" pitchFamily="18" charset="0"/>
+                <a:cs typeface="Times New Roman" panose="02020603050405020304" pitchFamily="18" charset="0"/>
+              </a:rPr>
+              <a:t>Chain</a:t>
+            </a:r>
+            <a:endParaRPr lang="en-VN" sz="1000" i="1" dirty="0">
+              <a:latin typeface="Times New Roman" panose="02020603050405020304" pitchFamily="18" charset="0"/>
+              <a:cs typeface="Times New Roman" panose="02020603050405020304" pitchFamily="18" charset="0"/>
+            </a:endParaRPr>
+          </a:p>
+        </p:txBody>
+      </p:sp>
+      <p:sp>
+        <p:nvSpPr>
+          <p:cNvPr id="37" name="TextBox 36">
+            <a:extLst>
+              <a:ext uri="{FF2B5EF4-FFF2-40B4-BE49-F238E27FC236}">
+                <a16:creationId xmlns:a16="http://schemas.microsoft.com/office/drawing/2014/main" id="{6B36140C-81B5-016D-91D2-C5A18D5211EA}"/>
+              </a:ext>
+            </a:extLst>
+          </p:cNvPr>
+          <p:cNvSpPr txBox="1"/>
+          <p:nvPr/>
+        </p:nvSpPr>
+        <p:spPr>
+          <a:xfrm>
+            <a:off x="2969025" y="2484273"/>
+            <a:ext cx="1288632" cy="153888"/>
+          </a:xfrm>
+          <a:prstGeom prst="rect">
+            <a:avLst/>
+          </a:prstGeom>
+          <a:solidFill>
+            <a:schemeClr val="bg1"/>
+          </a:solidFill>
+        </p:spPr>
+        <p:txBody>
+          <a:bodyPr wrap="square" lIns="0" tIns="0" rIns="0" bIns="0" rtlCol="0">
+            <a:spAutoFit/>
+          </a:bodyPr>
+          <a:lstStyle/>
+          <a:p>
+            <a:r>
+              <a:rPr lang="vi-VN" sz="1000" b="0" dirty="0">
+                <a:latin typeface="+mj-lt"/>
+                <a:cs typeface="Calibri" panose="020F0502020204030204" pitchFamily="34" charset="0"/>
+              </a:rPr>
+              <a:t>(</a:t>
+            </a:r>
+            <a:r>
+              <a:rPr lang="en-US" sz="1000" b="0" dirty="0">
+                <a:latin typeface="+mj-lt"/>
+                <a:cs typeface="Calibri" panose="020F0502020204030204" pitchFamily="34" charset="0"/>
+              </a:rPr>
+              <a:t>b</a:t>
+            </a:r>
+            <a:r>
+              <a:rPr lang="vi-VN" sz="1000" b="0" dirty="0">
+                <a:latin typeface="+mj-lt"/>
+                <a:cs typeface="Calibri" panose="020F0502020204030204" pitchFamily="34" charset="0"/>
+              </a:rPr>
+              <a:t>)</a:t>
+            </a:r>
+            <a:r>
+              <a:rPr lang="en-US" sz="1000" dirty="0">
+                <a:latin typeface="+mj-lt"/>
+                <a:cs typeface="Calibri" panose="020F0502020204030204" pitchFamily="34" charset="0"/>
+              </a:rPr>
+              <a:t> </a:t>
+            </a:r>
+            <a:r>
+              <a:rPr lang="en-US" sz="1000" dirty="0">
+                <a:latin typeface="Times New Roman" panose="02020603050405020304" pitchFamily="18" charset="0"/>
+                <a:cs typeface="Times New Roman" panose="02020603050405020304" pitchFamily="18" charset="0"/>
+              </a:rPr>
+              <a:t>Alternating</a:t>
+            </a:r>
+            <a:endParaRPr lang="en-VN" sz="1000" i="1" dirty="0">
+              <a:latin typeface="Times New Roman" panose="02020603050405020304" pitchFamily="18" charset="0"/>
+              <a:cs typeface="Times New Roman" panose="02020603050405020304" pitchFamily="18" charset="0"/>
+            </a:endParaRPr>
+          </a:p>
+        </p:txBody>
+      </p:sp>
     </p:spTree>
     <p:extLst>
       <p:ext uri="{BB962C8B-B14F-4D97-AF65-F5344CB8AC3E}">
@@ -13523,6 +15106,50 @@
           <a:chExt cx="0" cy="0"/>
         </a:xfrm>
       </p:grpSpPr>
+      <p:cxnSp>
+        <p:nvCxnSpPr>
+          <p:cNvPr id="332" name="Elbow Connector 331">
+            <a:extLst>
+              <a:ext uri="{FF2B5EF4-FFF2-40B4-BE49-F238E27FC236}">
+                <a16:creationId xmlns:a16="http://schemas.microsoft.com/office/drawing/2014/main" id="{520F409A-9720-E04F-1D78-A36390576DD1}"/>
+              </a:ext>
+            </a:extLst>
+          </p:cNvPr>
+          <p:cNvCxnSpPr>
+            <a:cxnSpLocks/>
+            <a:stCxn id="316" idx="1"/>
+            <a:endCxn id="287" idx="3"/>
+          </p:cNvCxnSpPr>
+          <p:nvPr/>
+        </p:nvCxnSpPr>
+        <p:spPr>
+          <a:xfrm rot="16200000" flipV="1">
+            <a:off x="5859838" y="9237009"/>
+            <a:ext cx="102750" cy="1255054"/>
+          </a:xfrm>
+          <a:prstGeom prst="bentConnector2">
+            <a:avLst/>
+          </a:prstGeom>
+          <a:ln>
+            <a:prstDash val="sysDash"/>
+            <a:tailEnd type="triangle"/>
+          </a:ln>
+        </p:spPr>
+        <p:style>
+          <a:lnRef idx="2">
+            <a:schemeClr val="dk1"/>
+          </a:lnRef>
+          <a:fillRef idx="0">
+            <a:schemeClr val="dk1"/>
+          </a:fillRef>
+          <a:effectRef idx="1">
+            <a:schemeClr val="dk1"/>
+          </a:effectRef>
+          <a:fontRef idx="minor">
+            <a:schemeClr val="tx1"/>
+          </a:fontRef>
+        </p:style>
+      </p:cxnSp>
       <p:cxnSp>
         <p:nvCxnSpPr>
           <p:cNvPr id="130" name="Straight Arrow Connector 129">
@@ -14011,8 +15638,8 @@
         </p:nvSpPr>
         <p:spPr>
           <a:xfrm>
-            <a:off x="902093" y="215046"/>
-            <a:ext cx="1291818" cy="1492301"/>
+            <a:off x="902092" y="922983"/>
+            <a:ext cx="1711965" cy="980704"/>
           </a:xfrm>
           <a:prstGeom prst="rect">
             <a:avLst/>
@@ -14067,8 +15694,8 @@
         </p:nvSpPr>
         <p:spPr>
           <a:xfrm>
-            <a:off x="2518705" y="-261792"/>
-            <a:ext cx="2438397" cy="2591226"/>
+            <a:off x="2712732" y="875555"/>
+            <a:ext cx="3110249" cy="1616608"/>
           </a:xfrm>
           <a:prstGeom prst="rect">
             <a:avLst/>
@@ -14117,8 +15744,8 @@
         </p:nvSpPr>
         <p:spPr>
           <a:xfrm>
-            <a:off x="2518705" y="-640832"/>
-            <a:ext cx="2438397" cy="369332"/>
+            <a:off x="2698676" y="499789"/>
+            <a:ext cx="3124305" cy="369332"/>
           </a:xfrm>
           <a:prstGeom prst="rect">
             <a:avLst/>
@@ -14131,7 +15758,6 @@
           </a:bodyPr>
           <a:lstStyle/>
           <a:p>
-            <a:pPr algn="ctr"/>
             <a:r>
               <a:rPr lang="en-VN" b="1">
                 <a:latin typeface="Times New Roman" panose="02020603050405020304" pitchFamily="18" charset="0"/>
@@ -14156,7 +15782,7 @@
         </p:nvSpPr>
         <p:spPr>
           <a:xfrm>
-            <a:off x="2664176" y="-145600"/>
+            <a:off x="2795077" y="1079420"/>
             <a:ext cx="1372392" cy="360000"/>
           </a:xfrm>
           <a:prstGeom prst="rect">
@@ -14211,9 +15837,9 @@
           <p:nvPr/>
         </p:nvSpPr>
         <p:spPr>
-          <a:xfrm>
-            <a:off x="2664176" y="491138"/>
-            <a:ext cx="1372392" cy="723900"/>
+          <a:xfrm rot="5400000">
+            <a:off x="4016159" y="1306240"/>
+            <a:ext cx="1162403" cy="723900"/>
           </a:xfrm>
           <a:prstGeom prst="rect">
             <a:avLst/>
@@ -14291,7 +15917,7 @@
         </p:nvSpPr>
         <p:spPr>
           <a:xfrm rot="5400000">
-            <a:off x="3921904" y="1271541"/>
+            <a:off x="4804427" y="1314921"/>
             <a:ext cx="1148768" cy="723900"/>
           </a:xfrm>
           <a:prstGeom prst="rect">
@@ -14360,7 +15986,7 @@
         </p:nvSpPr>
         <p:spPr>
           <a:xfrm>
-            <a:off x="2664176" y="1480874"/>
+            <a:off x="2795077" y="1527368"/>
             <a:ext cx="1372392" cy="723900"/>
           </a:xfrm>
           <a:prstGeom prst="rect">
@@ -14417,94 +16043,6 @@
       </p:sp>
       <p:cxnSp>
         <p:nvCxnSpPr>
-          <p:cNvPr id="24" name="Straight Arrow Connector 23">
-            <a:extLst>
-              <a:ext uri="{FF2B5EF4-FFF2-40B4-BE49-F238E27FC236}">
-                <a16:creationId xmlns:a16="http://schemas.microsoft.com/office/drawing/2014/main" id="{8267EEFB-2D5F-3166-7358-8BE805F2CA32}"/>
-              </a:ext>
-            </a:extLst>
-          </p:cNvPr>
-          <p:cNvCxnSpPr>
-            <a:cxnSpLocks/>
-            <a:stCxn id="9" idx="0"/>
-            <a:endCxn id="8" idx="2"/>
-          </p:cNvCxnSpPr>
-          <p:nvPr/>
-        </p:nvCxnSpPr>
-        <p:spPr>
-          <a:xfrm flipV="1">
-            <a:off x="3350372" y="214400"/>
-            <a:ext cx="0" cy="276738"/>
-          </a:xfrm>
-          <a:prstGeom prst="straightConnector1">
-            <a:avLst/>
-          </a:prstGeom>
-          <a:ln>
-            <a:headEnd type="triangle"/>
-            <a:tailEnd type="triangle"/>
-          </a:ln>
-        </p:spPr>
-        <p:style>
-          <a:lnRef idx="2">
-            <a:schemeClr val="accent1"/>
-          </a:lnRef>
-          <a:fillRef idx="0">
-            <a:schemeClr val="accent1"/>
-          </a:fillRef>
-          <a:effectRef idx="1">
-            <a:schemeClr val="accent1"/>
-          </a:effectRef>
-          <a:fontRef idx="minor">
-            <a:schemeClr val="tx1"/>
-          </a:fontRef>
-        </p:style>
-      </p:cxnSp>
-      <p:cxnSp>
-        <p:nvCxnSpPr>
-          <p:cNvPr id="29" name="Straight Arrow Connector 28">
-            <a:extLst>
-              <a:ext uri="{FF2B5EF4-FFF2-40B4-BE49-F238E27FC236}">
-                <a16:creationId xmlns:a16="http://schemas.microsoft.com/office/drawing/2014/main" id="{D8131BDE-2454-98F0-F248-7417937B7B90}"/>
-              </a:ext>
-            </a:extLst>
-          </p:cNvPr>
-          <p:cNvCxnSpPr>
-            <a:cxnSpLocks/>
-            <a:stCxn id="21" idx="0"/>
-            <a:endCxn id="9" idx="2"/>
-          </p:cNvCxnSpPr>
-          <p:nvPr/>
-        </p:nvCxnSpPr>
-        <p:spPr>
-          <a:xfrm flipV="1">
-            <a:off x="3350372" y="1215038"/>
-            <a:ext cx="0" cy="265836"/>
-          </a:xfrm>
-          <a:prstGeom prst="straightConnector1">
-            <a:avLst/>
-          </a:prstGeom>
-          <a:ln>
-            <a:headEnd type="triangle"/>
-            <a:tailEnd type="triangle"/>
-          </a:ln>
-        </p:spPr>
-        <p:style>
-          <a:lnRef idx="2">
-            <a:schemeClr val="accent1"/>
-          </a:lnRef>
-          <a:fillRef idx="0">
-            <a:schemeClr val="accent1"/>
-          </a:fillRef>
-          <a:effectRef idx="1">
-            <a:schemeClr val="accent1"/>
-          </a:effectRef>
-          <a:fontRef idx="minor">
-            <a:schemeClr val="tx1"/>
-          </a:fontRef>
-        </p:style>
-      </p:cxnSp>
-      <p:cxnSp>
-        <p:nvCxnSpPr>
           <p:cNvPr id="34" name="Straight Connector 33">
             <a:extLst>
               <a:ext uri="{FF2B5EF4-FFF2-40B4-BE49-F238E27FC236}">
@@ -14518,15 +16056,15 @@
           <p:nvPr/>
         </p:nvCxnSpPr>
         <p:spPr>
-          <a:xfrm flipV="1">
-            <a:off x="2249840" y="-145600"/>
-            <a:ext cx="407410" cy="363194"/>
+          <a:xfrm>
+            <a:off x="2625828" y="935982"/>
+            <a:ext cx="182802" cy="139226"/>
           </a:xfrm>
           <a:prstGeom prst="line">
             <a:avLst/>
           </a:prstGeom>
           <a:ln>
-            <a:prstDash val="dash"/>
+            <a:prstDash val="sysDash"/>
           </a:ln>
         </p:spPr>
         <p:style>
@@ -14560,14 +16098,14 @@
         </p:nvCxnSpPr>
         <p:spPr>
           <a:xfrm flipV="1">
-            <a:off x="2249840" y="223732"/>
-            <a:ext cx="414336" cy="1451859"/>
+            <a:off x="2625828" y="1430132"/>
+            <a:ext cx="182802" cy="495097"/>
           </a:xfrm>
           <a:prstGeom prst="line">
             <a:avLst/>
           </a:prstGeom>
           <a:ln>
-            <a:prstDash val="dash"/>
+            <a:prstDash val="sysDash"/>
           </a:ln>
         </p:spPr>
         <p:style>
@@ -14599,7 +16137,7 @@
         </p:nvSpPr>
         <p:spPr>
           <a:xfrm>
-            <a:off x="888846" y="-261136"/>
+            <a:off x="1141767" y="518051"/>
             <a:ext cx="1291818" cy="369332"/>
           </a:xfrm>
           <a:prstGeom prst="rect">
@@ -14635,14 +16173,13 @@
           </p:cNvPr>
           <p:cNvCxnSpPr>
             <a:cxnSpLocks/>
-            <a:stCxn id="40" idx="2"/>
           </p:cNvCxnSpPr>
           <p:nvPr/>
         </p:nvCxnSpPr>
         <p:spPr>
           <a:xfrm>
-            <a:off x="1534755" y="108196"/>
-            <a:ext cx="0" cy="1789346"/>
+            <a:off x="1787676" y="877656"/>
+            <a:ext cx="0" cy="1152000"/>
           </a:xfrm>
           <a:prstGeom prst="straightConnector1">
             <a:avLst/>
@@ -14680,79 +16217,8 @@
         </p:nvSpPr>
         <p:spPr>
           <a:xfrm>
-            <a:off x="1229469" y="1150895"/>
-            <a:ext cx="614512" cy="470610"/>
-          </a:xfrm>
-          <a:prstGeom prst="rect">
-            <a:avLst/>
-          </a:prstGeom>
-          <a:solidFill>
-            <a:schemeClr val="bg1"/>
-          </a:solidFill>
-        </p:spPr>
-        <p:style>
-          <a:lnRef idx="2">
-            <a:schemeClr val="accent1">
-              <a:shade val="15000"/>
-            </a:schemeClr>
-          </a:lnRef>
-          <a:fillRef idx="1">
-            <a:schemeClr val="accent1"/>
-          </a:fillRef>
-          <a:effectRef idx="0">
-            <a:schemeClr val="accent1"/>
-          </a:effectRef>
-          <a:fontRef idx="minor">
-            <a:schemeClr val="lt1"/>
-          </a:fontRef>
-        </p:style>
-        <p:txBody>
-          <a:bodyPr rtlCol="0" anchor="ctr"/>
-          <a:lstStyle/>
-          <a:p>
-            <a:pPr algn="ctr"/>
-            <a:r>
-              <a:rPr lang="en-VN" sz="1200">
-                <a:solidFill>
-                  <a:schemeClr val="tx1"/>
-                </a:solidFill>
-                <a:latin typeface="Times New Roman" panose="02020603050405020304" pitchFamily="18" charset="0"/>
-                <a:cs typeface="Times New Roman" panose="02020603050405020304" pitchFamily="18" charset="0"/>
-              </a:rPr>
-              <a:t>QEA</a:t>
-            </a:r>
-          </a:p>
-          <a:p>
-            <a:pPr algn="ctr"/>
-            <a:r>
-              <a:rPr lang="en-VN" sz="1200">
-                <a:solidFill>
-                  <a:schemeClr val="tx1"/>
-                </a:solidFill>
-                <a:latin typeface="Times New Roman" panose="02020603050405020304" pitchFamily="18" charset="0"/>
-                <a:cs typeface="Times New Roman" panose="02020603050405020304" pitchFamily="18" charset="0"/>
-              </a:rPr>
-              <a:t>Lib</a:t>
-            </a:r>
-          </a:p>
-        </p:txBody>
-      </p:sp>
-      <p:sp>
-        <p:nvSpPr>
-          <p:cNvPr id="42" name="Rectangle 41">
-            <a:extLst>
-              <a:ext uri="{FF2B5EF4-FFF2-40B4-BE49-F238E27FC236}">
-                <a16:creationId xmlns:a16="http://schemas.microsoft.com/office/drawing/2014/main" id="{42881596-C26C-2F9C-98B1-4CB93B69A9A9}"/>
-              </a:ext>
-            </a:extLst>
-          </p:cNvPr>
-          <p:cNvSpPr/>
-          <p:nvPr/>
-        </p:nvSpPr>
-        <p:spPr>
-          <a:xfrm>
-            <a:off x="1000680" y="305382"/>
-            <a:ext cx="1109274" cy="738664"/>
+            <a:off x="1000679" y="1461197"/>
+            <a:ext cx="1523621" cy="356648"/>
           </a:xfrm>
           <a:prstGeom prst="rect">
             <a:avLst/>
@@ -14790,9 +16256,54 @@
                 <a:latin typeface="Times New Roman" panose="02020603050405020304" pitchFamily="18" charset="0"/>
                 <a:cs typeface="Times New Roman" panose="02020603050405020304" pitchFamily="18" charset="0"/>
               </a:rPr>
-              <a:t>QEA</a:t>
+              <a:t>QEA Lib</a:t>
             </a:r>
           </a:p>
+        </p:txBody>
+      </p:sp>
+      <p:sp>
+        <p:nvSpPr>
+          <p:cNvPr id="42" name="Rectangle 41">
+            <a:extLst>
+              <a:ext uri="{FF2B5EF4-FFF2-40B4-BE49-F238E27FC236}">
+                <a16:creationId xmlns:a16="http://schemas.microsoft.com/office/drawing/2014/main" id="{42881596-C26C-2F9C-98B1-4CB93B69A9A9}"/>
+              </a:ext>
+            </a:extLst>
+          </p:cNvPr>
+          <p:cNvSpPr/>
+          <p:nvPr/>
+        </p:nvSpPr>
+        <p:spPr>
+          <a:xfrm>
+            <a:off x="1000680" y="1023172"/>
+            <a:ext cx="1523622" cy="360000"/>
+          </a:xfrm>
+          <a:prstGeom prst="rect">
+            <a:avLst/>
+          </a:prstGeom>
+          <a:solidFill>
+            <a:schemeClr val="bg1"/>
+          </a:solidFill>
+        </p:spPr>
+        <p:style>
+          <a:lnRef idx="2">
+            <a:schemeClr val="accent1">
+              <a:shade val="15000"/>
+            </a:schemeClr>
+          </a:lnRef>
+          <a:fillRef idx="1">
+            <a:schemeClr val="accent1"/>
+          </a:fillRef>
+          <a:effectRef idx="0">
+            <a:schemeClr val="accent1"/>
+          </a:effectRef>
+          <a:fontRef idx="minor">
+            <a:schemeClr val="lt1"/>
+          </a:fontRef>
+        </p:style>
+        <p:txBody>
+          <a:bodyPr rtlCol="0" anchor="ctr"/>
+          <a:lstStyle/>
           <a:p>
             <a:pPr algn="ctr"/>
             <a:r>
@@ -14803,7 +16314,7 @@
                 <a:latin typeface="Times New Roman" panose="02020603050405020304" pitchFamily="18" charset="0"/>
                 <a:cs typeface="Times New Roman" panose="02020603050405020304" pitchFamily="18" charset="0"/>
               </a:rPr>
-              <a:t>Program</a:t>
+              <a:t>QEA Program</a:t>
             </a:r>
           </a:p>
         </p:txBody>
@@ -14819,18 +16330,20 @@
           </p:cNvPr>
           <p:cNvCxnSpPr>
             <a:cxnSpLocks/>
-            <a:stCxn id="9" idx="3"/>
+            <a:stCxn id="9" idx="1"/>
             <a:endCxn id="13" idx="1"/>
           </p:cNvCxnSpPr>
           <p:nvPr/>
         </p:nvCxnSpPr>
         <p:spPr>
-          <a:xfrm>
-            <a:off x="4036568" y="853088"/>
-            <a:ext cx="459720" cy="206019"/>
-          </a:xfrm>
-          <a:prstGeom prst="bentConnector2">
-            <a:avLst/>
+          <a:xfrm rot="16200000" flipH="1">
+            <a:off x="4980337" y="704013"/>
+            <a:ext cx="15498" cy="781450"/>
+          </a:xfrm>
+          <a:prstGeom prst="bentConnector3">
+            <a:avLst>
+              <a:gd name="adj1" fmla="val -960343"/>
+            </a:avLst>
           </a:prstGeom>
           <a:ln>
             <a:headEnd type="triangle"/>
@@ -14866,8 +16379,8 @@
         </p:nvSpPr>
         <p:spPr>
           <a:xfrm>
-            <a:off x="1020834" y="2426460"/>
-            <a:ext cx="4807102" cy="3244957"/>
+            <a:off x="902092" y="2585203"/>
+            <a:ext cx="4925843" cy="3078465"/>
           </a:xfrm>
           <a:prstGeom prst="rect">
             <a:avLst/>
@@ -14916,8 +16429,8 @@
         </p:nvSpPr>
         <p:spPr>
           <a:xfrm>
-            <a:off x="1352941" y="2654379"/>
-            <a:ext cx="4359653" cy="360000"/>
+            <a:off x="2109954" y="2654379"/>
+            <a:ext cx="3602640" cy="360000"/>
           </a:xfrm>
           <a:prstGeom prst="rect">
             <a:avLst/>
@@ -15179,8 +16692,8 @@
         </p:nvSpPr>
         <p:spPr>
           <a:xfrm>
-            <a:off x="3222091" y="2204774"/>
-            <a:ext cx="206726" cy="438170"/>
+            <a:off x="3221259" y="2244817"/>
+            <a:ext cx="206726" cy="398127"/>
           </a:xfrm>
           <a:prstGeom prst="upDownArrow">
             <a:avLst>
@@ -15317,7 +16830,7 @@
         </p:nvCxnSpPr>
         <p:spPr>
           <a:xfrm flipV="1">
-            <a:off x="1924706" y="3005091"/>
+            <a:off x="2244197" y="3005091"/>
             <a:ext cx="0" cy="265836"/>
           </a:xfrm>
           <a:prstGeom prst="straightConnector1">
@@ -17215,7 +18728,7 @@
         </p:nvSpPr>
         <p:spPr>
           <a:xfrm>
-            <a:off x="962580" y="1978614"/>
+            <a:off x="915688" y="2649200"/>
             <a:ext cx="2128196" cy="369332"/>
           </a:xfrm>
           <a:prstGeom prst="rect">
@@ -17690,10 +19203,10 @@
       </p:cxnSp>
       <p:sp>
         <p:nvSpPr>
-          <p:cNvPr id="135" name="Left Brace 134">
-            <a:extLst>
-              <a:ext uri="{FF2B5EF4-FFF2-40B4-BE49-F238E27FC236}">
-                <a16:creationId xmlns:a16="http://schemas.microsoft.com/office/drawing/2014/main" id="{3B8E91CA-E5F0-2A73-FBCA-CD76C4255A7A}"/>
+          <p:cNvPr id="139" name="Rectangle 138">
+            <a:extLst>
+              <a:ext uri="{FF2B5EF4-FFF2-40B4-BE49-F238E27FC236}">
+                <a16:creationId xmlns:a16="http://schemas.microsoft.com/office/drawing/2014/main" id="{D6FFD8F9-B221-FE98-EA80-C15F8D04C802}"/>
               </a:ext>
             </a:extLst>
           </p:cNvPr>
@@ -17701,94 +19214,9 @@
           <p:nvPr/>
         </p:nvSpPr>
         <p:spPr>
-          <a:xfrm rot="5400000" flipH="1">
-            <a:off x="3419766" y="3568993"/>
-            <a:ext cx="223071" cy="4339140"/>
-          </a:xfrm>
-          <a:prstGeom prst="leftBrace">
-            <a:avLst>
-              <a:gd name="adj1" fmla="val 35511"/>
-              <a:gd name="adj2" fmla="val 50000"/>
-            </a:avLst>
-          </a:prstGeom>
-        </p:spPr>
-        <p:style>
-          <a:lnRef idx="2">
-            <a:schemeClr val="dk1"/>
-          </a:lnRef>
-          <a:fillRef idx="0">
-            <a:schemeClr val="dk1"/>
-          </a:fillRef>
-          <a:effectRef idx="1">
-            <a:schemeClr val="dk1"/>
-          </a:effectRef>
-          <a:fontRef idx="minor">
-            <a:schemeClr val="tx1"/>
-          </a:fontRef>
-        </p:style>
-        <p:txBody>
-          <a:bodyPr rtlCol="0" anchor="ctr"/>
-          <a:lstStyle/>
-          <a:p>
-            <a:pPr algn="ctr"/>
-            <a:endParaRPr lang="en-VN"/>
-          </a:p>
-        </p:txBody>
-      </p:sp>
-      <p:sp>
-        <p:nvSpPr>
-          <p:cNvPr id="136" name="TextBox 135">
-            <a:extLst>
-              <a:ext uri="{FF2B5EF4-FFF2-40B4-BE49-F238E27FC236}">
-                <a16:creationId xmlns:a16="http://schemas.microsoft.com/office/drawing/2014/main" id="{C2824FFF-D916-CB0F-20C1-69FD267304A9}"/>
-              </a:ext>
-            </a:extLst>
-          </p:cNvPr>
-          <p:cNvSpPr txBox="1"/>
-          <p:nvPr/>
-        </p:nvSpPr>
-        <p:spPr>
           <a:xfrm>
-            <a:off x="3044804" y="5863719"/>
-            <a:ext cx="985892" cy="369332"/>
-          </a:xfrm>
-          <a:prstGeom prst="rect">
-            <a:avLst/>
-          </a:prstGeom>
-          <a:noFill/>
-        </p:spPr>
-        <p:txBody>
-          <a:bodyPr wrap="square" rtlCol="0">
-            <a:spAutoFit/>
-          </a:bodyPr>
-          <a:lstStyle/>
-          <a:p>
-            <a:r>
-              <a:rPr lang="en-VN" b="1">
-                <a:latin typeface="Times New Roman" panose="02020603050405020304" pitchFamily="18" charset="0"/>
-                <a:cs typeface="Times New Roman" panose="02020603050405020304" pitchFamily="18" charset="0"/>
-              </a:rPr>
-              <a:t>(c) PEA</a:t>
-            </a:r>
-          </a:p>
-        </p:txBody>
-      </p:sp>
-      <p:sp>
-        <p:nvSpPr>
-          <p:cNvPr id="139" name="Rectangle 138">
-            <a:extLst>
-              <a:ext uri="{FF2B5EF4-FFF2-40B4-BE49-F238E27FC236}">
-                <a16:creationId xmlns:a16="http://schemas.microsoft.com/office/drawing/2014/main" id="{D6FFD8F9-B221-FE98-EA80-C15F8D04C802}"/>
-              </a:ext>
-            </a:extLst>
-          </p:cNvPr>
-          <p:cNvSpPr/>
-          <p:nvPr/>
-        </p:nvSpPr>
-        <p:spPr>
-          <a:xfrm>
-            <a:off x="6204425" y="2217212"/>
-            <a:ext cx="4085361" cy="3454206"/>
+            <a:off x="902739" y="5752474"/>
+            <a:ext cx="4925196" cy="3135254"/>
           </a:xfrm>
           <a:prstGeom prst="rect">
             <a:avLst/>
@@ -17831,103 +19259,6 @@
       </p:sp>
       <p:cxnSp>
         <p:nvCxnSpPr>
-          <p:cNvPr id="142" name="Straight Connector 141">
-            <a:extLst>
-              <a:ext uri="{FF2B5EF4-FFF2-40B4-BE49-F238E27FC236}">
-                <a16:creationId xmlns:a16="http://schemas.microsoft.com/office/drawing/2014/main" id="{B347C0A8-753C-525E-AA57-5100479F3CD2}"/>
-              </a:ext>
-            </a:extLst>
-          </p:cNvPr>
-          <p:cNvCxnSpPr>
-            <a:cxnSpLocks/>
-          </p:cNvCxnSpPr>
-          <p:nvPr/>
-        </p:nvCxnSpPr>
-        <p:spPr>
-          <a:xfrm>
-            <a:off x="5568530" y="5512979"/>
-            <a:ext cx="652373" cy="158438"/>
-          </a:xfrm>
-          <a:prstGeom prst="line">
-            <a:avLst/>
-          </a:prstGeom>
-          <a:ln>
-            <a:prstDash val="dash"/>
-          </a:ln>
-        </p:spPr>
-        <p:style>
-          <a:lnRef idx="2">
-            <a:schemeClr val="dk1"/>
-          </a:lnRef>
-          <a:fillRef idx="0">
-            <a:schemeClr val="dk1"/>
-          </a:fillRef>
-          <a:effectRef idx="1">
-            <a:schemeClr val="dk1"/>
-          </a:effectRef>
-          <a:fontRef idx="minor">
-            <a:schemeClr val="tx1"/>
-          </a:fontRef>
-        </p:style>
-      </p:cxnSp>
-      <p:sp>
-        <p:nvSpPr>
-          <p:cNvPr id="145" name="Rectangle 144">
-            <a:extLst>
-              <a:ext uri="{FF2B5EF4-FFF2-40B4-BE49-F238E27FC236}">
-                <a16:creationId xmlns:a16="http://schemas.microsoft.com/office/drawing/2014/main" id="{67CA4357-94F2-3870-A5DE-BC87B75E1228}"/>
-              </a:ext>
-            </a:extLst>
-          </p:cNvPr>
-          <p:cNvSpPr/>
-          <p:nvPr/>
-        </p:nvSpPr>
-        <p:spPr>
-          <a:xfrm rot="16200000">
-            <a:off x="6198912" y="4589318"/>
-            <a:ext cx="1460935" cy="487048"/>
-          </a:xfrm>
-          <a:prstGeom prst="rect">
-            <a:avLst/>
-          </a:prstGeom>
-          <a:noFill/>
-        </p:spPr>
-        <p:style>
-          <a:lnRef idx="2">
-            <a:schemeClr val="accent1">
-              <a:shade val="15000"/>
-            </a:schemeClr>
-          </a:lnRef>
-          <a:fillRef idx="1">
-            <a:schemeClr val="accent1"/>
-          </a:fillRef>
-          <a:effectRef idx="0">
-            <a:schemeClr val="accent1"/>
-          </a:effectRef>
-          <a:fontRef idx="minor">
-            <a:schemeClr val="lt1"/>
-          </a:fontRef>
-        </p:style>
-        <p:txBody>
-          <a:bodyPr rtlCol="0" anchor="ctr"/>
-          <a:lstStyle/>
-          <a:p>
-            <a:pPr algn="ctr"/>
-            <a:r>
-              <a:rPr lang="en-VN">
-                <a:solidFill>
-                  <a:schemeClr val="tx1"/>
-                </a:solidFill>
-                <a:latin typeface="Times New Roman" panose="02020603050405020304" pitchFamily="18" charset="0"/>
-                <a:cs typeface="Times New Roman" panose="02020603050405020304" pitchFamily="18" charset="0"/>
-              </a:rPr>
-              <a:t>PE Controller</a:t>
-            </a:r>
-          </a:p>
-        </p:txBody>
-      </p:sp>
-      <p:cxnSp>
-        <p:nvCxnSpPr>
           <p:cNvPr id="146" name="Straight Arrow Connector 145">
             <a:extLst>
               <a:ext uri="{FF2B5EF4-FFF2-40B4-BE49-F238E27FC236}">
@@ -17943,7 +19274,7 @@
         </p:nvCxnSpPr>
         <p:spPr>
           <a:xfrm>
-            <a:off x="6475789" y="4538482"/>
+            <a:off x="1174103" y="8017193"/>
             <a:ext cx="216000" cy="0"/>
           </a:xfrm>
           <a:prstGeom prst="straightConnector1">
@@ -17983,7 +19314,7 @@
         </p:nvSpPr>
         <p:spPr>
           <a:xfrm>
-            <a:off x="5941051" y="4399982"/>
+            <a:off x="639365" y="7878693"/>
             <a:ext cx="534738" cy="276999"/>
           </a:xfrm>
           <a:prstGeom prst="rect">
@@ -18024,7 +19355,7 @@
         </p:nvCxnSpPr>
         <p:spPr>
           <a:xfrm>
-            <a:off x="6479524" y="4761705"/>
+            <a:off x="1177838" y="8240416"/>
             <a:ext cx="216000" cy="0"/>
           </a:xfrm>
           <a:prstGeom prst="straightConnector1">
@@ -18066,7 +19397,7 @@
             </p:nvSpPr>
             <p:spPr>
               <a:xfrm>
-                <a:off x="5944786" y="4623205"/>
+                <a:off x="643100" y="8101916"/>
                 <a:ext cx="534738" cy="276999"/>
               </a:xfrm>
               <a:prstGeom prst="rect">
@@ -18120,7 +19451,7 @@
             </p:nvSpPr>
             <p:spPr>
               <a:xfrm>
-                <a:off x="5944786" y="4623205"/>
+                <a:off x="643100" y="8101916"/>
                 <a:ext cx="534738" cy="276999"/>
               </a:xfrm>
               <a:prstGeom prst="rect">
@@ -18165,7 +19496,7 @@
         </p:nvCxnSpPr>
         <p:spPr>
           <a:xfrm>
-            <a:off x="6475789" y="4993788"/>
+            <a:off x="1174103" y="8472499"/>
             <a:ext cx="216000" cy="0"/>
           </a:xfrm>
           <a:prstGeom prst="straightConnector1">
@@ -18205,7 +19536,7 @@
         </p:nvSpPr>
         <p:spPr>
           <a:xfrm>
-            <a:off x="5865404" y="4855288"/>
+            <a:off x="563718" y="8333999"/>
             <a:ext cx="610385" cy="276999"/>
           </a:xfrm>
           <a:prstGeom prst="rect">
@@ -18249,7 +19580,7 @@
         </p:nvCxnSpPr>
         <p:spPr>
           <a:xfrm>
-            <a:off x="6478329" y="5234607"/>
+            <a:off x="1176643" y="8713318"/>
             <a:ext cx="216000" cy="0"/>
           </a:xfrm>
           <a:prstGeom prst="straightConnector1">
@@ -18289,7 +19620,7 @@
         </p:nvSpPr>
         <p:spPr>
           <a:xfrm>
-            <a:off x="5867944" y="5096107"/>
+            <a:off x="566258" y="8574818"/>
             <a:ext cx="610385" cy="276999"/>
           </a:xfrm>
           <a:prstGeom prst="rect">
@@ -18330,7 +19661,7 @@
         </p:nvSpPr>
         <p:spPr>
           <a:xfrm>
-            <a:off x="7642304" y="4656882"/>
+            <a:off x="2340618" y="8135593"/>
             <a:ext cx="1568881" cy="359152"/>
           </a:xfrm>
           <a:prstGeom prst="flowChartManualOperation">
@@ -18393,7 +19724,7 @@
         </p:nvSpPr>
         <p:spPr>
           <a:xfrm>
-            <a:off x="7642304" y="4095741"/>
+            <a:off x="2340618" y="7574452"/>
             <a:ext cx="1583203" cy="360000"/>
           </a:xfrm>
           <a:prstGeom prst="rect">
@@ -18451,7 +19782,7 @@
         </p:nvCxnSpPr>
         <p:spPr>
           <a:xfrm>
-            <a:off x="7779730" y="4457014"/>
+            <a:off x="2478044" y="7935725"/>
             <a:ext cx="0" cy="216000"/>
           </a:xfrm>
           <a:prstGeom prst="straightConnector1">
@@ -18492,7 +19823,7 @@
         </p:nvCxnSpPr>
         <p:spPr>
           <a:xfrm>
-            <a:off x="7865517" y="4458021"/>
+            <a:off x="2563831" y="7936732"/>
             <a:ext cx="0" cy="216000"/>
           </a:xfrm>
           <a:prstGeom prst="straightConnector1">
@@ -18533,7 +19864,7 @@
         </p:nvCxnSpPr>
         <p:spPr>
           <a:xfrm>
-            <a:off x="7959979" y="4456007"/>
+            <a:off x="2658293" y="7934718"/>
             <a:ext cx="0" cy="216000"/>
           </a:xfrm>
           <a:prstGeom prst="straightConnector1">
@@ -18574,7 +19905,7 @@
         </p:nvCxnSpPr>
         <p:spPr>
           <a:xfrm>
-            <a:off x="8045766" y="4457014"/>
+            <a:off x="2744080" y="7935725"/>
             <a:ext cx="0" cy="216000"/>
           </a:xfrm>
           <a:prstGeom prst="straightConnector1">
@@ -18615,7 +19946,7 @@
         </p:nvCxnSpPr>
         <p:spPr>
           <a:xfrm>
-            <a:off x="8846530" y="4458021"/>
+            <a:off x="3544844" y="7936732"/>
             <a:ext cx="0" cy="216000"/>
           </a:xfrm>
           <a:prstGeom prst="straightConnector1">
@@ -18656,7 +19987,7 @@
         </p:nvCxnSpPr>
         <p:spPr>
           <a:xfrm>
-            <a:off x="8932317" y="4459028"/>
+            <a:off x="3630631" y="7937739"/>
             <a:ext cx="0" cy="216000"/>
           </a:xfrm>
           <a:prstGeom prst="straightConnector1">
@@ -18697,7 +20028,7 @@
         </p:nvCxnSpPr>
         <p:spPr>
           <a:xfrm>
-            <a:off x="9026779" y="4457014"/>
+            <a:off x="3725093" y="7935725"/>
             <a:ext cx="0" cy="216000"/>
           </a:xfrm>
           <a:prstGeom prst="straightConnector1">
@@ -18738,7 +20069,7 @@
         </p:nvCxnSpPr>
         <p:spPr>
           <a:xfrm>
-            <a:off x="9112566" y="4458021"/>
+            <a:off x="3810880" y="7936732"/>
             <a:ext cx="0" cy="216000"/>
           </a:xfrm>
           <a:prstGeom prst="straightConnector1">
@@ -18781,7 +20112,7 @@
         </p:nvCxnSpPr>
         <p:spPr>
           <a:xfrm>
-            <a:off x="7172904" y="4832842"/>
+            <a:off x="1871218" y="8311553"/>
             <a:ext cx="626288" cy="3616"/>
           </a:xfrm>
           <a:prstGeom prst="straightConnector1">
@@ -18821,7 +20152,7 @@
         </p:nvSpPr>
         <p:spPr>
           <a:xfrm>
-            <a:off x="7126716" y="4382725"/>
+            <a:off x="1825030" y="7861436"/>
             <a:ext cx="603441" cy="461665"/>
           </a:xfrm>
           <a:prstGeom prst="rect">
@@ -18862,7 +20193,7 @@
         </p:nvCxnSpPr>
         <p:spPr>
           <a:xfrm>
-            <a:off x="8095040" y="5006095"/>
+            <a:off x="2793354" y="8484806"/>
             <a:ext cx="0" cy="126192"/>
           </a:xfrm>
           <a:prstGeom prst="straightConnector1">
@@ -18903,7 +20234,7 @@
         </p:nvCxnSpPr>
         <p:spPr>
           <a:xfrm>
-            <a:off x="8755744" y="5017068"/>
+            <a:off x="3454058" y="8495779"/>
             <a:ext cx="0" cy="126192"/>
           </a:xfrm>
           <a:prstGeom prst="straightConnector1">
@@ -18942,7 +20273,7 @@
         </p:nvSpPr>
         <p:spPr>
           <a:xfrm>
-            <a:off x="7983611" y="5130976"/>
+            <a:off x="2681925" y="8609687"/>
             <a:ext cx="854170" cy="36000"/>
           </a:xfrm>
           <a:prstGeom prst="rect">
@@ -18991,8 +20322,8 @@
         </p:nvSpPr>
         <p:spPr>
           <a:xfrm>
-            <a:off x="6792445" y="2579448"/>
-            <a:ext cx="2453944" cy="1440000"/>
+            <a:off x="1516637" y="6429094"/>
+            <a:ext cx="3403978" cy="1069526"/>
           </a:xfrm>
           <a:prstGeom prst="rect">
             <a:avLst/>
@@ -19044,8 +20375,8 @@
         </p:nvSpPr>
         <p:spPr>
           <a:xfrm>
-            <a:off x="6920437" y="2667323"/>
-            <a:ext cx="2220444" cy="360000"/>
+            <a:off x="1618750" y="6534220"/>
+            <a:ext cx="3206975" cy="360000"/>
           </a:xfrm>
           <a:prstGeom prst="rect">
             <a:avLst/>
@@ -19100,8 +20431,8 @@
         </p:nvSpPr>
         <p:spPr>
           <a:xfrm>
-            <a:off x="8068220" y="3288511"/>
-            <a:ext cx="1069366" cy="639307"/>
+            <a:off x="3247092" y="7060520"/>
+            <a:ext cx="1587260" cy="360000"/>
           </a:xfrm>
           <a:prstGeom prst="rect">
             <a:avLst/>
@@ -19156,8 +20487,8 @@
         </p:nvSpPr>
         <p:spPr>
           <a:xfrm>
-            <a:off x="6900817" y="3282858"/>
-            <a:ext cx="1069366" cy="639307"/>
+            <a:off x="1599130" y="7054868"/>
+            <a:ext cx="1566871" cy="360000"/>
           </a:xfrm>
           <a:prstGeom prst="rect">
             <a:avLst/>
@@ -19214,8 +20545,8 @@
         </p:nvCxnSpPr>
         <p:spPr>
           <a:xfrm flipV="1">
-            <a:off x="7710227" y="3026975"/>
-            <a:ext cx="0" cy="252000"/>
+            <a:off x="2956768" y="6893872"/>
+            <a:ext cx="0" cy="180000"/>
           </a:xfrm>
           <a:prstGeom prst="straightConnector1">
             <a:avLst/>
@@ -19256,8 +20587,8 @@
         </p:nvCxnSpPr>
         <p:spPr>
           <a:xfrm flipV="1">
-            <a:off x="8587895" y="3014952"/>
-            <a:ext cx="0" cy="252000"/>
+            <a:off x="4225497" y="6881849"/>
+            <a:ext cx="0" cy="180000"/>
           </a:xfrm>
           <a:prstGeom prst="straightConnector1">
             <a:avLst/>
@@ -19301,8 +20632,8 @@
         </p:nvCxnSpPr>
         <p:spPr>
           <a:xfrm flipV="1">
-            <a:off x="7054432" y="3017550"/>
-            <a:ext cx="0" cy="252000"/>
+            <a:off x="2218912" y="6884447"/>
+            <a:ext cx="0" cy="180000"/>
           </a:xfrm>
           <a:prstGeom prst="straightConnector1">
             <a:avLst/>
@@ -19347,15 +20678,15 @@
           <p:nvPr/>
         </p:nvCxnSpPr>
         <p:spPr>
-          <a:xfrm rot="5400000" flipH="1">
-            <a:off x="6921293" y="3677573"/>
-            <a:ext cx="2587528" cy="391279"/>
+          <a:xfrm rot="5400000" flipH="1" flipV="1">
+            <a:off x="2055521" y="7482583"/>
+            <a:ext cx="2216593" cy="109616"/>
           </a:xfrm>
           <a:prstGeom prst="bentConnector5">
             <a:avLst>
-              <a:gd name="adj1" fmla="val -8835"/>
-              <a:gd name="adj2" fmla="val -381883"/>
-              <a:gd name="adj3" fmla="val 110874"/>
+              <a:gd name="adj1" fmla="val -4495"/>
+              <a:gd name="adj2" fmla="val 1798272"/>
+              <a:gd name="adj3" fmla="val 110313"/>
             </a:avLst>
           </a:prstGeom>
           <a:ln>
@@ -19393,8 +20724,8 @@
         </p:nvCxnSpPr>
         <p:spPr>
           <a:xfrm flipV="1">
-            <a:off x="7039778" y="2057400"/>
-            <a:ext cx="0" cy="615378"/>
+            <a:off x="2204258" y="6029804"/>
+            <a:ext cx="0" cy="504000"/>
           </a:xfrm>
           <a:prstGeom prst="straightConnector1">
             <a:avLst/>
@@ -19440,8 +20771,8 @@
         </p:nvCxnSpPr>
         <p:spPr>
           <a:xfrm rot="5400000">
-            <a:off x="9319779" y="3786505"/>
-            <a:ext cx="394965" cy="583507"/>
+            <a:off x="4548615" y="6734693"/>
+            <a:ext cx="394965" cy="1644552"/>
           </a:xfrm>
           <a:prstGeom prst="bentConnector2">
             <a:avLst/>
@@ -19486,12 +20817,12 @@
         </p:nvCxnSpPr>
         <p:spPr>
           <a:xfrm rot="16200000" flipH="1">
-            <a:off x="8870979" y="2394102"/>
-            <a:ext cx="662816" cy="1213253"/>
+            <a:off x="4293909" y="5536383"/>
+            <a:ext cx="274630" cy="2274298"/>
           </a:xfrm>
           <a:prstGeom prst="bentConnector3">
             <a:avLst>
-              <a:gd name="adj1" fmla="val -42448"/>
+              <a:gd name="adj1" fmla="val -83239"/>
             </a:avLst>
           </a:prstGeom>
           <a:ln>
@@ -19530,7 +20861,7 @@
         </p:nvSpPr>
         <p:spPr>
           <a:xfrm>
-            <a:off x="8446291" y="2669320"/>
+            <a:off x="3144605" y="6536217"/>
             <a:ext cx="298939" cy="45719"/>
           </a:xfrm>
           <a:prstGeom prst="rect">
@@ -19584,13 +20915,13 @@
         </p:nvCxnSpPr>
         <p:spPr>
           <a:xfrm rot="16200000" flipH="1">
-            <a:off x="7703719" y="2682883"/>
-            <a:ext cx="1526467" cy="1508067"/>
+            <a:off x="2596126" y="6355687"/>
+            <a:ext cx="1138281" cy="1508067"/>
           </a:xfrm>
           <a:prstGeom prst="bentConnector4">
             <a:avLst>
-              <a:gd name="adj1" fmla="val -12672"/>
-              <a:gd name="adj2" fmla="val 108162"/>
+              <a:gd name="adj1" fmla="val -25388"/>
+              <a:gd name="adj2" fmla="val 171216"/>
             </a:avLst>
           </a:prstGeom>
           <a:ln>
@@ -19629,7 +20960,7 @@
         </p:nvSpPr>
         <p:spPr>
           <a:xfrm>
-            <a:off x="7563450" y="2673683"/>
+            <a:off x="2261764" y="6540580"/>
             <a:ext cx="298939" cy="45719"/>
           </a:xfrm>
           <a:prstGeom prst="rect">
@@ -19679,7 +21010,7 @@
         </p:nvSpPr>
         <p:spPr>
           <a:xfrm>
-            <a:off x="9129620" y="4002027"/>
+            <a:off x="3827934" y="7480738"/>
             <a:ext cx="91367" cy="396246"/>
           </a:xfrm>
           <a:prstGeom prst="rect">
@@ -19729,7 +21060,7 @@
         </p:nvSpPr>
         <p:spPr>
           <a:xfrm>
-            <a:off x="6397962" y="1754024"/>
+            <a:off x="1562442" y="5739256"/>
             <a:ext cx="1291818" cy="369332"/>
           </a:xfrm>
           <a:prstGeom prst="rect">
@@ -19771,7 +21102,7 @@
         </p:nvSpPr>
         <p:spPr>
           <a:xfrm>
-            <a:off x="7420801" y="1754206"/>
+            <a:off x="2585281" y="5739438"/>
             <a:ext cx="1291818" cy="369332"/>
           </a:xfrm>
           <a:prstGeom prst="rect">
@@ -19815,8 +21146,8 @@
         </p:nvCxnSpPr>
         <p:spPr>
           <a:xfrm flipV="1">
-            <a:off x="7798847" y="2051938"/>
-            <a:ext cx="0" cy="615378"/>
+            <a:off x="2963327" y="6024342"/>
+            <a:ext cx="0" cy="504000"/>
           </a:xfrm>
           <a:prstGeom prst="straightConnector1">
             <a:avLst/>
@@ -19858,7 +21189,7 @@
         </p:nvSpPr>
         <p:spPr>
           <a:xfrm>
-            <a:off x="8426055" y="1757139"/>
+            <a:off x="3590535" y="5742371"/>
             <a:ext cx="1291818" cy="369332"/>
           </a:xfrm>
           <a:prstGeom prst="rect">
@@ -19902,8 +21233,8 @@
         </p:nvCxnSpPr>
         <p:spPr>
           <a:xfrm>
-            <a:off x="8672217" y="2052774"/>
-            <a:ext cx="0" cy="615378"/>
+            <a:off x="4223556" y="6025178"/>
+            <a:ext cx="0" cy="504000"/>
           </a:xfrm>
           <a:prstGeom prst="straightConnector1">
             <a:avLst/>
@@ -19945,8 +21276,8 @@
         </p:nvSpPr>
         <p:spPr>
           <a:xfrm rot="10800000" flipH="1">
-            <a:off x="6533529" y="2607794"/>
-            <a:ext cx="223071" cy="1395259"/>
+            <a:off x="1231843" y="6420318"/>
+            <a:ext cx="223071" cy="1061445"/>
           </a:xfrm>
           <a:prstGeom prst="leftBrace">
             <a:avLst>
@@ -19992,7 +21323,7 @@
         </p:nvSpPr>
         <p:spPr>
           <a:xfrm rot="16200000">
-            <a:off x="5417276" y="3117549"/>
+            <a:off x="115590" y="6768786"/>
             <a:ext cx="1924706" cy="369332"/>
           </a:xfrm>
           <a:prstGeom prst="rect">
@@ -20034,13 +21365,13 @@
               <p:nvPr>
                 <p:extLst>
                   <p:ext uri="{D42A27DB-BD31-4B8C-83A1-F6EECF244321}">
-                    <p14:modId xmlns:p14="http://schemas.microsoft.com/office/powerpoint/2010/main" val="1900323336"/>
+                    <p14:modId xmlns:p14="http://schemas.microsoft.com/office/powerpoint/2010/main" val="1219552010"/>
                   </p:ext>
                 </p:extLst>
               </p:nvPr>
             </p:nvGraphicFramePr>
             <p:xfrm>
-              <a:off x="9413276" y="3332136"/>
+              <a:off x="5172635" y="6810847"/>
               <a:ext cx="791476" cy="548640"/>
             </p:xfrm>
             <a:graphic>
@@ -20071,6 +21402,7 @@
                         <a:bodyPr/>
                         <a:lstStyle/>
                         <a:p>
+                          <a:pPr/>
                           <a14:m>
                             <m:oMathPara xmlns:m="http://schemas.openxmlformats.org/officeDocument/2006/math">
                               <m:oMathParaPr>
@@ -20176,6 +21508,7 @@
                         <a:bodyPr/>
                         <a:lstStyle/>
                         <a:p>
+                          <a:pPr/>
                           <a14:m>
                             <m:oMathPara xmlns:m="http://schemas.openxmlformats.org/officeDocument/2006/math">
                               <m:oMathParaPr>
@@ -20394,6 +21727,7 @@
                         <a:bodyPr/>
                         <a:lstStyle/>
                         <a:p>
+                          <a:pPr/>
                           <a14:m>
                             <m:oMathPara xmlns:m="http://schemas.openxmlformats.org/officeDocument/2006/math">
                               <m:oMathParaPr>
@@ -20521,13 +21855,13 @@
               <p:nvPr>
                 <p:extLst>
                   <p:ext uri="{D42A27DB-BD31-4B8C-83A1-F6EECF244321}">
-                    <p14:modId xmlns:p14="http://schemas.microsoft.com/office/powerpoint/2010/main" val="1900323336"/>
+                    <p14:modId xmlns:p14="http://schemas.microsoft.com/office/powerpoint/2010/main" val="1219552010"/>
                   </p:ext>
                 </p:extLst>
               </p:nvPr>
             </p:nvGraphicFramePr>
             <p:xfrm>
-              <a:off x="9413276" y="3332136"/>
+              <a:off x="5172635" y="6810847"/>
               <a:ext cx="791476" cy="548640"/>
             </p:xfrm>
             <a:graphic>
@@ -20784,47 +22118,6 @@
           </p:graphicFrame>
         </mc:Fallback>
       </mc:AlternateContent>
-      <p:cxnSp>
-        <p:nvCxnSpPr>
-          <p:cNvPr id="244" name="Straight Connector 243">
-            <a:extLst>
-              <a:ext uri="{FF2B5EF4-FFF2-40B4-BE49-F238E27FC236}">
-                <a16:creationId xmlns:a16="http://schemas.microsoft.com/office/drawing/2014/main" id="{905750A5-21E4-F699-04A4-718C33AB59B4}"/>
-              </a:ext>
-            </a:extLst>
-          </p:cNvPr>
-          <p:cNvCxnSpPr>
-            <a:cxnSpLocks/>
-          </p:cNvCxnSpPr>
-          <p:nvPr/>
-        </p:nvCxnSpPr>
-        <p:spPr>
-          <a:xfrm flipV="1">
-            <a:off x="5631579" y="2217212"/>
-            <a:ext cx="572315" cy="2981936"/>
-          </a:xfrm>
-          <a:prstGeom prst="line">
-            <a:avLst/>
-          </a:prstGeom>
-          <a:ln>
-            <a:prstDash val="dash"/>
-          </a:ln>
-        </p:spPr>
-        <p:style>
-          <a:lnRef idx="2">
-            <a:schemeClr val="dk1"/>
-          </a:lnRef>
-          <a:fillRef idx="0">
-            <a:schemeClr val="dk1"/>
-          </a:fillRef>
-          <a:effectRef idx="1">
-            <a:schemeClr val="dk1"/>
-          </a:effectRef>
-          <a:fontRef idx="minor">
-            <a:schemeClr val="tx1"/>
-          </a:fontRef>
-        </p:style>
-      </p:cxnSp>
       <p:sp>
         <p:nvSpPr>
           <p:cNvPr id="250" name="Rectangle 249">
@@ -20839,8 +22132,8 @@
         </p:nvSpPr>
         <p:spPr>
           <a:xfrm>
-            <a:off x="5185745" y="517278"/>
-            <a:ext cx="2165654" cy="792947"/>
+            <a:off x="902092" y="9629145"/>
+            <a:ext cx="2275364" cy="1141557"/>
           </a:xfrm>
           <a:prstGeom prst="rect">
             <a:avLst/>
@@ -20895,8 +22188,8 @@
         </p:nvSpPr>
         <p:spPr>
           <a:xfrm>
-            <a:off x="5472253" y="556441"/>
-            <a:ext cx="1794245" cy="650186"/>
+            <a:off x="1210474" y="9686343"/>
+            <a:ext cx="1892042" cy="999137"/>
           </a:xfrm>
           <a:prstGeom prst="flowChartManualOperation">
             <a:avLst/>
@@ -20957,8 +22250,8 @@
         </p:nvCxnSpPr>
         <p:spPr>
           <a:xfrm>
-            <a:off x="5953549" y="473799"/>
-            <a:ext cx="0" cy="216000"/>
+            <a:off x="1747572" y="9509468"/>
+            <a:ext cx="0" cy="540000"/>
           </a:xfrm>
           <a:prstGeom prst="straightConnector1">
             <a:avLst/>
@@ -20998,8 +22291,8 @@
         </p:nvCxnSpPr>
         <p:spPr>
           <a:xfrm>
-            <a:off x="6039336" y="474806"/>
-            <a:ext cx="0" cy="216000"/>
+            <a:off x="1833359" y="9510475"/>
+            <a:ext cx="0" cy="540000"/>
           </a:xfrm>
           <a:prstGeom prst="straightConnector1">
             <a:avLst/>
@@ -21039,8 +22332,8 @@
         </p:nvCxnSpPr>
         <p:spPr>
           <a:xfrm>
-            <a:off x="6133798" y="472792"/>
-            <a:ext cx="0" cy="216000"/>
+            <a:off x="1927821" y="9508461"/>
+            <a:ext cx="0" cy="540000"/>
           </a:xfrm>
           <a:prstGeom prst="straightConnector1">
             <a:avLst/>
@@ -21080,8 +22373,8 @@
         </p:nvCxnSpPr>
         <p:spPr>
           <a:xfrm>
-            <a:off x="6219585" y="473799"/>
-            <a:ext cx="0" cy="216000"/>
+            <a:off x="2013608" y="9509468"/>
+            <a:ext cx="0" cy="540000"/>
           </a:xfrm>
           <a:prstGeom prst="straightConnector1">
             <a:avLst/>
@@ -21121,8 +22414,8 @@
         </p:nvCxnSpPr>
         <p:spPr>
           <a:xfrm>
-            <a:off x="6527985" y="482621"/>
-            <a:ext cx="0" cy="216000"/>
+            <a:off x="2322008" y="9518290"/>
+            <a:ext cx="0" cy="540000"/>
           </a:xfrm>
           <a:prstGeom prst="straightConnector1">
             <a:avLst/>
@@ -21162,8 +22455,8 @@
         </p:nvCxnSpPr>
         <p:spPr>
           <a:xfrm>
-            <a:off x="6613772" y="483628"/>
-            <a:ext cx="0" cy="216000"/>
+            <a:off x="2407795" y="9519297"/>
+            <a:ext cx="0" cy="540000"/>
           </a:xfrm>
           <a:prstGeom prst="straightConnector1">
             <a:avLst/>
@@ -21203,8 +22496,8 @@
         </p:nvCxnSpPr>
         <p:spPr>
           <a:xfrm>
-            <a:off x="6708234" y="481614"/>
-            <a:ext cx="0" cy="216000"/>
+            <a:off x="2502257" y="9517283"/>
+            <a:ext cx="0" cy="540000"/>
           </a:xfrm>
           <a:prstGeom prst="straightConnector1">
             <a:avLst/>
@@ -21244,8 +22537,8 @@
         </p:nvCxnSpPr>
         <p:spPr>
           <a:xfrm>
-            <a:off x="6794021" y="482621"/>
-            <a:ext cx="0" cy="216000"/>
+            <a:off x="2588044" y="9518290"/>
+            <a:ext cx="0" cy="540000"/>
           </a:xfrm>
           <a:prstGeom prst="straightConnector1">
             <a:avLst/>
@@ -21286,50 +22579,8 @@
         </p:nvCxnSpPr>
         <p:spPr>
           <a:xfrm>
-            <a:off x="6067874" y="1057541"/>
-            <a:ext cx="0" cy="369928"/>
-          </a:xfrm>
-          <a:prstGeom prst="straightConnector1">
-            <a:avLst/>
-          </a:prstGeom>
-          <a:ln>
-            <a:tailEnd type="triangle"/>
-          </a:ln>
-        </p:spPr>
-        <p:style>
-          <a:lnRef idx="2">
-            <a:schemeClr val="dk1"/>
-          </a:lnRef>
-          <a:fillRef idx="0">
-            <a:schemeClr val="dk1"/>
-          </a:fillRef>
-          <a:effectRef idx="1">
-            <a:schemeClr val="dk1"/>
-          </a:effectRef>
-          <a:fontRef idx="minor">
-            <a:schemeClr val="tx1"/>
-          </a:fontRef>
-        </p:style>
-      </p:cxnSp>
-      <p:cxnSp>
-        <p:nvCxnSpPr>
-          <p:cNvPr id="261" name="Straight Arrow Connector 260">
-            <a:extLst>
-              <a:ext uri="{FF2B5EF4-FFF2-40B4-BE49-F238E27FC236}">
-                <a16:creationId xmlns:a16="http://schemas.microsoft.com/office/drawing/2014/main" id="{D0AF4C9C-674F-57E2-911F-2E69D72DD649}"/>
-              </a:ext>
-            </a:extLst>
-          </p:cNvPr>
-          <p:cNvCxnSpPr>
-            <a:cxnSpLocks/>
-            <a:stCxn id="266" idx="2"/>
-          </p:cNvCxnSpPr>
-          <p:nvPr/>
-        </p:nvCxnSpPr>
-        <p:spPr>
-          <a:xfrm>
-            <a:off x="6657935" y="1066107"/>
-            <a:ext cx="0" cy="367407"/>
+            <a:off x="1864337" y="10501984"/>
+            <a:ext cx="0" cy="396000"/>
           </a:xfrm>
           <a:prstGeom prst="straightConnector1">
             <a:avLst/>
@@ -21369,8 +22620,8 @@
         </p:nvCxnSpPr>
         <p:spPr>
           <a:xfrm>
-            <a:off x="5059881" y="754135"/>
-            <a:ext cx="626288" cy="3616"/>
+            <a:off x="739862" y="10232988"/>
+            <a:ext cx="684000" cy="3616"/>
           </a:xfrm>
           <a:prstGeom prst="straightConnector1">
             <a:avLst/>
@@ -21397,45 +22648,6 @@
       </p:cxnSp>
       <p:sp>
         <p:nvSpPr>
-          <p:cNvPr id="264" name="TextBox 263">
-            <a:extLst>
-              <a:ext uri="{FF2B5EF4-FFF2-40B4-BE49-F238E27FC236}">
-                <a16:creationId xmlns:a16="http://schemas.microsoft.com/office/drawing/2014/main" id="{FB7D4F92-C218-6EDA-4207-0D1144057439}"/>
-              </a:ext>
-            </a:extLst>
-          </p:cNvPr>
-          <p:cNvSpPr txBox="1"/>
-          <p:nvPr/>
-        </p:nvSpPr>
-        <p:spPr>
-          <a:xfrm>
-            <a:off x="4986798" y="272048"/>
-            <a:ext cx="652373" cy="461665"/>
-          </a:xfrm>
-          <a:prstGeom prst="rect">
-            <a:avLst/>
-          </a:prstGeom>
-          <a:noFill/>
-        </p:spPr>
-        <p:txBody>
-          <a:bodyPr wrap="square" rtlCol="0">
-            <a:spAutoFit/>
-          </a:bodyPr>
-          <a:lstStyle/>
-          <a:p>
-            <a:r>
-              <a:rPr lang="en-US" sz="1200"/>
-              <a:t>o</a:t>
-            </a:r>
-            <a:r>
-              <a:rPr lang="en-VN" sz="1200"/>
-              <a:t>p-mode</a:t>
-            </a:r>
-          </a:p>
-        </p:txBody>
-      </p:sp>
-      <p:sp>
-        <p:nvSpPr>
           <p:cNvPr id="265" name="Rectangle 264">
             <a:extLst>
               <a:ext uri="{FF2B5EF4-FFF2-40B4-BE49-F238E27FC236}">
@@ -21448,64 +22660,8 @@
         </p:nvSpPr>
         <p:spPr>
           <a:xfrm>
-            <a:off x="5804021" y="697541"/>
-            <a:ext cx="527706" cy="360000"/>
-          </a:xfrm>
-          <a:prstGeom prst="rect">
-            <a:avLst/>
-          </a:prstGeom>
-          <a:noFill/>
-        </p:spPr>
-        <p:style>
-          <a:lnRef idx="2">
-            <a:schemeClr val="accent1">
-              <a:shade val="15000"/>
-            </a:schemeClr>
-          </a:lnRef>
-          <a:fillRef idx="1">
-            <a:schemeClr val="accent1"/>
-          </a:fillRef>
-          <a:effectRef idx="0">
-            <a:schemeClr val="accent1"/>
-          </a:effectRef>
-          <a:fontRef idx="minor">
-            <a:schemeClr val="lt1"/>
-          </a:fontRef>
-        </p:style>
-        <p:txBody>
-          <a:bodyPr rtlCol="0" anchor="ctr"/>
-          <a:lstStyle/>
-          <a:p>
-            <a:pPr algn="ctr"/>
-            <a:r>
-              <a:rPr lang="en-VN">
-                <a:solidFill>
-                  <a:schemeClr val="tx1"/>
-                </a:solidFill>
-                <a:latin typeface="Times New Roman" panose="02020603050405020304" pitchFamily="18" charset="0"/>
-                <a:cs typeface="Times New Roman" panose="02020603050405020304" pitchFamily="18" charset="0"/>
-              </a:rPr>
-              <a:t>SU</a:t>
-            </a:r>
-          </a:p>
-        </p:txBody>
-      </p:sp>
-      <p:sp>
-        <p:nvSpPr>
-          <p:cNvPr id="266" name="Rectangle 265">
-            <a:extLst>
-              <a:ext uri="{FF2B5EF4-FFF2-40B4-BE49-F238E27FC236}">
-                <a16:creationId xmlns:a16="http://schemas.microsoft.com/office/drawing/2014/main" id="{C6C44984-C71D-D1B6-794D-BE5427431E76}"/>
-              </a:ext>
-            </a:extLst>
-          </p:cNvPr>
-          <p:cNvSpPr/>
-          <p:nvPr/>
-        </p:nvSpPr>
-        <p:spPr>
-          <a:xfrm>
-            <a:off x="6394082" y="706107"/>
-            <a:ext cx="527706" cy="360000"/>
+            <a:off x="1600484" y="10053627"/>
+            <a:ext cx="527706" cy="448357"/>
           </a:xfrm>
           <a:prstGeom prst="rect">
             <a:avLst/>
@@ -21562,7 +22718,7 @@
             </p:nvSpPr>
             <p:spPr>
               <a:xfrm>
-                <a:off x="5818282" y="253360"/>
+                <a:off x="1600212" y="9282985"/>
                 <a:ext cx="561704" cy="246221"/>
               </a:xfrm>
               <a:prstGeom prst="rect">
@@ -21576,6 +22732,7 @@
               </a:bodyPr>
               <a:lstStyle/>
               <a:p>
+                <a:pPr/>
                 <a14:m>
                   <m:oMathPara xmlns:m="http://schemas.openxmlformats.org/officeDocument/2006/math">
                     <m:oMathParaPr>
@@ -21719,7 +22876,7 @@
             </p:nvSpPr>
             <p:spPr>
               <a:xfrm>
-                <a:off x="5818282" y="253360"/>
+                <a:off x="1600212" y="9282985"/>
                 <a:ext cx="561704" cy="246221"/>
               </a:xfrm>
               <a:prstGeom prst="rect">
@@ -21763,7 +22920,7 @@
             </p:nvSpPr>
             <p:spPr>
               <a:xfrm>
-                <a:off x="6392715" y="253301"/>
+                <a:off x="2174645" y="9282926"/>
                 <a:ext cx="561704" cy="246221"/>
               </a:xfrm>
               <a:prstGeom prst="rect">
@@ -21777,6 +22934,7 @@
               </a:bodyPr>
               <a:lstStyle/>
               <a:p>
+                <a:pPr/>
                 <a14:m>
                   <m:oMathPara xmlns:m="http://schemas.openxmlformats.org/officeDocument/2006/math">
                     <m:oMathParaPr>
@@ -21920,7 +23078,7 @@
             </p:nvSpPr>
             <p:spPr>
               <a:xfrm>
-                <a:off x="6392715" y="253301"/>
+                <a:off x="2174645" y="9282926"/>
                 <a:ext cx="561704" cy="246221"/>
               </a:xfrm>
               <a:prstGeom prst="rect">
@@ -21962,7 +23120,7 @@
         </p:nvSpPr>
         <p:spPr>
           <a:xfrm>
-            <a:off x="7477838" y="187380"/>
+            <a:off x="3269690" y="9631087"/>
             <a:ext cx="3034884" cy="1420781"/>
           </a:xfrm>
           <a:prstGeom prst="rect">
@@ -22018,7 +23176,7 @@
         </p:nvSpPr>
         <p:spPr>
           <a:xfrm>
-            <a:off x="7567413" y="550074"/>
+            <a:off x="3359265" y="9993781"/>
             <a:ext cx="1366155" cy="360000"/>
           </a:xfrm>
           <a:prstGeom prst="rect">
@@ -22074,7 +23232,7 @@
         </p:nvSpPr>
         <p:spPr>
           <a:xfrm>
-            <a:off x="9065992" y="550074"/>
+            <a:off x="4857844" y="9993781"/>
             <a:ext cx="1366155" cy="360000"/>
           </a:xfrm>
           <a:prstGeom prst="rect">
@@ -22130,7 +23288,7 @@
         </p:nvSpPr>
         <p:spPr>
           <a:xfrm>
-            <a:off x="8250491" y="1147283"/>
+            <a:off x="4042343" y="10590990"/>
             <a:ext cx="1366155" cy="360000"/>
           </a:xfrm>
           <a:prstGeom prst="rect">
@@ -22190,7 +23348,7 @@
         </p:nvCxnSpPr>
         <p:spPr>
           <a:xfrm rot="16200000" flipH="1">
-            <a:off x="8473426" y="687139"/>
+            <a:off x="4265278" y="10130846"/>
             <a:ext cx="237209" cy="683078"/>
           </a:xfrm>
           <a:prstGeom prst="bentConnector3">
@@ -22233,7 +23391,7 @@
         </p:nvCxnSpPr>
         <p:spPr>
           <a:xfrm rot="5400000">
-            <a:off x="9222716" y="620928"/>
+            <a:off x="5014568" y="10064635"/>
             <a:ext cx="237209" cy="815501"/>
           </a:xfrm>
           <a:prstGeom prst="bentConnector3">
@@ -22277,7 +23435,7 @@
         </p:nvCxnSpPr>
         <p:spPr>
           <a:xfrm>
-            <a:off x="7693046" y="115127"/>
+            <a:off x="3484898" y="9558834"/>
             <a:ext cx="1071" cy="426807"/>
           </a:xfrm>
           <a:prstGeom prst="straightConnector1">
@@ -22319,7 +23477,7 @@
         </p:nvCxnSpPr>
         <p:spPr>
           <a:xfrm flipH="1">
-            <a:off x="8766487" y="105620"/>
+            <a:off x="4558339" y="9549327"/>
             <a:ext cx="0" cy="437321"/>
           </a:xfrm>
           <a:prstGeom prst="straightConnector1">
@@ -22360,7 +23518,7 @@
             </p:nvSpPr>
             <p:spPr>
               <a:xfrm>
-                <a:off x="7539668" y="-131094"/>
+                <a:off x="3331520" y="9312613"/>
                 <a:ext cx="306756" cy="246221"/>
               </a:xfrm>
               <a:prstGeom prst="rect">
@@ -22374,6 +23532,7 @@
               </a:bodyPr>
               <a:lstStyle/>
               <a:p>
+                <a:pPr/>
                 <a14:m>
                   <m:oMathPara xmlns:m="http://schemas.openxmlformats.org/officeDocument/2006/math">
                     <m:oMathParaPr>
@@ -22404,7 +23563,7 @@
                             <a:rPr lang="vi-VN" sz="1000" b="0" i="1">
                               <a:latin typeface="Cambria Math" panose="02040503050406030204" pitchFamily="18" charset="0"/>
                             </a:rPr>
-                            <m:t>4</m:t>
+                            <m:t>0</m:t>
                           </m:r>
                         </m:sub>
                       </m:sSub>
@@ -22433,7 +23592,7 @@
             </p:nvSpPr>
             <p:spPr>
               <a:xfrm>
-                <a:off x="7539668" y="-131094"/>
+                <a:off x="3331520" y="9312613"/>
                 <a:ext cx="306756" cy="246221"/>
               </a:xfrm>
               <a:prstGeom prst="rect">
@@ -22475,7 +23634,7 @@
         </p:nvSpPr>
         <p:spPr>
           <a:xfrm>
-            <a:off x="9144222" y="311611"/>
+            <a:off x="4936074" y="9748338"/>
             <a:ext cx="386235" cy="129646"/>
           </a:xfrm>
           <a:prstGeom prst="flowChartManualOperation">
@@ -22535,7 +23694,7 @@
         </p:nvSpPr>
         <p:spPr>
           <a:xfrm>
-            <a:off x="9874138" y="305251"/>
+            <a:off x="5665990" y="9748958"/>
             <a:ext cx="386235" cy="129646"/>
           </a:xfrm>
           <a:prstGeom prst="flowChartManualOperation">
@@ -22597,7 +23756,7 @@
         </p:nvCxnSpPr>
         <p:spPr>
           <a:xfrm>
-            <a:off x="9437502" y="90095"/>
+            <a:off x="5229354" y="9533802"/>
             <a:ext cx="0" cy="216000"/>
           </a:xfrm>
           <a:prstGeom prst="straightConnector1">
@@ -22638,7 +23797,7 @@
         </p:nvCxnSpPr>
         <p:spPr>
           <a:xfrm>
-            <a:off x="10079183" y="90096"/>
+            <a:off x="5871035" y="9533803"/>
             <a:ext cx="0" cy="216000"/>
           </a:xfrm>
           <a:prstGeom prst="straightConnector1">
@@ -22679,7 +23838,7 @@
         </p:nvCxnSpPr>
         <p:spPr>
           <a:xfrm>
-            <a:off x="9974911" y="90097"/>
+            <a:off x="5766763" y="9533804"/>
             <a:ext cx="0" cy="216000"/>
           </a:xfrm>
           <a:prstGeom prst="straightConnector1">
@@ -22722,12 +23881,12 @@
         </p:nvCxnSpPr>
         <p:spPr>
           <a:xfrm rot="5400000" flipH="1" flipV="1">
-            <a:off x="9737388" y="460990"/>
+            <a:off x="5529240" y="9904697"/>
             <a:ext cx="589995" cy="288758"/>
           </a:xfrm>
           <a:prstGeom prst="bentConnector5">
             <a:avLst>
-              <a:gd name="adj1" fmla="val -38746"/>
+              <a:gd name="adj1" fmla="val -23985"/>
               <a:gd name="adj2" fmla="val 241142"/>
               <a:gd name="adj3" fmla="val 138746"/>
             </a:avLst>
@@ -22765,7 +23924,7 @@
         </p:nvSpPr>
         <p:spPr>
           <a:xfrm>
-            <a:off x="9683470" y="737216"/>
+            <a:off x="5475322" y="10180923"/>
             <a:ext cx="409074" cy="163150"/>
           </a:xfrm>
           <a:prstGeom prst="rect">
@@ -22818,7 +23977,7 @@
         </p:nvSpPr>
         <p:spPr>
           <a:xfrm>
-            <a:off x="9972228" y="310371"/>
+            <a:off x="5764080" y="9754078"/>
             <a:ext cx="409074" cy="163150"/>
           </a:xfrm>
           <a:prstGeom prst="rect">
@@ -22871,7 +24030,7 @@
         </p:nvSpPr>
         <p:spPr>
           <a:xfrm>
-            <a:off x="8298744" y="807474"/>
+            <a:off x="4090596" y="10251181"/>
             <a:ext cx="409074" cy="112501"/>
           </a:xfrm>
           <a:prstGeom prst="rect">
@@ -22924,7 +24083,7 @@
         </p:nvSpPr>
         <p:spPr>
           <a:xfrm>
-            <a:off x="9798680" y="1313206"/>
+            <a:off x="5590532" y="10756913"/>
             <a:ext cx="409074" cy="163150"/>
           </a:xfrm>
           <a:prstGeom prst="rect">
@@ -22981,14 +24140,14 @@
         </p:nvCxnSpPr>
         <p:spPr>
           <a:xfrm rot="5400000" flipH="1" flipV="1">
-            <a:off x="8616128" y="198763"/>
-            <a:ext cx="608364" cy="834059"/>
+            <a:off x="4404490" y="9638980"/>
+            <a:ext cx="615344" cy="834059"/>
           </a:xfrm>
           <a:prstGeom prst="bentConnector5">
             <a:avLst>
-              <a:gd name="adj1" fmla="val -9197"/>
-              <a:gd name="adj2" fmla="val 59118"/>
-              <a:gd name="adj3" fmla="val 137576"/>
+              <a:gd name="adj1" fmla="val -8791"/>
+              <a:gd name="adj2" fmla="val 59054"/>
+              <a:gd name="adj3" fmla="val 137150"/>
             </a:avLst>
           </a:prstGeom>
           <a:ln>
@@ -23026,7 +24185,7 @@
             </p:nvSpPr>
             <p:spPr>
               <a:xfrm>
-                <a:off x="8626813" y="-140601"/>
+                <a:off x="4418665" y="9303106"/>
                 <a:ext cx="306756" cy="246221"/>
               </a:xfrm>
               <a:prstGeom prst="rect">
@@ -23040,6 +24199,7 @@
               </a:bodyPr>
               <a:lstStyle/>
               <a:p>
+                <a:pPr/>
                 <a14:m>
                   <m:oMathPara xmlns:m="http://schemas.openxmlformats.org/officeDocument/2006/math">
                     <m:oMathParaPr>
@@ -23070,7 +24230,7 @@
                             <a:rPr lang="vi-VN" sz="1000" b="0" i="1">
                               <a:latin typeface="Cambria Math" panose="02040503050406030204" pitchFamily="18" charset="0"/>
                             </a:rPr>
-                            <m:t>5</m:t>
+                            <m:t>1</m:t>
                           </m:r>
                         </m:sub>
                       </m:sSub>
@@ -23099,7 +24259,7 @@
             </p:nvSpPr>
             <p:spPr>
               <a:xfrm>
-                <a:off x="8626813" y="-140601"/>
+                <a:off x="4418665" y="9303106"/>
                 <a:ext cx="306756" cy="246221"/>
               </a:xfrm>
               <a:prstGeom prst="rect">
@@ -23143,7 +24303,7 @@
             </p:nvSpPr>
             <p:spPr>
               <a:xfrm>
-                <a:off x="9320762" y="-141268"/>
+                <a:off x="5112614" y="9302439"/>
                 <a:ext cx="306756" cy="246221"/>
               </a:xfrm>
               <a:prstGeom prst="rect">
@@ -23157,6 +24317,7 @@
               </a:bodyPr>
               <a:lstStyle/>
               <a:p>
+                <a:pPr/>
                 <a14:m>
                   <m:oMathPara xmlns:m="http://schemas.openxmlformats.org/officeDocument/2006/math">
                     <m:oMathParaPr>
@@ -23187,7 +24348,7 @@
                             <a:rPr lang="vi-VN" sz="1000" b="0" i="1">
                               <a:latin typeface="Cambria Math" panose="02040503050406030204" pitchFamily="18" charset="0"/>
                             </a:rPr>
-                            <m:t>6</m:t>
+                            <m:t>2</m:t>
                           </m:r>
                         </m:sub>
                       </m:sSub>
@@ -23216,7 +24377,7 @@
             </p:nvSpPr>
             <p:spPr>
               <a:xfrm>
-                <a:off x="9320762" y="-141268"/>
+                <a:off x="5112614" y="9302439"/>
                 <a:ext cx="306756" cy="246221"/>
               </a:xfrm>
               <a:prstGeom prst="rect">
@@ -23260,7 +24421,7 @@
             </p:nvSpPr>
             <p:spPr>
               <a:xfrm>
-                <a:off x="9824477" y="-128259"/>
+                <a:off x="5616329" y="9315448"/>
                 <a:ext cx="306756" cy="246221"/>
               </a:xfrm>
               <a:prstGeom prst="rect">
@@ -23274,6 +24435,7 @@
               </a:bodyPr>
               <a:lstStyle/>
               <a:p>
+                <a:pPr/>
                 <a14:m>
                   <m:oMathPara xmlns:m="http://schemas.openxmlformats.org/officeDocument/2006/math">
                     <m:oMathParaPr>
@@ -23304,7 +24466,7 @@
                             <a:rPr lang="vi-VN" sz="1000" b="0" i="1">
                               <a:latin typeface="Cambria Math" panose="02040503050406030204" pitchFamily="18" charset="0"/>
                             </a:rPr>
-                            <m:t>7</m:t>
+                            <m:t>3</m:t>
                           </m:r>
                         </m:sub>
                       </m:sSub>
@@ -23333,7 +24495,7 @@
             </p:nvSpPr>
             <p:spPr>
               <a:xfrm>
-                <a:off x="9824477" y="-128259"/>
+                <a:off x="5616329" y="9315448"/>
                 <a:ext cx="306756" cy="246221"/>
               </a:xfrm>
               <a:prstGeom prst="rect">
@@ -23377,8 +24539,8 @@
             </p:nvSpPr>
             <p:spPr>
               <a:xfrm>
-                <a:off x="9923088" y="-121065"/>
-                <a:ext cx="306756" cy="246221"/>
+                <a:off x="5737246" y="9322642"/>
+                <a:ext cx="284450" cy="246221"/>
               </a:xfrm>
               <a:prstGeom prst="rect">
                 <a:avLst/>
@@ -23391,6 +24553,7 @@
               </a:bodyPr>
               <a:lstStyle/>
               <a:p>
+                <a:pPr/>
                 <a14:m>
                   <m:oMathPara xmlns:m="http://schemas.openxmlformats.org/officeDocument/2006/math">
                     <m:oMathParaPr>
@@ -23428,8 +24591,8 @@
             </p:nvSpPr>
             <p:spPr>
               <a:xfrm>
-                <a:off x="9923088" y="-121065"/>
-                <a:ext cx="306756" cy="246221"/>
+                <a:off x="5737246" y="9322642"/>
+                <a:ext cx="284450" cy="246221"/>
               </a:xfrm>
               <a:prstGeom prst="rect">
                 <a:avLst/>
@@ -23472,7 +24635,7 @@
         </p:nvCxnSpPr>
         <p:spPr>
           <a:xfrm>
-            <a:off x="8927852" y="1501321"/>
+            <a:off x="4719704" y="10945028"/>
             <a:ext cx="0" cy="216000"/>
           </a:xfrm>
           <a:prstGeom prst="straightConnector1">
@@ -23510,9 +24673,9 @@
           <p:nvPr/>
         </p:nvSpPr>
         <p:spPr>
-          <a:xfrm>
-            <a:off x="10670307" y="145600"/>
-            <a:ext cx="564983" cy="461665"/>
+          <a:xfrm rot="5400000">
+            <a:off x="6116471" y="10199680"/>
+            <a:ext cx="844538" cy="276999"/>
           </a:xfrm>
           <a:prstGeom prst="rect">
             <a:avLst/>
@@ -23553,7 +24716,7 @@
         </p:nvCxnSpPr>
         <p:spPr>
           <a:xfrm>
-            <a:off x="9337340" y="441257"/>
+            <a:off x="5129192" y="9877984"/>
             <a:ext cx="0" cy="108000"/>
           </a:xfrm>
           <a:prstGeom prst="straightConnector1">
@@ -23595,7 +24758,7 @@
         </p:nvCxnSpPr>
         <p:spPr>
           <a:xfrm>
-            <a:off x="10067256" y="434897"/>
+            <a:off x="5859108" y="9878604"/>
             <a:ext cx="0" cy="108000"/>
           </a:xfrm>
           <a:prstGeom prst="straightConnector1">
@@ -23603,179 +24766,6 @@
           </a:prstGeom>
           <a:ln>
             <a:tailEnd type="triangle"/>
-          </a:ln>
-        </p:spPr>
-        <p:style>
-          <a:lnRef idx="2">
-            <a:schemeClr val="dk1"/>
-          </a:lnRef>
-          <a:fillRef idx="0">
-            <a:schemeClr val="dk1"/>
-          </a:fillRef>
-          <a:effectRef idx="1">
-            <a:schemeClr val="dk1"/>
-          </a:effectRef>
-          <a:fontRef idx="minor">
-            <a:schemeClr val="tx1"/>
-          </a:fontRef>
-        </p:style>
-      </p:cxnSp>
-      <p:cxnSp>
-        <p:nvCxnSpPr>
-          <p:cNvPr id="325" name="Straight Arrow Connector 324">
-            <a:extLst>
-              <a:ext uri="{FF2B5EF4-FFF2-40B4-BE49-F238E27FC236}">
-                <a16:creationId xmlns:a16="http://schemas.microsoft.com/office/drawing/2014/main" id="{EC0ACD0D-5ED3-0669-793C-BAFC80601CCF}"/>
-              </a:ext>
-            </a:extLst>
-          </p:cNvPr>
-          <p:cNvCxnSpPr>
-            <a:cxnSpLocks/>
-            <a:stCxn id="316" idx="1"/>
-            <a:endCxn id="288" idx="3"/>
-          </p:cNvCxnSpPr>
-          <p:nvPr/>
-        </p:nvCxnSpPr>
-        <p:spPr>
-          <a:xfrm flipH="1" flipV="1">
-            <a:off x="10221750" y="370074"/>
-            <a:ext cx="448557" cy="6359"/>
-          </a:xfrm>
-          <a:prstGeom prst="straightConnector1">
-            <a:avLst/>
-          </a:prstGeom>
-          <a:ln>
-            <a:prstDash val="sysDash"/>
-            <a:tailEnd type="triangle"/>
-          </a:ln>
-        </p:spPr>
-        <p:style>
-          <a:lnRef idx="2">
-            <a:schemeClr val="dk1"/>
-          </a:lnRef>
-          <a:fillRef idx="0">
-            <a:schemeClr val="dk1"/>
-          </a:fillRef>
-          <a:effectRef idx="1">
-            <a:schemeClr val="dk1"/>
-          </a:effectRef>
-          <a:fontRef idx="minor">
-            <a:schemeClr val="tx1"/>
-          </a:fontRef>
-        </p:style>
-      </p:cxnSp>
-      <p:cxnSp>
-        <p:nvCxnSpPr>
-          <p:cNvPr id="332" name="Elbow Connector 331">
-            <a:extLst>
-              <a:ext uri="{FF2B5EF4-FFF2-40B4-BE49-F238E27FC236}">
-                <a16:creationId xmlns:a16="http://schemas.microsoft.com/office/drawing/2014/main" id="{520F409A-9720-E04F-1D78-A36390576DD1}"/>
-              </a:ext>
-            </a:extLst>
-          </p:cNvPr>
-          <p:cNvCxnSpPr>
-            <a:cxnSpLocks/>
-            <a:stCxn id="316" idx="0"/>
-            <a:endCxn id="287" idx="3"/>
-          </p:cNvCxnSpPr>
-          <p:nvPr/>
-        </p:nvCxnSpPr>
-        <p:spPr>
-          <a:xfrm rot="16200000" flipH="1" flipV="1">
-            <a:off x="10106900" y="-469466"/>
-            <a:ext cx="230834" cy="1460965"/>
-          </a:xfrm>
-          <a:prstGeom prst="bentConnector4">
-            <a:avLst>
-              <a:gd name="adj1" fmla="val -126734"/>
-              <a:gd name="adj2" fmla="val 84607"/>
-            </a:avLst>
-          </a:prstGeom>
-          <a:ln>
-            <a:prstDash val="sysDash"/>
-            <a:tailEnd type="triangle"/>
-          </a:ln>
-        </p:spPr>
-        <p:style>
-          <a:lnRef idx="2">
-            <a:schemeClr val="dk1"/>
-          </a:lnRef>
-          <a:fillRef idx="0">
-            <a:schemeClr val="dk1"/>
-          </a:fillRef>
-          <a:effectRef idx="1">
-            <a:schemeClr val="dk1"/>
-          </a:effectRef>
-          <a:fontRef idx="minor">
-            <a:schemeClr val="tx1"/>
-          </a:fontRef>
-        </p:style>
-      </p:cxnSp>
-      <p:cxnSp>
-        <p:nvCxnSpPr>
-          <p:cNvPr id="352" name="Straight Connector 351">
-            <a:extLst>
-              <a:ext uri="{FF2B5EF4-FFF2-40B4-BE49-F238E27FC236}">
-                <a16:creationId xmlns:a16="http://schemas.microsoft.com/office/drawing/2014/main" id="{11648472-C755-7DE6-B83B-DE5CF8DAED4B}"/>
-              </a:ext>
-            </a:extLst>
-          </p:cNvPr>
-          <p:cNvCxnSpPr>
-            <a:cxnSpLocks/>
-          </p:cNvCxnSpPr>
-          <p:nvPr/>
-        </p:nvCxnSpPr>
-        <p:spPr>
-          <a:xfrm flipV="1">
-            <a:off x="6907379" y="214400"/>
-            <a:ext cx="562200" cy="508854"/>
-          </a:xfrm>
-          <a:prstGeom prst="line">
-            <a:avLst/>
-          </a:prstGeom>
-          <a:ln>
-            <a:prstDash val="dash"/>
-          </a:ln>
-        </p:spPr>
-        <p:style>
-          <a:lnRef idx="2">
-            <a:schemeClr val="dk1"/>
-          </a:lnRef>
-          <a:fillRef idx="0">
-            <a:schemeClr val="dk1"/>
-          </a:fillRef>
-          <a:effectRef idx="1">
-            <a:schemeClr val="dk1"/>
-          </a:effectRef>
-          <a:fontRef idx="minor">
-            <a:schemeClr val="tx1"/>
-          </a:fontRef>
-        </p:style>
-      </p:cxnSp>
-      <p:cxnSp>
-        <p:nvCxnSpPr>
-          <p:cNvPr id="356" name="Straight Connector 355">
-            <a:extLst>
-              <a:ext uri="{FF2B5EF4-FFF2-40B4-BE49-F238E27FC236}">
-                <a16:creationId xmlns:a16="http://schemas.microsoft.com/office/drawing/2014/main" id="{FDAFBB35-856C-4C03-C654-CA684D24EDB7}"/>
-              </a:ext>
-            </a:extLst>
-          </p:cNvPr>
-          <p:cNvCxnSpPr>
-            <a:cxnSpLocks/>
-          </p:cNvCxnSpPr>
-          <p:nvPr/>
-        </p:nvCxnSpPr>
-        <p:spPr>
-          <a:xfrm>
-            <a:off x="6947065" y="1059107"/>
-            <a:ext cx="563686" cy="555747"/>
-          </a:xfrm>
-          <a:prstGeom prst="line">
-            <a:avLst/>
-          </a:prstGeom>
-          <a:ln>
-            <a:prstDash val="dash"/>
           </a:ln>
         </p:spPr>
         <p:style>
@@ -23807,47 +24797,8 @@
         </p:nvSpPr>
         <p:spPr>
           <a:xfrm>
-            <a:off x="5101929" y="-637212"/>
-            <a:ext cx="2237947" cy="369332"/>
-          </a:xfrm>
-          <a:prstGeom prst="rect">
-            <a:avLst/>
-          </a:prstGeom>
-          <a:noFill/>
-        </p:spPr>
-        <p:txBody>
-          <a:bodyPr wrap="square" rtlCol="0">
-            <a:spAutoFit/>
-          </a:bodyPr>
-          <a:lstStyle/>
-          <a:p>
-            <a:pPr algn="ctr"/>
-            <a:r>
-              <a:rPr lang="en-VN" b="1">
-                <a:latin typeface="Times New Roman" panose="02020603050405020304" pitchFamily="18" charset="0"/>
-                <a:cs typeface="Times New Roman" panose="02020603050405020304" pitchFamily="18" charset="0"/>
-              </a:rPr>
-              <a:t>(e) ALU</a:t>
-            </a:r>
-          </a:p>
-        </p:txBody>
-      </p:sp>
-      <p:sp>
-        <p:nvSpPr>
-          <p:cNvPr id="366" name="TextBox 365">
-            <a:extLst>
-              <a:ext uri="{FF2B5EF4-FFF2-40B4-BE49-F238E27FC236}">
-                <a16:creationId xmlns:a16="http://schemas.microsoft.com/office/drawing/2014/main" id="{454D7174-0022-42AA-4542-16B3C9C980D9}"/>
-              </a:ext>
-            </a:extLst>
-          </p:cNvPr>
-          <p:cNvSpPr txBox="1"/>
-          <p:nvPr/>
-        </p:nvSpPr>
-        <p:spPr>
-          <a:xfrm>
-            <a:off x="7668360" y="5863719"/>
-            <a:ext cx="985892" cy="369332"/>
+            <a:off x="913868" y="9040489"/>
+            <a:ext cx="2274779" cy="369332"/>
           </a:xfrm>
           <a:prstGeom prst="rect">
             <a:avLst/>
@@ -23865,17 +24816,17 @@
                 <a:latin typeface="Times New Roman" panose="02020603050405020304" pitchFamily="18" charset="0"/>
                 <a:cs typeface="Times New Roman" panose="02020603050405020304" pitchFamily="18" charset="0"/>
               </a:rPr>
-              <a:t>(d) PE</a:t>
+              <a:t>(d) ALU</a:t>
             </a:r>
           </a:p>
         </p:txBody>
       </p:sp>
       <p:sp>
         <p:nvSpPr>
-          <p:cNvPr id="367" name="TextBox 366">
-            <a:extLst>
-              <a:ext uri="{FF2B5EF4-FFF2-40B4-BE49-F238E27FC236}">
-                <a16:creationId xmlns:a16="http://schemas.microsoft.com/office/drawing/2014/main" id="{B4216D42-9D56-838D-795C-9859B223E352}"/>
+          <p:cNvPr id="366" name="TextBox 365">
+            <a:extLst>
+              <a:ext uri="{FF2B5EF4-FFF2-40B4-BE49-F238E27FC236}">
+                <a16:creationId xmlns:a16="http://schemas.microsoft.com/office/drawing/2014/main" id="{454D7174-0022-42AA-4542-16B3C9C980D9}"/>
               </a:ext>
             </a:extLst>
           </p:cNvPr>
@@ -23884,8 +24835,8 @@
         </p:nvSpPr>
         <p:spPr>
           <a:xfrm>
-            <a:off x="7653145" y="-640832"/>
-            <a:ext cx="2237947" cy="369332"/>
+            <a:off x="921431" y="5746594"/>
+            <a:ext cx="961016" cy="369332"/>
           </a:xfrm>
           <a:prstGeom prst="rect">
             <a:avLst/>
@@ -23898,17 +24849,550 @@
           </a:bodyPr>
           <a:lstStyle/>
           <a:p>
-            <a:pPr algn="ctr"/>
             <a:r>
               <a:rPr lang="en-VN" b="1">
                 <a:latin typeface="Times New Roman" panose="02020603050405020304" pitchFamily="18" charset="0"/>
                 <a:cs typeface="Times New Roman" panose="02020603050405020304" pitchFamily="18" charset="0"/>
               </a:rPr>
-              <a:t>(f) SU</a:t>
+              <a:t>(c) PE</a:t>
             </a:r>
           </a:p>
         </p:txBody>
       </p:sp>
+      <p:cxnSp>
+        <p:nvCxnSpPr>
+          <p:cNvPr id="31" name="Straight Arrow Connector 30">
+            <a:extLst>
+              <a:ext uri="{FF2B5EF4-FFF2-40B4-BE49-F238E27FC236}">
+                <a16:creationId xmlns:a16="http://schemas.microsoft.com/office/drawing/2014/main" id="{96B692EB-7878-CEA0-8440-D6F7DFCA7EFF}"/>
+              </a:ext>
+            </a:extLst>
+          </p:cNvPr>
+          <p:cNvCxnSpPr>
+            <a:cxnSpLocks/>
+            <a:stCxn id="32" idx="2"/>
+          </p:cNvCxnSpPr>
+          <p:nvPr/>
+        </p:nvCxnSpPr>
+        <p:spPr>
+          <a:xfrm>
+            <a:off x="2465200" y="10500823"/>
+            <a:ext cx="0" cy="396000"/>
+          </a:xfrm>
+          <a:prstGeom prst="straightConnector1">
+            <a:avLst/>
+          </a:prstGeom>
+          <a:ln>
+            <a:tailEnd type="triangle"/>
+          </a:ln>
+        </p:spPr>
+        <p:style>
+          <a:lnRef idx="2">
+            <a:schemeClr val="dk1"/>
+          </a:lnRef>
+          <a:fillRef idx="0">
+            <a:schemeClr val="dk1"/>
+          </a:fillRef>
+          <a:effectRef idx="1">
+            <a:schemeClr val="dk1"/>
+          </a:effectRef>
+          <a:fontRef idx="minor">
+            <a:schemeClr val="tx1"/>
+          </a:fontRef>
+        </p:style>
+      </p:cxnSp>
+      <p:sp>
+        <p:nvSpPr>
+          <p:cNvPr id="32" name="Rectangle 31">
+            <a:extLst>
+              <a:ext uri="{FF2B5EF4-FFF2-40B4-BE49-F238E27FC236}">
+                <a16:creationId xmlns:a16="http://schemas.microsoft.com/office/drawing/2014/main" id="{683F12C7-CC0D-91BF-E63E-C3B186C30137}"/>
+              </a:ext>
+            </a:extLst>
+          </p:cNvPr>
+          <p:cNvSpPr/>
+          <p:nvPr/>
+        </p:nvSpPr>
+        <p:spPr>
+          <a:xfrm>
+            <a:off x="2201347" y="10052466"/>
+            <a:ext cx="527706" cy="448357"/>
+          </a:xfrm>
+          <a:prstGeom prst="rect">
+            <a:avLst/>
+          </a:prstGeom>
+          <a:noFill/>
+        </p:spPr>
+        <p:style>
+          <a:lnRef idx="2">
+            <a:schemeClr val="accent1">
+              <a:shade val="15000"/>
+            </a:schemeClr>
+          </a:lnRef>
+          <a:fillRef idx="1">
+            <a:schemeClr val="accent1"/>
+          </a:fillRef>
+          <a:effectRef idx="0">
+            <a:schemeClr val="accent1"/>
+          </a:effectRef>
+          <a:fontRef idx="minor">
+            <a:schemeClr val="lt1"/>
+          </a:fontRef>
+        </p:style>
+        <p:txBody>
+          <a:bodyPr rtlCol="0" anchor="ctr"/>
+          <a:lstStyle/>
+          <a:p>
+            <a:pPr algn="ctr"/>
+            <a:r>
+              <a:rPr lang="en-VN">
+                <a:solidFill>
+                  <a:schemeClr val="tx1"/>
+                </a:solidFill>
+                <a:latin typeface="Times New Roman" panose="02020603050405020304" pitchFamily="18" charset="0"/>
+                <a:cs typeface="Times New Roman" panose="02020603050405020304" pitchFamily="18" charset="0"/>
+              </a:rPr>
+              <a:t>SU</a:t>
+            </a:r>
+          </a:p>
+        </p:txBody>
+      </p:sp>
+      <p:sp>
+        <p:nvSpPr>
+          <p:cNvPr id="264" name="TextBox 263">
+            <a:extLst>
+              <a:ext uri="{FF2B5EF4-FFF2-40B4-BE49-F238E27FC236}">
+                <a16:creationId xmlns:a16="http://schemas.microsoft.com/office/drawing/2014/main" id="{FB7D4F92-C218-6EDA-4207-0D1144057439}"/>
+              </a:ext>
+            </a:extLst>
+          </p:cNvPr>
+          <p:cNvSpPr txBox="1"/>
+          <p:nvPr/>
+        </p:nvSpPr>
+        <p:spPr>
+          <a:xfrm>
+            <a:off x="649307" y="9750901"/>
+            <a:ext cx="571993" cy="461665"/>
+          </a:xfrm>
+          <a:prstGeom prst="rect">
+            <a:avLst/>
+          </a:prstGeom>
+          <a:solidFill>
+            <a:schemeClr val="bg1"/>
+          </a:solidFill>
+        </p:spPr>
+        <p:txBody>
+          <a:bodyPr wrap="square" rtlCol="0">
+            <a:spAutoFit/>
+          </a:bodyPr>
+          <a:lstStyle/>
+          <a:p>
+            <a:r>
+              <a:rPr lang="en-US" sz="1200"/>
+              <a:t>o</a:t>
+            </a:r>
+            <a:r>
+              <a:rPr lang="en-VN" sz="1200"/>
+              <a:t>p-mode</a:t>
+            </a:r>
+          </a:p>
+        </p:txBody>
+      </p:sp>
+      <p:cxnSp>
+        <p:nvCxnSpPr>
+          <p:cNvPr id="22" name="Elbow Connector 21">
+            <a:extLst>
+              <a:ext uri="{FF2B5EF4-FFF2-40B4-BE49-F238E27FC236}">
+                <a16:creationId xmlns:a16="http://schemas.microsoft.com/office/drawing/2014/main" id="{2E23AE79-827B-27D3-175B-4F2C8E11D926}"/>
+              </a:ext>
+            </a:extLst>
+          </p:cNvPr>
+          <p:cNvCxnSpPr>
+            <a:cxnSpLocks/>
+            <a:stCxn id="8" idx="0"/>
+          </p:cNvCxnSpPr>
+          <p:nvPr/>
+        </p:nvCxnSpPr>
+        <p:spPr>
+          <a:xfrm rot="16200000" flipH="1">
+            <a:off x="3934789" y="625904"/>
+            <a:ext cx="18854" cy="925886"/>
+          </a:xfrm>
+          <a:prstGeom prst="bentConnector4">
+            <a:avLst>
+              <a:gd name="adj1" fmla="val -760364"/>
+              <a:gd name="adj2" fmla="val 99610"/>
+            </a:avLst>
+          </a:prstGeom>
+          <a:ln>
+            <a:headEnd type="triangle"/>
+            <a:tailEnd type="triangle"/>
+          </a:ln>
+        </p:spPr>
+        <p:style>
+          <a:lnRef idx="2">
+            <a:schemeClr val="accent1"/>
+          </a:lnRef>
+          <a:fillRef idx="0">
+            <a:schemeClr val="accent1"/>
+          </a:fillRef>
+          <a:effectRef idx="1">
+            <a:schemeClr val="accent1"/>
+          </a:effectRef>
+          <a:fontRef idx="minor">
+            <a:schemeClr val="tx1"/>
+          </a:fontRef>
+        </p:style>
+      </p:cxnSp>
+      <p:cxnSp>
+        <p:nvCxnSpPr>
+          <p:cNvPr id="35" name="Elbow Connector 34">
+            <a:extLst>
+              <a:ext uri="{FF2B5EF4-FFF2-40B4-BE49-F238E27FC236}">
+                <a16:creationId xmlns:a16="http://schemas.microsoft.com/office/drawing/2014/main" id="{03633D74-576F-A1D3-EFBE-5CE99E78D37F}"/>
+              </a:ext>
+            </a:extLst>
+          </p:cNvPr>
+          <p:cNvCxnSpPr>
+            <a:cxnSpLocks/>
+          </p:cNvCxnSpPr>
+          <p:nvPr/>
+        </p:nvCxnSpPr>
+        <p:spPr>
+          <a:xfrm rot="5400000" flipH="1" flipV="1">
+            <a:off x="4204561" y="1802001"/>
+            <a:ext cx="18854" cy="925886"/>
+          </a:xfrm>
+          <a:prstGeom prst="bentConnector4">
+            <a:avLst>
+              <a:gd name="adj1" fmla="val -760364"/>
+              <a:gd name="adj2" fmla="val 99610"/>
+            </a:avLst>
+          </a:prstGeom>
+          <a:ln>
+            <a:headEnd type="triangle"/>
+            <a:tailEnd type="triangle"/>
+          </a:ln>
+        </p:spPr>
+        <p:style>
+          <a:lnRef idx="2">
+            <a:schemeClr val="accent1"/>
+          </a:lnRef>
+          <a:fillRef idx="0">
+            <a:schemeClr val="accent1"/>
+          </a:fillRef>
+          <a:effectRef idx="1">
+            <a:schemeClr val="accent1"/>
+          </a:effectRef>
+          <a:fontRef idx="minor">
+            <a:schemeClr val="tx1"/>
+          </a:fontRef>
+        </p:style>
+      </p:cxnSp>
+      <p:sp>
+        <p:nvSpPr>
+          <p:cNvPr id="145" name="Rectangle 144">
+            <a:extLst>
+              <a:ext uri="{FF2B5EF4-FFF2-40B4-BE49-F238E27FC236}">
+                <a16:creationId xmlns:a16="http://schemas.microsoft.com/office/drawing/2014/main" id="{67CA4357-94F2-3870-A5DE-BC87B75E1228}"/>
+              </a:ext>
+            </a:extLst>
+          </p:cNvPr>
+          <p:cNvSpPr/>
+          <p:nvPr/>
+        </p:nvSpPr>
+        <p:spPr>
+          <a:xfrm rot="16200000">
+            <a:off x="897226" y="8068029"/>
+            <a:ext cx="1460935" cy="487048"/>
+          </a:xfrm>
+          <a:prstGeom prst="rect">
+            <a:avLst/>
+          </a:prstGeom>
+          <a:solidFill>
+            <a:schemeClr val="bg1"/>
+          </a:solidFill>
+        </p:spPr>
+        <p:style>
+          <a:lnRef idx="2">
+            <a:schemeClr val="accent1">
+              <a:shade val="15000"/>
+            </a:schemeClr>
+          </a:lnRef>
+          <a:fillRef idx="1">
+            <a:schemeClr val="accent1"/>
+          </a:fillRef>
+          <a:effectRef idx="0">
+            <a:schemeClr val="accent1"/>
+          </a:effectRef>
+          <a:fontRef idx="minor">
+            <a:schemeClr val="lt1"/>
+          </a:fontRef>
+        </p:style>
+        <p:txBody>
+          <a:bodyPr rtlCol="0" anchor="ctr"/>
+          <a:lstStyle/>
+          <a:p>
+            <a:pPr algn="ctr"/>
+            <a:r>
+              <a:rPr lang="en-VN">
+                <a:solidFill>
+                  <a:schemeClr val="tx1"/>
+                </a:solidFill>
+                <a:latin typeface="Times New Roman" panose="02020603050405020304" pitchFamily="18" charset="0"/>
+                <a:cs typeface="Times New Roman" panose="02020603050405020304" pitchFamily="18" charset="0"/>
+              </a:rPr>
+              <a:t>PE Controller</a:t>
+            </a:r>
+          </a:p>
+        </p:txBody>
+      </p:sp>
+      <p:sp>
+        <p:nvSpPr>
+          <p:cNvPr id="85" name="TextBox 84">
+            <a:extLst>
+              <a:ext uri="{FF2B5EF4-FFF2-40B4-BE49-F238E27FC236}">
+                <a16:creationId xmlns:a16="http://schemas.microsoft.com/office/drawing/2014/main" id="{95C94A7E-65AD-8791-58F8-450F5F3F09E0}"/>
+              </a:ext>
+            </a:extLst>
+          </p:cNvPr>
+          <p:cNvSpPr txBox="1"/>
+          <p:nvPr/>
+        </p:nvSpPr>
+        <p:spPr>
+          <a:xfrm>
+            <a:off x="3238529" y="9026408"/>
+            <a:ext cx="3106615" cy="369332"/>
+          </a:xfrm>
+          <a:prstGeom prst="rect">
+            <a:avLst/>
+          </a:prstGeom>
+          <a:noFill/>
+        </p:spPr>
+        <p:txBody>
+          <a:bodyPr wrap="square" rtlCol="0">
+            <a:spAutoFit/>
+          </a:bodyPr>
+          <a:lstStyle/>
+          <a:p>
+            <a:r>
+              <a:rPr lang="en-VN" b="1">
+                <a:latin typeface="Times New Roman" panose="02020603050405020304" pitchFamily="18" charset="0"/>
+                <a:cs typeface="Times New Roman" panose="02020603050405020304" pitchFamily="18" charset="0"/>
+              </a:rPr>
+              <a:t>(e) SU</a:t>
+            </a:r>
+          </a:p>
+        </p:txBody>
+      </p:sp>
+      <p:cxnSp>
+        <p:nvCxnSpPr>
+          <p:cNvPr id="131" name="Elbow Connector 130">
+            <a:extLst>
+              <a:ext uri="{FF2B5EF4-FFF2-40B4-BE49-F238E27FC236}">
+                <a16:creationId xmlns:a16="http://schemas.microsoft.com/office/drawing/2014/main" id="{63755E44-5C67-83FC-9720-F031B820D57F}"/>
+              </a:ext>
+            </a:extLst>
+          </p:cNvPr>
+          <p:cNvCxnSpPr>
+            <a:cxnSpLocks/>
+            <a:stCxn id="316" idx="1"/>
+            <a:endCxn id="288" idx="3"/>
+          </p:cNvCxnSpPr>
+          <p:nvPr/>
+        </p:nvCxnSpPr>
+        <p:spPr>
+          <a:xfrm rot="16200000" flipV="1">
+            <a:off x="6225106" y="9602277"/>
+            <a:ext cx="102130" cy="525138"/>
+          </a:xfrm>
+          <a:prstGeom prst="bentConnector2">
+            <a:avLst/>
+          </a:prstGeom>
+          <a:ln>
+            <a:prstDash val="sysDash"/>
+            <a:tailEnd type="triangle"/>
+          </a:ln>
+        </p:spPr>
+        <p:style>
+          <a:lnRef idx="2">
+            <a:schemeClr val="dk1"/>
+          </a:lnRef>
+          <a:fillRef idx="0">
+            <a:schemeClr val="dk1"/>
+          </a:fillRef>
+          <a:effectRef idx="1">
+            <a:schemeClr val="dk1"/>
+          </a:effectRef>
+          <a:fontRef idx="minor">
+            <a:schemeClr val="tx1"/>
+          </a:fontRef>
+        </p:style>
+      </p:cxnSp>
+      <p:cxnSp>
+        <p:nvCxnSpPr>
+          <p:cNvPr id="150" name="Straight Connector 149">
+            <a:extLst>
+              <a:ext uri="{FF2B5EF4-FFF2-40B4-BE49-F238E27FC236}">
+                <a16:creationId xmlns:a16="http://schemas.microsoft.com/office/drawing/2014/main" id="{EFA9EC39-7130-299D-FA45-14185210B169}"/>
+              </a:ext>
+            </a:extLst>
+          </p:cNvPr>
+          <p:cNvCxnSpPr>
+            <a:cxnSpLocks/>
+          </p:cNvCxnSpPr>
+          <p:nvPr/>
+        </p:nvCxnSpPr>
+        <p:spPr>
+          <a:xfrm flipH="1" flipV="1">
+            <a:off x="3464170" y="5505359"/>
+            <a:ext cx="2373082" cy="239494"/>
+          </a:xfrm>
+          <a:prstGeom prst="line">
+            <a:avLst/>
+          </a:prstGeom>
+          <a:ln>
+            <a:prstDash val="sysDash"/>
+          </a:ln>
+        </p:spPr>
+        <p:style>
+          <a:lnRef idx="2">
+            <a:schemeClr val="dk1"/>
+          </a:lnRef>
+          <a:fillRef idx="0">
+            <a:schemeClr val="dk1"/>
+          </a:fillRef>
+          <a:effectRef idx="1">
+            <a:schemeClr val="dk1"/>
+          </a:effectRef>
+          <a:fontRef idx="minor">
+            <a:schemeClr val="tx1"/>
+          </a:fontRef>
+        </p:style>
+      </p:cxnSp>
+      <p:cxnSp>
+        <p:nvCxnSpPr>
+          <p:cNvPr id="159" name="Straight Connector 158">
+            <a:extLst>
+              <a:ext uri="{FF2B5EF4-FFF2-40B4-BE49-F238E27FC236}">
+                <a16:creationId xmlns:a16="http://schemas.microsoft.com/office/drawing/2014/main" id="{FB88F6B6-9EFC-38C1-B9A8-8F18ECD87568}"/>
+              </a:ext>
+            </a:extLst>
+          </p:cNvPr>
+          <p:cNvCxnSpPr>
+            <a:cxnSpLocks/>
+          </p:cNvCxnSpPr>
+          <p:nvPr/>
+        </p:nvCxnSpPr>
+        <p:spPr>
+          <a:xfrm flipV="1">
+            <a:off x="902092" y="5514858"/>
+            <a:ext cx="2018841" cy="245515"/>
+          </a:xfrm>
+          <a:prstGeom prst="line">
+            <a:avLst/>
+          </a:prstGeom>
+          <a:ln>
+            <a:prstDash val="sysDash"/>
+          </a:ln>
+        </p:spPr>
+        <p:style>
+          <a:lnRef idx="2">
+            <a:schemeClr val="dk1"/>
+          </a:lnRef>
+          <a:fillRef idx="0">
+            <a:schemeClr val="dk1"/>
+          </a:fillRef>
+          <a:effectRef idx="1">
+            <a:schemeClr val="dk1"/>
+          </a:effectRef>
+          <a:fontRef idx="minor">
+            <a:schemeClr val="tx1"/>
+          </a:fontRef>
+        </p:style>
+      </p:cxnSp>
+      <p:cxnSp>
+        <p:nvCxnSpPr>
+          <p:cNvPr id="179" name="Straight Connector 178">
+            <a:extLst>
+              <a:ext uri="{FF2B5EF4-FFF2-40B4-BE49-F238E27FC236}">
+                <a16:creationId xmlns:a16="http://schemas.microsoft.com/office/drawing/2014/main" id="{549AA69A-1CDC-670D-D8AB-0A7AF957F833}"/>
+              </a:ext>
+            </a:extLst>
+          </p:cNvPr>
+          <p:cNvCxnSpPr>
+            <a:cxnSpLocks/>
+          </p:cNvCxnSpPr>
+          <p:nvPr/>
+        </p:nvCxnSpPr>
+        <p:spPr>
+          <a:xfrm flipH="1" flipV="1">
+            <a:off x="2736437" y="10486416"/>
+            <a:ext cx="533253" cy="573932"/>
+          </a:xfrm>
+          <a:prstGeom prst="line">
+            <a:avLst/>
+          </a:prstGeom>
+          <a:ln>
+            <a:prstDash val="sysDash"/>
+          </a:ln>
+        </p:spPr>
+        <p:style>
+          <a:lnRef idx="2">
+            <a:schemeClr val="dk1"/>
+          </a:lnRef>
+          <a:fillRef idx="0">
+            <a:schemeClr val="dk1"/>
+          </a:fillRef>
+          <a:effectRef idx="1">
+            <a:schemeClr val="dk1"/>
+          </a:effectRef>
+          <a:fontRef idx="minor">
+            <a:schemeClr val="tx1"/>
+          </a:fontRef>
+        </p:style>
+      </p:cxnSp>
+      <p:cxnSp>
+        <p:nvCxnSpPr>
+          <p:cNvPr id="192" name="Straight Connector 191">
+            <a:extLst>
+              <a:ext uri="{FF2B5EF4-FFF2-40B4-BE49-F238E27FC236}">
+                <a16:creationId xmlns:a16="http://schemas.microsoft.com/office/drawing/2014/main" id="{2DB30094-3732-3351-2B3E-9A83E692D42E}"/>
+              </a:ext>
+            </a:extLst>
+          </p:cNvPr>
+          <p:cNvCxnSpPr>
+            <a:cxnSpLocks/>
+          </p:cNvCxnSpPr>
+          <p:nvPr/>
+        </p:nvCxnSpPr>
+        <p:spPr>
+          <a:xfrm flipH="1">
+            <a:off x="2736437" y="9640111"/>
+            <a:ext cx="533253" cy="406416"/>
+          </a:xfrm>
+          <a:prstGeom prst="line">
+            <a:avLst/>
+          </a:prstGeom>
+          <a:ln>
+            <a:prstDash val="sysDash"/>
+          </a:ln>
+        </p:spPr>
+        <p:style>
+          <a:lnRef idx="2">
+            <a:schemeClr val="dk1"/>
+          </a:lnRef>
+          <a:fillRef idx="0">
+            <a:schemeClr val="dk1"/>
+          </a:fillRef>
+          <a:effectRef idx="1">
+            <a:schemeClr val="dk1"/>
+          </a:effectRef>
+          <a:fontRef idx="minor">
+            <a:schemeClr val="tx1"/>
+          </a:fontRef>
+        </p:style>
+      </p:cxnSp>
     </p:spTree>
     <p:extLst>
       <p:ext uri="{BB962C8B-B14F-4D97-AF65-F5344CB8AC3E}">
